--- a/Chapitre 8.pptx
+++ b/Chapitre 8.pptx
@@ -223,7 +223,7 @@
           <a:p>
             <a:fld id="{D49431B6-3A00-4766-A1BA-84EAE27D4D09}" type="datetimeFigureOut">
               <a:rPr lang="fr-BE" smtClean="0"/>
-              <a:t>03-02-26</a:t>
+              <a:t>04-02-26</a:t>
             </a:fld>
             <a:endParaRPr lang="fr-BE"/>
           </a:p>
@@ -739,7 +739,7 @@
           <a:p>
             <a:fld id="{1ED78F18-C92B-44E1-AE66-633DAA2AA103}" type="datetimeFigureOut">
               <a:rPr lang="fr-BE" smtClean="0"/>
-              <a:t>03-02-26</a:t>
+              <a:t>04-02-26</a:t>
             </a:fld>
             <a:endParaRPr lang="fr-BE"/>
           </a:p>
@@ -939,7 +939,7 @@
           <a:p>
             <a:fld id="{1ED78F18-C92B-44E1-AE66-633DAA2AA103}" type="datetimeFigureOut">
               <a:rPr lang="fr-BE" smtClean="0"/>
-              <a:t>03-02-26</a:t>
+              <a:t>04-02-26</a:t>
             </a:fld>
             <a:endParaRPr lang="fr-BE"/>
           </a:p>
@@ -1149,7 +1149,7 @@
           <a:p>
             <a:fld id="{1ED78F18-C92B-44E1-AE66-633DAA2AA103}" type="datetimeFigureOut">
               <a:rPr lang="fr-BE" smtClean="0"/>
-              <a:t>03-02-26</a:t>
+              <a:t>04-02-26</a:t>
             </a:fld>
             <a:endParaRPr lang="fr-BE"/>
           </a:p>
@@ -1349,7 +1349,7 @@
           <a:p>
             <a:fld id="{1ED78F18-C92B-44E1-AE66-633DAA2AA103}" type="datetimeFigureOut">
               <a:rPr lang="fr-BE" smtClean="0"/>
-              <a:t>03-02-26</a:t>
+              <a:t>04-02-26</a:t>
             </a:fld>
             <a:endParaRPr lang="fr-BE"/>
           </a:p>
@@ -1625,7 +1625,7 @@
           <a:p>
             <a:fld id="{1ED78F18-C92B-44E1-AE66-633DAA2AA103}" type="datetimeFigureOut">
               <a:rPr lang="fr-BE" smtClean="0"/>
-              <a:t>03-02-26</a:t>
+              <a:t>04-02-26</a:t>
             </a:fld>
             <a:endParaRPr lang="fr-BE"/>
           </a:p>
@@ -1893,7 +1893,7 @@
           <a:p>
             <a:fld id="{1ED78F18-C92B-44E1-AE66-633DAA2AA103}" type="datetimeFigureOut">
               <a:rPr lang="fr-BE" smtClean="0"/>
-              <a:t>03-02-26</a:t>
+              <a:t>04-02-26</a:t>
             </a:fld>
             <a:endParaRPr lang="fr-BE"/>
           </a:p>
@@ -2308,7 +2308,7 @@
           <a:p>
             <a:fld id="{1ED78F18-C92B-44E1-AE66-633DAA2AA103}" type="datetimeFigureOut">
               <a:rPr lang="fr-BE" smtClean="0"/>
-              <a:t>03-02-26</a:t>
+              <a:t>04-02-26</a:t>
             </a:fld>
             <a:endParaRPr lang="fr-BE"/>
           </a:p>
@@ -2450,7 +2450,7 @@
           <a:p>
             <a:fld id="{1ED78F18-C92B-44E1-AE66-633DAA2AA103}" type="datetimeFigureOut">
               <a:rPr lang="fr-BE" smtClean="0"/>
-              <a:t>03-02-26</a:t>
+              <a:t>04-02-26</a:t>
             </a:fld>
             <a:endParaRPr lang="fr-BE"/>
           </a:p>
@@ -2563,7 +2563,7 @@
           <a:p>
             <a:fld id="{1ED78F18-C92B-44E1-AE66-633DAA2AA103}" type="datetimeFigureOut">
               <a:rPr lang="fr-BE" smtClean="0"/>
-              <a:t>03-02-26</a:t>
+              <a:t>04-02-26</a:t>
             </a:fld>
             <a:endParaRPr lang="fr-BE"/>
           </a:p>
@@ -2876,7 +2876,7 @@
           <a:p>
             <a:fld id="{1ED78F18-C92B-44E1-AE66-633DAA2AA103}" type="datetimeFigureOut">
               <a:rPr lang="fr-BE" smtClean="0"/>
-              <a:t>03-02-26</a:t>
+              <a:t>04-02-26</a:t>
             </a:fld>
             <a:endParaRPr lang="fr-BE"/>
           </a:p>
@@ -3165,7 +3165,7 @@
           <a:p>
             <a:fld id="{1ED78F18-C92B-44E1-AE66-633DAA2AA103}" type="datetimeFigureOut">
               <a:rPr lang="fr-BE" smtClean="0"/>
-              <a:t>03-02-26</a:t>
+              <a:t>04-02-26</a:t>
             </a:fld>
             <a:endParaRPr lang="fr-BE"/>
           </a:p>
@@ -3242,8 +3242,8 @@
 <p:sldMaster xmlns:a="http://schemas.openxmlformats.org/drawingml/2006/main" xmlns:r="http://schemas.openxmlformats.org/officeDocument/2006/relationships" xmlns:p="http://schemas.openxmlformats.org/presentationml/2006/main">
   <p:cSld>
     <p:bg>
-      <p:bgRef idx="1001">
-        <a:schemeClr val="bg1"/>
+      <p:bgRef idx="1003">
+        <a:schemeClr val="bg2"/>
       </p:bgRef>
     </p:bg>
     <p:spTree>
@@ -3408,7 +3408,7 @@
           <a:p>
             <a:fld id="{1ED78F18-C92B-44E1-AE66-633DAA2AA103}" type="datetimeFigureOut">
               <a:rPr lang="fr-BE" smtClean="0"/>
-              <a:t>03-02-26</a:t>
+              <a:t>04-02-26</a:t>
             </a:fld>
             <a:endParaRPr lang="fr-BE"/>
           </a:p>
@@ -3511,7 +3511,7 @@
       </p:ext>
     </p:extLst>
   </p:cSld>
-  <p:clrMap bg1="lt1" tx1="dk1" bg2="lt2" tx2="dk2" accent1="accent1" accent2="accent2" accent3="accent3" accent4="accent4" accent5="accent5" accent6="accent6" hlink="hlink" folHlink="folHlink"/>
+  <p:clrMap bg1="dk1" tx1="lt1" bg2="dk2" tx2="lt2" accent1="accent1" accent2="accent2" accent3="accent3" accent4="accent4" accent5="accent5" accent6="accent6" hlink="hlink" folHlink="folHlink"/>
   <p:sldLayoutIdLst>
     <p:sldLayoutId id="2147483649" r:id="rId1"/>
     <p:sldLayoutId id="2147483650" r:id="rId2"/>
@@ -4085,7 +4085,7 @@
         </p:blipFill>
         <p:spPr>
           <a:xfrm>
-            <a:off x="1543633" y="4777370"/>
+            <a:off x="1484640" y="4886534"/>
             <a:ext cx="7039957" cy="1181265"/>
           </a:xfrm>
           <a:prstGeom prst="rect">
@@ -4113,6 +4113,325 @@
   <p:clrMapOvr>
     <a:masterClrMapping/>
   </p:clrMapOvr>
+  <p:timing>
+    <p:tnLst>
+      <p:par>
+        <p:cTn id="1" dur="indefinite" restart="never" nodeType="tmRoot">
+          <p:childTnLst>
+            <p:seq concurrent="1" nextAc="seek">
+              <p:cTn id="2" dur="indefinite" nodeType="mainSeq">
+                <p:childTnLst>
+                  <p:par>
+                    <p:cTn id="3" fill="hold">
+                      <p:stCondLst>
+                        <p:cond delay="indefinite"/>
+                      </p:stCondLst>
+                      <p:childTnLst>
+                        <p:par>
+                          <p:cTn id="4" fill="hold">
+                            <p:stCondLst>
+                              <p:cond delay="0"/>
+                            </p:stCondLst>
+                            <p:childTnLst>
+                              <p:par>
+                                <p:cTn id="5" presetID="10" presetClass="entr" presetSubtype="0" fill="hold" nodeType="clickEffect">
+                                  <p:stCondLst>
+                                    <p:cond delay="0"/>
+                                  </p:stCondLst>
+                                  <p:childTnLst>
+                                    <p:set>
+                                      <p:cBhvr>
+                                        <p:cTn id="6" dur="1" fill="hold">
+                                          <p:stCondLst>
+                                            <p:cond delay="0"/>
+                                          </p:stCondLst>
+                                        </p:cTn>
+                                        <p:tgtEl>
+                                          <p:spTgt spid="3">
+                                            <p:txEl>
+                                              <p:pRg st="2" end="2"/>
+                                            </p:txEl>
+                                          </p:spTgt>
+                                        </p:tgtEl>
+                                        <p:attrNameLst>
+                                          <p:attrName>style.visibility</p:attrName>
+                                        </p:attrNameLst>
+                                      </p:cBhvr>
+                                      <p:to>
+                                        <p:strVal val="visible"/>
+                                      </p:to>
+                                    </p:set>
+                                    <p:animEffect transition="in" filter="fade">
+                                      <p:cBhvr>
+                                        <p:cTn id="7" dur="500"/>
+                                        <p:tgtEl>
+                                          <p:spTgt spid="3">
+                                            <p:txEl>
+                                              <p:pRg st="2" end="2"/>
+                                            </p:txEl>
+                                          </p:spTgt>
+                                        </p:tgtEl>
+                                      </p:cBhvr>
+                                    </p:animEffect>
+                                  </p:childTnLst>
+                                </p:cTn>
+                              </p:par>
+                            </p:childTnLst>
+                          </p:cTn>
+                        </p:par>
+                      </p:childTnLst>
+                    </p:cTn>
+                  </p:par>
+                  <p:par>
+                    <p:cTn id="8" fill="hold">
+                      <p:stCondLst>
+                        <p:cond delay="indefinite"/>
+                      </p:stCondLst>
+                      <p:childTnLst>
+                        <p:par>
+                          <p:cTn id="9" fill="hold">
+                            <p:stCondLst>
+                              <p:cond delay="0"/>
+                            </p:stCondLst>
+                            <p:childTnLst>
+                              <p:par>
+                                <p:cTn id="10" presetID="10" presetClass="entr" presetSubtype="0" fill="hold" nodeType="clickEffect">
+                                  <p:stCondLst>
+                                    <p:cond delay="0"/>
+                                  </p:stCondLst>
+                                  <p:childTnLst>
+                                    <p:set>
+                                      <p:cBhvr>
+                                        <p:cTn id="11" dur="1" fill="hold">
+                                          <p:stCondLst>
+                                            <p:cond delay="0"/>
+                                          </p:stCondLst>
+                                        </p:cTn>
+                                        <p:tgtEl>
+                                          <p:spTgt spid="3">
+                                            <p:txEl>
+                                              <p:pRg st="3" end="3"/>
+                                            </p:txEl>
+                                          </p:spTgt>
+                                        </p:tgtEl>
+                                        <p:attrNameLst>
+                                          <p:attrName>style.visibility</p:attrName>
+                                        </p:attrNameLst>
+                                      </p:cBhvr>
+                                      <p:to>
+                                        <p:strVal val="visible"/>
+                                      </p:to>
+                                    </p:set>
+                                    <p:animEffect transition="in" filter="fade">
+                                      <p:cBhvr>
+                                        <p:cTn id="12" dur="500"/>
+                                        <p:tgtEl>
+                                          <p:spTgt spid="3">
+                                            <p:txEl>
+                                              <p:pRg st="3" end="3"/>
+                                            </p:txEl>
+                                          </p:spTgt>
+                                        </p:tgtEl>
+                                      </p:cBhvr>
+                                    </p:animEffect>
+                                  </p:childTnLst>
+                                </p:cTn>
+                              </p:par>
+                            </p:childTnLst>
+                          </p:cTn>
+                        </p:par>
+                      </p:childTnLst>
+                    </p:cTn>
+                  </p:par>
+                  <p:par>
+                    <p:cTn id="13" fill="hold">
+                      <p:stCondLst>
+                        <p:cond delay="indefinite"/>
+                      </p:stCondLst>
+                      <p:childTnLst>
+                        <p:par>
+                          <p:cTn id="14" fill="hold">
+                            <p:stCondLst>
+                              <p:cond delay="0"/>
+                            </p:stCondLst>
+                            <p:childTnLst>
+                              <p:par>
+                                <p:cTn id="15" presetID="10" presetClass="entr" presetSubtype="0" fill="hold" nodeType="clickEffect">
+                                  <p:stCondLst>
+                                    <p:cond delay="0"/>
+                                  </p:stCondLst>
+                                  <p:childTnLst>
+                                    <p:set>
+                                      <p:cBhvr>
+                                        <p:cTn id="16" dur="1" fill="hold">
+                                          <p:stCondLst>
+                                            <p:cond delay="0"/>
+                                          </p:stCondLst>
+                                        </p:cTn>
+                                        <p:tgtEl>
+                                          <p:spTgt spid="5"/>
+                                        </p:tgtEl>
+                                        <p:attrNameLst>
+                                          <p:attrName>style.visibility</p:attrName>
+                                        </p:attrNameLst>
+                                      </p:cBhvr>
+                                      <p:to>
+                                        <p:strVal val="visible"/>
+                                      </p:to>
+                                    </p:set>
+                                    <p:animEffect transition="in" filter="fade">
+                                      <p:cBhvr>
+                                        <p:cTn id="17" dur="500"/>
+                                        <p:tgtEl>
+                                          <p:spTgt spid="5"/>
+                                        </p:tgtEl>
+                                      </p:cBhvr>
+                                    </p:animEffect>
+                                  </p:childTnLst>
+                                </p:cTn>
+                              </p:par>
+                            </p:childTnLst>
+                          </p:cTn>
+                        </p:par>
+                      </p:childTnLst>
+                    </p:cTn>
+                  </p:par>
+                  <p:par>
+                    <p:cTn id="18" fill="hold">
+                      <p:stCondLst>
+                        <p:cond delay="indefinite"/>
+                      </p:stCondLst>
+                      <p:childTnLst>
+                        <p:par>
+                          <p:cTn id="19" fill="hold">
+                            <p:stCondLst>
+                              <p:cond delay="0"/>
+                            </p:stCondLst>
+                            <p:childTnLst>
+                              <p:par>
+                                <p:cTn id="20" presetID="10" presetClass="entr" presetSubtype="0" fill="hold" nodeType="clickEffect">
+                                  <p:stCondLst>
+                                    <p:cond delay="0"/>
+                                  </p:stCondLst>
+                                  <p:childTnLst>
+                                    <p:set>
+                                      <p:cBhvr>
+                                        <p:cTn id="21" dur="1" fill="hold">
+                                          <p:stCondLst>
+                                            <p:cond delay="0"/>
+                                          </p:stCondLst>
+                                        </p:cTn>
+                                        <p:tgtEl>
+                                          <p:spTgt spid="3">
+                                            <p:txEl>
+                                              <p:pRg st="5" end="5"/>
+                                            </p:txEl>
+                                          </p:spTgt>
+                                        </p:tgtEl>
+                                        <p:attrNameLst>
+                                          <p:attrName>style.visibility</p:attrName>
+                                        </p:attrNameLst>
+                                      </p:cBhvr>
+                                      <p:to>
+                                        <p:strVal val="visible"/>
+                                      </p:to>
+                                    </p:set>
+                                    <p:animEffect transition="in" filter="fade">
+                                      <p:cBhvr>
+                                        <p:cTn id="22" dur="500"/>
+                                        <p:tgtEl>
+                                          <p:spTgt spid="3">
+                                            <p:txEl>
+                                              <p:pRg st="5" end="5"/>
+                                            </p:txEl>
+                                          </p:spTgt>
+                                        </p:tgtEl>
+                                      </p:cBhvr>
+                                    </p:animEffect>
+                                  </p:childTnLst>
+                                </p:cTn>
+                              </p:par>
+                            </p:childTnLst>
+                          </p:cTn>
+                        </p:par>
+                      </p:childTnLst>
+                    </p:cTn>
+                  </p:par>
+                  <p:par>
+                    <p:cTn id="23" fill="hold">
+                      <p:stCondLst>
+                        <p:cond delay="indefinite"/>
+                      </p:stCondLst>
+                      <p:childTnLst>
+                        <p:par>
+                          <p:cTn id="24" fill="hold">
+                            <p:stCondLst>
+                              <p:cond delay="0"/>
+                            </p:stCondLst>
+                            <p:childTnLst>
+                              <p:par>
+                                <p:cTn id="25" presetID="10" presetClass="entr" presetSubtype="0" fill="hold" nodeType="clickEffect">
+                                  <p:stCondLst>
+                                    <p:cond delay="0"/>
+                                  </p:stCondLst>
+                                  <p:childTnLst>
+                                    <p:set>
+                                      <p:cBhvr>
+                                        <p:cTn id="26" dur="1" fill="hold">
+                                          <p:stCondLst>
+                                            <p:cond delay="0"/>
+                                          </p:stCondLst>
+                                        </p:cTn>
+                                        <p:tgtEl>
+                                          <p:spTgt spid="7"/>
+                                        </p:tgtEl>
+                                        <p:attrNameLst>
+                                          <p:attrName>style.visibility</p:attrName>
+                                        </p:attrNameLst>
+                                      </p:cBhvr>
+                                      <p:to>
+                                        <p:strVal val="visible"/>
+                                      </p:to>
+                                    </p:set>
+                                    <p:animEffect transition="in" filter="fade">
+                                      <p:cBhvr>
+                                        <p:cTn id="27" dur="500"/>
+                                        <p:tgtEl>
+                                          <p:spTgt spid="7"/>
+                                        </p:tgtEl>
+                                      </p:cBhvr>
+                                    </p:animEffect>
+                                  </p:childTnLst>
+                                </p:cTn>
+                              </p:par>
+                            </p:childTnLst>
+                          </p:cTn>
+                        </p:par>
+                      </p:childTnLst>
+                    </p:cTn>
+                  </p:par>
+                </p:childTnLst>
+              </p:cTn>
+              <p:prevCondLst>
+                <p:cond evt="onPrev" delay="0">
+                  <p:tgtEl>
+                    <p:sldTgt/>
+                  </p:tgtEl>
+                </p:cond>
+              </p:prevCondLst>
+              <p:nextCondLst>
+                <p:cond evt="onNext" delay="0">
+                  <p:tgtEl>
+                    <p:sldTgt/>
+                  </p:tgtEl>
+                </p:cond>
+              </p:nextCondLst>
+            </p:seq>
+          </p:childTnLst>
+        </p:cTn>
+      </p:par>
+    </p:tnLst>
+  </p:timing>
 </p:sld>
 </file>
 
@@ -4336,6 +4655,272 @@
   <p:clrMapOvr>
     <a:masterClrMapping/>
   </p:clrMapOvr>
+  <p:timing>
+    <p:tnLst>
+      <p:par>
+        <p:cTn id="1" dur="indefinite" restart="never" nodeType="tmRoot">
+          <p:childTnLst>
+            <p:seq concurrent="1" nextAc="seek">
+              <p:cTn id="2" dur="indefinite" nodeType="mainSeq">
+                <p:childTnLst>
+                  <p:par>
+                    <p:cTn id="3" fill="hold">
+                      <p:stCondLst>
+                        <p:cond delay="indefinite"/>
+                      </p:stCondLst>
+                      <p:childTnLst>
+                        <p:par>
+                          <p:cTn id="4" fill="hold">
+                            <p:stCondLst>
+                              <p:cond delay="0"/>
+                            </p:stCondLst>
+                            <p:childTnLst>
+                              <p:par>
+                                <p:cTn id="5" presetID="10" presetClass="entr" presetSubtype="0" fill="hold" nodeType="clickEffect">
+                                  <p:stCondLst>
+                                    <p:cond delay="0"/>
+                                  </p:stCondLst>
+                                  <p:childTnLst>
+                                    <p:set>
+                                      <p:cBhvr>
+                                        <p:cTn id="6" dur="1" fill="hold">
+                                          <p:stCondLst>
+                                            <p:cond delay="0"/>
+                                          </p:stCondLst>
+                                        </p:cTn>
+                                        <p:tgtEl>
+                                          <p:spTgt spid="3">
+                                            <p:txEl>
+                                              <p:pRg st="2" end="2"/>
+                                            </p:txEl>
+                                          </p:spTgt>
+                                        </p:tgtEl>
+                                        <p:attrNameLst>
+                                          <p:attrName>style.visibility</p:attrName>
+                                        </p:attrNameLst>
+                                      </p:cBhvr>
+                                      <p:to>
+                                        <p:strVal val="visible"/>
+                                      </p:to>
+                                    </p:set>
+                                    <p:animEffect transition="in" filter="fade">
+                                      <p:cBhvr>
+                                        <p:cTn id="7" dur="500"/>
+                                        <p:tgtEl>
+                                          <p:spTgt spid="3">
+                                            <p:txEl>
+                                              <p:pRg st="2" end="2"/>
+                                            </p:txEl>
+                                          </p:spTgt>
+                                        </p:tgtEl>
+                                      </p:cBhvr>
+                                    </p:animEffect>
+                                  </p:childTnLst>
+                                </p:cTn>
+                              </p:par>
+                            </p:childTnLst>
+                          </p:cTn>
+                        </p:par>
+                      </p:childTnLst>
+                    </p:cTn>
+                  </p:par>
+                  <p:par>
+                    <p:cTn id="8" fill="hold">
+                      <p:stCondLst>
+                        <p:cond delay="indefinite"/>
+                      </p:stCondLst>
+                      <p:childTnLst>
+                        <p:par>
+                          <p:cTn id="9" fill="hold">
+                            <p:stCondLst>
+                              <p:cond delay="0"/>
+                            </p:stCondLst>
+                            <p:childTnLst>
+                              <p:par>
+                                <p:cTn id="10" presetID="10" presetClass="entr" presetSubtype="0" fill="hold" nodeType="clickEffect">
+                                  <p:stCondLst>
+                                    <p:cond delay="0"/>
+                                  </p:stCondLst>
+                                  <p:childTnLst>
+                                    <p:set>
+                                      <p:cBhvr>
+                                        <p:cTn id="11" dur="1" fill="hold">
+                                          <p:stCondLst>
+                                            <p:cond delay="0"/>
+                                          </p:stCondLst>
+                                        </p:cTn>
+                                        <p:tgtEl>
+                                          <p:spTgt spid="5"/>
+                                        </p:tgtEl>
+                                        <p:attrNameLst>
+                                          <p:attrName>style.visibility</p:attrName>
+                                        </p:attrNameLst>
+                                      </p:cBhvr>
+                                      <p:to>
+                                        <p:strVal val="visible"/>
+                                      </p:to>
+                                    </p:set>
+                                    <p:animEffect transition="in" filter="fade">
+                                      <p:cBhvr>
+                                        <p:cTn id="12" dur="500"/>
+                                        <p:tgtEl>
+                                          <p:spTgt spid="5"/>
+                                        </p:tgtEl>
+                                      </p:cBhvr>
+                                    </p:animEffect>
+                                  </p:childTnLst>
+                                </p:cTn>
+                              </p:par>
+                            </p:childTnLst>
+                          </p:cTn>
+                        </p:par>
+                      </p:childTnLst>
+                    </p:cTn>
+                  </p:par>
+                  <p:par>
+                    <p:cTn id="13" fill="hold">
+                      <p:stCondLst>
+                        <p:cond delay="indefinite"/>
+                      </p:stCondLst>
+                      <p:childTnLst>
+                        <p:par>
+                          <p:cTn id="14" fill="hold">
+                            <p:stCondLst>
+                              <p:cond delay="0"/>
+                            </p:stCondLst>
+                            <p:childTnLst>
+                              <p:par>
+                                <p:cTn id="15" presetID="10" presetClass="entr" presetSubtype="0" fill="hold" nodeType="clickEffect">
+                                  <p:stCondLst>
+                                    <p:cond delay="0"/>
+                                  </p:stCondLst>
+                                  <p:childTnLst>
+                                    <p:set>
+                                      <p:cBhvr>
+                                        <p:cTn id="16" dur="1" fill="hold">
+                                          <p:stCondLst>
+                                            <p:cond delay="0"/>
+                                          </p:stCondLst>
+                                        </p:cTn>
+                                        <p:tgtEl>
+                                          <p:spTgt spid="3">
+                                            <p:txEl>
+                                              <p:pRg st="9" end="9"/>
+                                            </p:txEl>
+                                          </p:spTgt>
+                                        </p:tgtEl>
+                                        <p:attrNameLst>
+                                          <p:attrName>style.visibility</p:attrName>
+                                        </p:attrNameLst>
+                                      </p:cBhvr>
+                                      <p:to>
+                                        <p:strVal val="visible"/>
+                                      </p:to>
+                                    </p:set>
+                                    <p:animEffect transition="in" filter="fade">
+                                      <p:cBhvr>
+                                        <p:cTn id="17" dur="500"/>
+                                        <p:tgtEl>
+                                          <p:spTgt spid="3">
+                                            <p:txEl>
+                                              <p:pRg st="9" end="9"/>
+                                            </p:txEl>
+                                          </p:spTgt>
+                                        </p:tgtEl>
+                                      </p:cBhvr>
+                                    </p:animEffect>
+                                  </p:childTnLst>
+                                </p:cTn>
+                              </p:par>
+                            </p:childTnLst>
+                          </p:cTn>
+                        </p:par>
+                      </p:childTnLst>
+                    </p:cTn>
+                  </p:par>
+                  <p:par>
+                    <p:cTn id="18" fill="hold">
+                      <p:stCondLst>
+                        <p:cond delay="indefinite"/>
+                      </p:stCondLst>
+                      <p:childTnLst>
+                        <p:par>
+                          <p:cTn id="19" fill="hold">
+                            <p:stCondLst>
+                              <p:cond delay="0"/>
+                            </p:stCondLst>
+                            <p:childTnLst>
+                              <p:par>
+                                <p:cTn id="20" presetID="10" presetClass="entr" presetSubtype="0" fill="hold" nodeType="clickEffect">
+                                  <p:stCondLst>
+                                    <p:cond delay="0"/>
+                                  </p:stCondLst>
+                                  <p:childTnLst>
+                                    <p:set>
+                                      <p:cBhvr>
+                                        <p:cTn id="21" dur="1" fill="hold">
+                                          <p:stCondLst>
+                                            <p:cond delay="0"/>
+                                          </p:stCondLst>
+                                        </p:cTn>
+                                        <p:tgtEl>
+                                          <p:spTgt spid="3">
+                                            <p:txEl>
+                                              <p:pRg st="10" end="10"/>
+                                            </p:txEl>
+                                          </p:spTgt>
+                                        </p:tgtEl>
+                                        <p:attrNameLst>
+                                          <p:attrName>style.visibility</p:attrName>
+                                        </p:attrNameLst>
+                                      </p:cBhvr>
+                                      <p:to>
+                                        <p:strVal val="visible"/>
+                                      </p:to>
+                                    </p:set>
+                                    <p:animEffect transition="in" filter="fade">
+                                      <p:cBhvr>
+                                        <p:cTn id="22" dur="500"/>
+                                        <p:tgtEl>
+                                          <p:spTgt spid="3">
+                                            <p:txEl>
+                                              <p:pRg st="10" end="10"/>
+                                            </p:txEl>
+                                          </p:spTgt>
+                                        </p:tgtEl>
+                                      </p:cBhvr>
+                                    </p:animEffect>
+                                  </p:childTnLst>
+                                </p:cTn>
+                              </p:par>
+                            </p:childTnLst>
+                          </p:cTn>
+                        </p:par>
+                      </p:childTnLst>
+                    </p:cTn>
+                  </p:par>
+                </p:childTnLst>
+              </p:cTn>
+              <p:prevCondLst>
+                <p:cond evt="onPrev" delay="0">
+                  <p:tgtEl>
+                    <p:sldTgt/>
+                  </p:tgtEl>
+                </p:cond>
+              </p:prevCondLst>
+              <p:nextCondLst>
+                <p:cond evt="onNext" delay="0">
+                  <p:tgtEl>
+                    <p:sldTgt/>
+                  </p:tgtEl>
+                </p:cond>
+              </p:nextCondLst>
+            </p:seq>
+          </p:childTnLst>
+        </p:cTn>
+      </p:par>
+    </p:tnLst>
+  </p:timing>
 </p:sld>
 </file>
 
@@ -4470,13 +5055,7 @@
               <a:rPr lang="fr-BE" dirty="0">
                 <a:sym typeface="Wingdings" panose="05000000000000000000" pitchFamily="2" charset="2"/>
               </a:rPr>
-              <a:t>Spread : tableau  </a:t>
-            </a:r>
-            <a:r>
-              <a:rPr lang="fr-BE">
-                <a:sym typeface="Wingdings" panose="05000000000000000000" pitchFamily="2" charset="2"/>
-              </a:rPr>
-              <a:t>liste d’arguments</a:t>
+              <a:t>Spread : tableau  liste d’arguments</a:t>
             </a:r>
             <a:endParaRPr lang="fr-BE" dirty="0"/>
           </a:p>
@@ -4676,6 +5255,431 @@
   <p:clrMapOvr>
     <a:masterClrMapping/>
   </p:clrMapOvr>
+  <p:timing>
+    <p:tnLst>
+      <p:par>
+        <p:cTn id="1" dur="indefinite" restart="never" nodeType="tmRoot">
+          <p:childTnLst>
+            <p:seq concurrent="1" nextAc="seek">
+              <p:cTn id="2" dur="indefinite" nodeType="mainSeq">
+                <p:childTnLst>
+                  <p:par>
+                    <p:cTn id="3" fill="hold">
+                      <p:stCondLst>
+                        <p:cond delay="indefinite"/>
+                      </p:stCondLst>
+                      <p:childTnLst>
+                        <p:par>
+                          <p:cTn id="4" fill="hold">
+                            <p:stCondLst>
+                              <p:cond delay="0"/>
+                            </p:stCondLst>
+                            <p:childTnLst>
+                              <p:par>
+                                <p:cTn id="5" presetID="10" presetClass="entr" presetSubtype="0" fill="hold" nodeType="clickEffect">
+                                  <p:stCondLst>
+                                    <p:cond delay="0"/>
+                                  </p:stCondLst>
+                                  <p:childTnLst>
+                                    <p:set>
+                                      <p:cBhvr>
+                                        <p:cTn id="6" dur="1" fill="hold">
+                                          <p:stCondLst>
+                                            <p:cond delay="0"/>
+                                          </p:stCondLst>
+                                        </p:cTn>
+                                        <p:tgtEl>
+                                          <p:spTgt spid="3">
+                                            <p:txEl>
+                                              <p:pRg st="2" end="2"/>
+                                            </p:txEl>
+                                          </p:spTgt>
+                                        </p:tgtEl>
+                                        <p:attrNameLst>
+                                          <p:attrName>style.visibility</p:attrName>
+                                        </p:attrNameLst>
+                                      </p:cBhvr>
+                                      <p:to>
+                                        <p:strVal val="visible"/>
+                                      </p:to>
+                                    </p:set>
+                                    <p:animEffect transition="in" filter="fade">
+                                      <p:cBhvr>
+                                        <p:cTn id="7" dur="500"/>
+                                        <p:tgtEl>
+                                          <p:spTgt spid="3">
+                                            <p:txEl>
+                                              <p:pRg st="2" end="2"/>
+                                            </p:txEl>
+                                          </p:spTgt>
+                                        </p:tgtEl>
+                                      </p:cBhvr>
+                                    </p:animEffect>
+                                  </p:childTnLst>
+                                </p:cTn>
+                              </p:par>
+                            </p:childTnLst>
+                          </p:cTn>
+                        </p:par>
+                      </p:childTnLst>
+                    </p:cTn>
+                  </p:par>
+                  <p:par>
+                    <p:cTn id="8" fill="hold">
+                      <p:stCondLst>
+                        <p:cond delay="indefinite"/>
+                      </p:stCondLst>
+                      <p:childTnLst>
+                        <p:par>
+                          <p:cTn id="9" fill="hold">
+                            <p:stCondLst>
+                              <p:cond delay="0"/>
+                            </p:stCondLst>
+                            <p:childTnLst>
+                              <p:par>
+                                <p:cTn id="10" presetID="10" presetClass="entr" presetSubtype="0" fill="hold" nodeType="clickEffect">
+                                  <p:stCondLst>
+                                    <p:cond delay="0"/>
+                                  </p:stCondLst>
+                                  <p:childTnLst>
+                                    <p:set>
+                                      <p:cBhvr>
+                                        <p:cTn id="11" dur="1" fill="hold">
+                                          <p:stCondLst>
+                                            <p:cond delay="0"/>
+                                          </p:stCondLst>
+                                        </p:cTn>
+                                        <p:tgtEl>
+                                          <p:spTgt spid="3">
+                                            <p:txEl>
+                                              <p:pRg st="3" end="3"/>
+                                            </p:txEl>
+                                          </p:spTgt>
+                                        </p:tgtEl>
+                                        <p:attrNameLst>
+                                          <p:attrName>style.visibility</p:attrName>
+                                        </p:attrNameLst>
+                                      </p:cBhvr>
+                                      <p:to>
+                                        <p:strVal val="visible"/>
+                                      </p:to>
+                                    </p:set>
+                                    <p:animEffect transition="in" filter="fade">
+                                      <p:cBhvr>
+                                        <p:cTn id="12" dur="500"/>
+                                        <p:tgtEl>
+                                          <p:spTgt spid="3">
+                                            <p:txEl>
+                                              <p:pRg st="3" end="3"/>
+                                            </p:txEl>
+                                          </p:spTgt>
+                                        </p:tgtEl>
+                                      </p:cBhvr>
+                                    </p:animEffect>
+                                  </p:childTnLst>
+                                </p:cTn>
+                              </p:par>
+                            </p:childTnLst>
+                          </p:cTn>
+                        </p:par>
+                      </p:childTnLst>
+                    </p:cTn>
+                  </p:par>
+                  <p:par>
+                    <p:cTn id="13" fill="hold">
+                      <p:stCondLst>
+                        <p:cond delay="indefinite"/>
+                      </p:stCondLst>
+                      <p:childTnLst>
+                        <p:par>
+                          <p:cTn id="14" fill="hold">
+                            <p:stCondLst>
+                              <p:cond delay="0"/>
+                            </p:stCondLst>
+                            <p:childTnLst>
+                              <p:par>
+                                <p:cTn id="15" presetID="10" presetClass="entr" presetSubtype="0" fill="hold" nodeType="clickEffect">
+                                  <p:stCondLst>
+                                    <p:cond delay="0"/>
+                                  </p:stCondLst>
+                                  <p:childTnLst>
+                                    <p:set>
+                                      <p:cBhvr>
+                                        <p:cTn id="16" dur="1" fill="hold">
+                                          <p:stCondLst>
+                                            <p:cond delay="0"/>
+                                          </p:stCondLst>
+                                        </p:cTn>
+                                        <p:tgtEl>
+                                          <p:spTgt spid="3">
+                                            <p:txEl>
+                                              <p:pRg st="4" end="4"/>
+                                            </p:txEl>
+                                          </p:spTgt>
+                                        </p:tgtEl>
+                                        <p:attrNameLst>
+                                          <p:attrName>style.visibility</p:attrName>
+                                        </p:attrNameLst>
+                                      </p:cBhvr>
+                                      <p:to>
+                                        <p:strVal val="visible"/>
+                                      </p:to>
+                                    </p:set>
+                                    <p:animEffect transition="in" filter="fade">
+                                      <p:cBhvr>
+                                        <p:cTn id="17" dur="500"/>
+                                        <p:tgtEl>
+                                          <p:spTgt spid="3">
+                                            <p:txEl>
+                                              <p:pRg st="4" end="4"/>
+                                            </p:txEl>
+                                          </p:spTgt>
+                                        </p:tgtEl>
+                                      </p:cBhvr>
+                                    </p:animEffect>
+                                  </p:childTnLst>
+                                </p:cTn>
+                              </p:par>
+                            </p:childTnLst>
+                          </p:cTn>
+                        </p:par>
+                      </p:childTnLst>
+                    </p:cTn>
+                  </p:par>
+                  <p:par>
+                    <p:cTn id="18" fill="hold">
+                      <p:stCondLst>
+                        <p:cond delay="indefinite"/>
+                      </p:stCondLst>
+                      <p:childTnLst>
+                        <p:par>
+                          <p:cTn id="19" fill="hold">
+                            <p:stCondLst>
+                              <p:cond delay="0"/>
+                            </p:stCondLst>
+                            <p:childTnLst>
+                              <p:par>
+                                <p:cTn id="20" presetID="10" presetClass="entr" presetSubtype="0" fill="hold" nodeType="clickEffect">
+                                  <p:stCondLst>
+                                    <p:cond delay="0"/>
+                                  </p:stCondLst>
+                                  <p:childTnLst>
+                                    <p:set>
+                                      <p:cBhvr>
+                                        <p:cTn id="21" dur="1" fill="hold">
+                                          <p:stCondLst>
+                                            <p:cond delay="0"/>
+                                          </p:stCondLst>
+                                        </p:cTn>
+                                        <p:tgtEl>
+                                          <p:spTgt spid="5"/>
+                                        </p:tgtEl>
+                                        <p:attrNameLst>
+                                          <p:attrName>style.visibility</p:attrName>
+                                        </p:attrNameLst>
+                                      </p:cBhvr>
+                                      <p:to>
+                                        <p:strVal val="visible"/>
+                                      </p:to>
+                                    </p:set>
+                                    <p:animEffect transition="in" filter="fade">
+                                      <p:cBhvr>
+                                        <p:cTn id="22" dur="500"/>
+                                        <p:tgtEl>
+                                          <p:spTgt spid="5"/>
+                                        </p:tgtEl>
+                                      </p:cBhvr>
+                                    </p:animEffect>
+                                  </p:childTnLst>
+                                </p:cTn>
+                              </p:par>
+                            </p:childTnLst>
+                          </p:cTn>
+                        </p:par>
+                      </p:childTnLst>
+                    </p:cTn>
+                  </p:par>
+                  <p:par>
+                    <p:cTn id="23" fill="hold">
+                      <p:stCondLst>
+                        <p:cond delay="indefinite"/>
+                      </p:stCondLst>
+                      <p:childTnLst>
+                        <p:par>
+                          <p:cTn id="24" fill="hold">
+                            <p:stCondLst>
+                              <p:cond delay="0"/>
+                            </p:stCondLst>
+                            <p:childTnLst>
+                              <p:par>
+                                <p:cTn id="25" presetID="10" presetClass="entr" presetSubtype="0" fill="hold" nodeType="clickEffect">
+                                  <p:stCondLst>
+                                    <p:cond delay="0"/>
+                                  </p:stCondLst>
+                                  <p:childTnLst>
+                                    <p:set>
+                                      <p:cBhvr>
+                                        <p:cTn id="26" dur="1" fill="hold">
+                                          <p:stCondLst>
+                                            <p:cond delay="0"/>
+                                          </p:stCondLst>
+                                        </p:cTn>
+                                        <p:tgtEl>
+                                          <p:spTgt spid="7"/>
+                                        </p:tgtEl>
+                                        <p:attrNameLst>
+                                          <p:attrName>style.visibility</p:attrName>
+                                        </p:attrNameLst>
+                                      </p:cBhvr>
+                                      <p:to>
+                                        <p:strVal val="visible"/>
+                                      </p:to>
+                                    </p:set>
+                                    <p:animEffect transition="in" filter="fade">
+                                      <p:cBhvr>
+                                        <p:cTn id="27" dur="500"/>
+                                        <p:tgtEl>
+                                          <p:spTgt spid="7"/>
+                                        </p:tgtEl>
+                                      </p:cBhvr>
+                                    </p:animEffect>
+                                  </p:childTnLst>
+                                </p:cTn>
+                              </p:par>
+                            </p:childTnLst>
+                          </p:cTn>
+                        </p:par>
+                      </p:childTnLst>
+                    </p:cTn>
+                  </p:par>
+                  <p:par>
+                    <p:cTn id="28" fill="hold">
+                      <p:stCondLst>
+                        <p:cond delay="indefinite"/>
+                      </p:stCondLst>
+                      <p:childTnLst>
+                        <p:par>
+                          <p:cTn id="29" fill="hold">
+                            <p:stCondLst>
+                              <p:cond delay="0"/>
+                            </p:stCondLst>
+                            <p:childTnLst>
+                              <p:par>
+                                <p:cTn id="30" presetID="10" presetClass="entr" presetSubtype="0" fill="hold" nodeType="clickEffect">
+                                  <p:stCondLst>
+                                    <p:cond delay="0"/>
+                                  </p:stCondLst>
+                                  <p:childTnLst>
+                                    <p:set>
+                                      <p:cBhvr>
+                                        <p:cTn id="31" dur="1" fill="hold">
+                                          <p:stCondLst>
+                                            <p:cond delay="0"/>
+                                          </p:stCondLst>
+                                        </p:cTn>
+                                        <p:tgtEl>
+                                          <p:spTgt spid="9"/>
+                                        </p:tgtEl>
+                                        <p:attrNameLst>
+                                          <p:attrName>style.visibility</p:attrName>
+                                        </p:attrNameLst>
+                                      </p:cBhvr>
+                                      <p:to>
+                                        <p:strVal val="visible"/>
+                                      </p:to>
+                                    </p:set>
+                                    <p:animEffect transition="in" filter="fade">
+                                      <p:cBhvr>
+                                        <p:cTn id="32" dur="500"/>
+                                        <p:tgtEl>
+                                          <p:spTgt spid="9"/>
+                                        </p:tgtEl>
+                                      </p:cBhvr>
+                                    </p:animEffect>
+                                  </p:childTnLst>
+                                </p:cTn>
+                              </p:par>
+                            </p:childTnLst>
+                          </p:cTn>
+                        </p:par>
+                      </p:childTnLst>
+                    </p:cTn>
+                  </p:par>
+                  <p:par>
+                    <p:cTn id="33" fill="hold">
+                      <p:stCondLst>
+                        <p:cond delay="indefinite"/>
+                      </p:stCondLst>
+                      <p:childTnLst>
+                        <p:par>
+                          <p:cTn id="34" fill="hold">
+                            <p:stCondLst>
+                              <p:cond delay="0"/>
+                            </p:stCondLst>
+                            <p:childTnLst>
+                              <p:par>
+                                <p:cTn id="35" presetID="10" presetClass="entr" presetSubtype="0" fill="hold" nodeType="clickEffect">
+                                  <p:stCondLst>
+                                    <p:cond delay="0"/>
+                                  </p:stCondLst>
+                                  <p:childTnLst>
+                                    <p:set>
+                                      <p:cBhvr>
+                                        <p:cTn id="36" dur="1" fill="hold">
+                                          <p:stCondLst>
+                                            <p:cond delay="0"/>
+                                          </p:stCondLst>
+                                        </p:cTn>
+                                        <p:tgtEl>
+                                          <p:spTgt spid="11"/>
+                                        </p:tgtEl>
+                                        <p:attrNameLst>
+                                          <p:attrName>style.visibility</p:attrName>
+                                        </p:attrNameLst>
+                                      </p:cBhvr>
+                                      <p:to>
+                                        <p:strVal val="visible"/>
+                                      </p:to>
+                                    </p:set>
+                                    <p:animEffect transition="in" filter="fade">
+                                      <p:cBhvr>
+                                        <p:cTn id="37" dur="500"/>
+                                        <p:tgtEl>
+                                          <p:spTgt spid="11"/>
+                                        </p:tgtEl>
+                                      </p:cBhvr>
+                                    </p:animEffect>
+                                  </p:childTnLst>
+                                </p:cTn>
+                              </p:par>
+                            </p:childTnLst>
+                          </p:cTn>
+                        </p:par>
+                      </p:childTnLst>
+                    </p:cTn>
+                  </p:par>
+                </p:childTnLst>
+              </p:cTn>
+              <p:prevCondLst>
+                <p:cond evt="onPrev" delay="0">
+                  <p:tgtEl>
+                    <p:sldTgt/>
+                  </p:tgtEl>
+                </p:cond>
+              </p:prevCondLst>
+              <p:nextCondLst>
+                <p:cond evt="onNext" delay="0">
+                  <p:tgtEl>
+                    <p:sldTgt/>
+                  </p:tgtEl>
+                </p:cond>
+              </p:nextCondLst>
+            </p:seq>
+          </p:childTnLst>
+        </p:cTn>
+      </p:par>
+    </p:tnLst>
+  </p:timing>
 </p:sld>
 </file>
 
@@ -4935,6 +5939,378 @@
   <p:clrMapOvr>
     <a:masterClrMapping/>
   </p:clrMapOvr>
+  <p:timing>
+    <p:tnLst>
+      <p:par>
+        <p:cTn id="1" dur="indefinite" restart="never" nodeType="tmRoot">
+          <p:childTnLst>
+            <p:seq concurrent="1" nextAc="seek">
+              <p:cTn id="2" dur="indefinite" nodeType="mainSeq">
+                <p:childTnLst>
+                  <p:par>
+                    <p:cTn id="3" fill="hold">
+                      <p:stCondLst>
+                        <p:cond delay="indefinite"/>
+                      </p:stCondLst>
+                      <p:childTnLst>
+                        <p:par>
+                          <p:cTn id="4" fill="hold">
+                            <p:stCondLst>
+                              <p:cond delay="0"/>
+                            </p:stCondLst>
+                            <p:childTnLst>
+                              <p:par>
+                                <p:cTn id="5" presetID="10" presetClass="entr" presetSubtype="0" fill="hold" nodeType="clickEffect">
+                                  <p:stCondLst>
+                                    <p:cond delay="0"/>
+                                  </p:stCondLst>
+                                  <p:childTnLst>
+                                    <p:set>
+                                      <p:cBhvr>
+                                        <p:cTn id="6" dur="1" fill="hold">
+                                          <p:stCondLst>
+                                            <p:cond delay="0"/>
+                                          </p:stCondLst>
+                                        </p:cTn>
+                                        <p:tgtEl>
+                                          <p:spTgt spid="3">
+                                            <p:txEl>
+                                              <p:pRg st="2" end="2"/>
+                                            </p:txEl>
+                                          </p:spTgt>
+                                        </p:tgtEl>
+                                        <p:attrNameLst>
+                                          <p:attrName>style.visibility</p:attrName>
+                                        </p:attrNameLst>
+                                      </p:cBhvr>
+                                      <p:to>
+                                        <p:strVal val="visible"/>
+                                      </p:to>
+                                    </p:set>
+                                    <p:animEffect transition="in" filter="fade">
+                                      <p:cBhvr>
+                                        <p:cTn id="7" dur="500"/>
+                                        <p:tgtEl>
+                                          <p:spTgt spid="3">
+                                            <p:txEl>
+                                              <p:pRg st="2" end="2"/>
+                                            </p:txEl>
+                                          </p:spTgt>
+                                        </p:tgtEl>
+                                      </p:cBhvr>
+                                    </p:animEffect>
+                                  </p:childTnLst>
+                                </p:cTn>
+                              </p:par>
+                            </p:childTnLst>
+                          </p:cTn>
+                        </p:par>
+                      </p:childTnLst>
+                    </p:cTn>
+                  </p:par>
+                  <p:par>
+                    <p:cTn id="8" fill="hold">
+                      <p:stCondLst>
+                        <p:cond delay="indefinite"/>
+                      </p:stCondLst>
+                      <p:childTnLst>
+                        <p:par>
+                          <p:cTn id="9" fill="hold">
+                            <p:stCondLst>
+                              <p:cond delay="0"/>
+                            </p:stCondLst>
+                            <p:childTnLst>
+                              <p:par>
+                                <p:cTn id="10" presetID="10" presetClass="entr" presetSubtype="0" fill="hold" nodeType="clickEffect">
+                                  <p:stCondLst>
+                                    <p:cond delay="0"/>
+                                  </p:stCondLst>
+                                  <p:childTnLst>
+                                    <p:set>
+                                      <p:cBhvr>
+                                        <p:cTn id="11" dur="1" fill="hold">
+                                          <p:stCondLst>
+                                            <p:cond delay="0"/>
+                                          </p:stCondLst>
+                                        </p:cTn>
+                                        <p:tgtEl>
+                                          <p:spTgt spid="3">
+                                            <p:txEl>
+                                              <p:pRg st="3" end="3"/>
+                                            </p:txEl>
+                                          </p:spTgt>
+                                        </p:tgtEl>
+                                        <p:attrNameLst>
+                                          <p:attrName>style.visibility</p:attrName>
+                                        </p:attrNameLst>
+                                      </p:cBhvr>
+                                      <p:to>
+                                        <p:strVal val="visible"/>
+                                      </p:to>
+                                    </p:set>
+                                    <p:animEffect transition="in" filter="fade">
+                                      <p:cBhvr>
+                                        <p:cTn id="12" dur="500"/>
+                                        <p:tgtEl>
+                                          <p:spTgt spid="3">
+                                            <p:txEl>
+                                              <p:pRg st="3" end="3"/>
+                                            </p:txEl>
+                                          </p:spTgt>
+                                        </p:tgtEl>
+                                      </p:cBhvr>
+                                    </p:animEffect>
+                                  </p:childTnLst>
+                                </p:cTn>
+                              </p:par>
+                            </p:childTnLst>
+                          </p:cTn>
+                        </p:par>
+                      </p:childTnLst>
+                    </p:cTn>
+                  </p:par>
+                  <p:par>
+                    <p:cTn id="13" fill="hold">
+                      <p:stCondLst>
+                        <p:cond delay="indefinite"/>
+                      </p:stCondLst>
+                      <p:childTnLst>
+                        <p:par>
+                          <p:cTn id="14" fill="hold">
+                            <p:stCondLst>
+                              <p:cond delay="0"/>
+                            </p:stCondLst>
+                            <p:childTnLst>
+                              <p:par>
+                                <p:cTn id="15" presetID="10" presetClass="entr" presetSubtype="0" fill="hold" nodeType="clickEffect">
+                                  <p:stCondLst>
+                                    <p:cond delay="0"/>
+                                  </p:stCondLst>
+                                  <p:childTnLst>
+                                    <p:set>
+                                      <p:cBhvr>
+                                        <p:cTn id="16" dur="1" fill="hold">
+                                          <p:stCondLst>
+                                            <p:cond delay="0"/>
+                                          </p:stCondLst>
+                                        </p:cTn>
+                                        <p:tgtEl>
+                                          <p:spTgt spid="3">
+                                            <p:txEl>
+                                              <p:pRg st="4" end="4"/>
+                                            </p:txEl>
+                                          </p:spTgt>
+                                        </p:tgtEl>
+                                        <p:attrNameLst>
+                                          <p:attrName>style.visibility</p:attrName>
+                                        </p:attrNameLst>
+                                      </p:cBhvr>
+                                      <p:to>
+                                        <p:strVal val="visible"/>
+                                      </p:to>
+                                    </p:set>
+                                    <p:animEffect transition="in" filter="fade">
+                                      <p:cBhvr>
+                                        <p:cTn id="17" dur="500"/>
+                                        <p:tgtEl>
+                                          <p:spTgt spid="3">
+                                            <p:txEl>
+                                              <p:pRg st="4" end="4"/>
+                                            </p:txEl>
+                                          </p:spTgt>
+                                        </p:tgtEl>
+                                      </p:cBhvr>
+                                    </p:animEffect>
+                                  </p:childTnLst>
+                                </p:cTn>
+                              </p:par>
+                            </p:childTnLst>
+                          </p:cTn>
+                        </p:par>
+                      </p:childTnLst>
+                    </p:cTn>
+                  </p:par>
+                  <p:par>
+                    <p:cTn id="18" fill="hold">
+                      <p:stCondLst>
+                        <p:cond delay="indefinite"/>
+                      </p:stCondLst>
+                      <p:childTnLst>
+                        <p:par>
+                          <p:cTn id="19" fill="hold">
+                            <p:stCondLst>
+                              <p:cond delay="0"/>
+                            </p:stCondLst>
+                            <p:childTnLst>
+                              <p:par>
+                                <p:cTn id="20" presetID="10" presetClass="entr" presetSubtype="0" fill="hold" nodeType="clickEffect">
+                                  <p:stCondLst>
+                                    <p:cond delay="0"/>
+                                  </p:stCondLst>
+                                  <p:childTnLst>
+                                    <p:set>
+                                      <p:cBhvr>
+                                        <p:cTn id="21" dur="1" fill="hold">
+                                          <p:stCondLst>
+                                            <p:cond delay="0"/>
+                                          </p:stCondLst>
+                                        </p:cTn>
+                                        <p:tgtEl>
+                                          <p:spTgt spid="5"/>
+                                        </p:tgtEl>
+                                        <p:attrNameLst>
+                                          <p:attrName>style.visibility</p:attrName>
+                                        </p:attrNameLst>
+                                      </p:cBhvr>
+                                      <p:to>
+                                        <p:strVal val="visible"/>
+                                      </p:to>
+                                    </p:set>
+                                    <p:animEffect transition="in" filter="fade">
+                                      <p:cBhvr>
+                                        <p:cTn id="22" dur="500"/>
+                                        <p:tgtEl>
+                                          <p:spTgt spid="5"/>
+                                        </p:tgtEl>
+                                      </p:cBhvr>
+                                    </p:animEffect>
+                                  </p:childTnLst>
+                                </p:cTn>
+                              </p:par>
+                            </p:childTnLst>
+                          </p:cTn>
+                        </p:par>
+                      </p:childTnLst>
+                    </p:cTn>
+                  </p:par>
+                  <p:par>
+                    <p:cTn id="23" fill="hold">
+                      <p:stCondLst>
+                        <p:cond delay="indefinite"/>
+                      </p:stCondLst>
+                      <p:childTnLst>
+                        <p:par>
+                          <p:cTn id="24" fill="hold">
+                            <p:stCondLst>
+                              <p:cond delay="0"/>
+                            </p:stCondLst>
+                            <p:childTnLst>
+                              <p:par>
+                                <p:cTn id="25" presetID="10" presetClass="entr" presetSubtype="0" fill="hold" nodeType="clickEffect">
+                                  <p:stCondLst>
+                                    <p:cond delay="0"/>
+                                  </p:stCondLst>
+                                  <p:childTnLst>
+                                    <p:set>
+                                      <p:cBhvr>
+                                        <p:cTn id="26" dur="1" fill="hold">
+                                          <p:stCondLst>
+                                            <p:cond delay="0"/>
+                                          </p:stCondLst>
+                                        </p:cTn>
+                                        <p:tgtEl>
+                                          <p:spTgt spid="10"/>
+                                        </p:tgtEl>
+                                        <p:attrNameLst>
+                                          <p:attrName>style.visibility</p:attrName>
+                                        </p:attrNameLst>
+                                      </p:cBhvr>
+                                      <p:to>
+                                        <p:strVal val="visible"/>
+                                      </p:to>
+                                    </p:set>
+                                    <p:animEffect transition="in" filter="fade">
+                                      <p:cBhvr>
+                                        <p:cTn id="27" dur="500"/>
+                                        <p:tgtEl>
+                                          <p:spTgt spid="10"/>
+                                        </p:tgtEl>
+                                      </p:cBhvr>
+                                    </p:animEffect>
+                                  </p:childTnLst>
+                                </p:cTn>
+                              </p:par>
+                            </p:childTnLst>
+                          </p:cTn>
+                        </p:par>
+                      </p:childTnLst>
+                    </p:cTn>
+                  </p:par>
+                  <p:par>
+                    <p:cTn id="28" fill="hold">
+                      <p:stCondLst>
+                        <p:cond delay="indefinite"/>
+                      </p:stCondLst>
+                      <p:childTnLst>
+                        <p:par>
+                          <p:cTn id="29" fill="hold">
+                            <p:stCondLst>
+                              <p:cond delay="0"/>
+                            </p:stCondLst>
+                            <p:childTnLst>
+                              <p:par>
+                                <p:cTn id="30" presetID="10" presetClass="entr" presetSubtype="0" fill="hold" nodeType="clickEffect">
+                                  <p:stCondLst>
+                                    <p:cond delay="0"/>
+                                  </p:stCondLst>
+                                  <p:childTnLst>
+                                    <p:set>
+                                      <p:cBhvr>
+                                        <p:cTn id="31" dur="1" fill="hold">
+                                          <p:stCondLst>
+                                            <p:cond delay="0"/>
+                                          </p:stCondLst>
+                                        </p:cTn>
+                                        <p:tgtEl>
+                                          <p:spTgt spid="12"/>
+                                        </p:tgtEl>
+                                        <p:attrNameLst>
+                                          <p:attrName>style.visibility</p:attrName>
+                                        </p:attrNameLst>
+                                      </p:cBhvr>
+                                      <p:to>
+                                        <p:strVal val="visible"/>
+                                      </p:to>
+                                    </p:set>
+                                    <p:animEffect transition="in" filter="fade">
+                                      <p:cBhvr>
+                                        <p:cTn id="32" dur="500"/>
+                                        <p:tgtEl>
+                                          <p:spTgt spid="12"/>
+                                        </p:tgtEl>
+                                      </p:cBhvr>
+                                    </p:animEffect>
+                                  </p:childTnLst>
+                                </p:cTn>
+                              </p:par>
+                            </p:childTnLst>
+                          </p:cTn>
+                        </p:par>
+                      </p:childTnLst>
+                    </p:cTn>
+                  </p:par>
+                </p:childTnLst>
+              </p:cTn>
+              <p:prevCondLst>
+                <p:cond evt="onPrev" delay="0">
+                  <p:tgtEl>
+                    <p:sldTgt/>
+                  </p:tgtEl>
+                </p:cond>
+              </p:prevCondLst>
+              <p:nextCondLst>
+                <p:cond evt="onNext" delay="0">
+                  <p:tgtEl>
+                    <p:sldTgt/>
+                  </p:tgtEl>
+                </p:cond>
+              </p:nextCondLst>
+            </p:seq>
+          </p:childTnLst>
+        </p:cTn>
+      </p:par>
+    </p:tnLst>
+  </p:timing>
 </p:sld>
 </file>
 
@@ -5095,6 +6471,341 @@
   <p:clrMapOvr>
     <a:masterClrMapping/>
   </p:clrMapOvr>
+  <p:timing>
+    <p:tnLst>
+      <p:par>
+        <p:cTn id="1" dur="indefinite" restart="never" nodeType="tmRoot">
+          <p:childTnLst>
+            <p:seq concurrent="1" nextAc="seek">
+              <p:cTn id="2" dur="indefinite" nodeType="mainSeq">
+                <p:childTnLst>
+                  <p:par>
+                    <p:cTn id="3" fill="hold">
+                      <p:stCondLst>
+                        <p:cond delay="indefinite"/>
+                      </p:stCondLst>
+                      <p:childTnLst>
+                        <p:par>
+                          <p:cTn id="4" fill="hold">
+                            <p:stCondLst>
+                              <p:cond delay="0"/>
+                            </p:stCondLst>
+                            <p:childTnLst>
+                              <p:par>
+                                <p:cTn id="5" presetID="10" presetClass="entr" presetSubtype="0" fill="hold" nodeType="clickEffect">
+                                  <p:stCondLst>
+                                    <p:cond delay="0"/>
+                                  </p:stCondLst>
+                                  <p:childTnLst>
+                                    <p:set>
+                                      <p:cBhvr>
+                                        <p:cTn id="6" dur="1" fill="hold">
+                                          <p:stCondLst>
+                                            <p:cond delay="0"/>
+                                          </p:stCondLst>
+                                        </p:cTn>
+                                        <p:tgtEl>
+                                          <p:spTgt spid="3">
+                                            <p:txEl>
+                                              <p:pRg st="1" end="1"/>
+                                            </p:txEl>
+                                          </p:spTgt>
+                                        </p:tgtEl>
+                                        <p:attrNameLst>
+                                          <p:attrName>style.visibility</p:attrName>
+                                        </p:attrNameLst>
+                                      </p:cBhvr>
+                                      <p:to>
+                                        <p:strVal val="visible"/>
+                                      </p:to>
+                                    </p:set>
+                                    <p:animEffect transition="in" filter="fade">
+                                      <p:cBhvr>
+                                        <p:cTn id="7" dur="500"/>
+                                        <p:tgtEl>
+                                          <p:spTgt spid="3">
+                                            <p:txEl>
+                                              <p:pRg st="1" end="1"/>
+                                            </p:txEl>
+                                          </p:spTgt>
+                                        </p:tgtEl>
+                                      </p:cBhvr>
+                                    </p:animEffect>
+                                  </p:childTnLst>
+                                </p:cTn>
+                              </p:par>
+                            </p:childTnLst>
+                          </p:cTn>
+                        </p:par>
+                      </p:childTnLst>
+                    </p:cTn>
+                  </p:par>
+                  <p:par>
+                    <p:cTn id="8" fill="hold">
+                      <p:stCondLst>
+                        <p:cond delay="indefinite"/>
+                      </p:stCondLst>
+                      <p:childTnLst>
+                        <p:par>
+                          <p:cTn id="9" fill="hold">
+                            <p:stCondLst>
+                              <p:cond delay="0"/>
+                            </p:stCondLst>
+                            <p:childTnLst>
+                              <p:par>
+                                <p:cTn id="10" presetID="10" presetClass="entr" presetSubtype="0" fill="hold" nodeType="clickEffect">
+                                  <p:stCondLst>
+                                    <p:cond delay="0"/>
+                                  </p:stCondLst>
+                                  <p:childTnLst>
+                                    <p:set>
+                                      <p:cBhvr>
+                                        <p:cTn id="11" dur="1" fill="hold">
+                                          <p:stCondLst>
+                                            <p:cond delay="0"/>
+                                          </p:stCondLst>
+                                        </p:cTn>
+                                        <p:tgtEl>
+                                          <p:spTgt spid="3">
+                                            <p:txEl>
+                                              <p:pRg st="2" end="2"/>
+                                            </p:txEl>
+                                          </p:spTgt>
+                                        </p:tgtEl>
+                                        <p:attrNameLst>
+                                          <p:attrName>style.visibility</p:attrName>
+                                        </p:attrNameLst>
+                                      </p:cBhvr>
+                                      <p:to>
+                                        <p:strVal val="visible"/>
+                                      </p:to>
+                                    </p:set>
+                                    <p:animEffect transition="in" filter="fade">
+                                      <p:cBhvr>
+                                        <p:cTn id="12" dur="500"/>
+                                        <p:tgtEl>
+                                          <p:spTgt spid="3">
+                                            <p:txEl>
+                                              <p:pRg st="2" end="2"/>
+                                            </p:txEl>
+                                          </p:spTgt>
+                                        </p:tgtEl>
+                                      </p:cBhvr>
+                                    </p:animEffect>
+                                  </p:childTnLst>
+                                </p:cTn>
+                              </p:par>
+                            </p:childTnLst>
+                          </p:cTn>
+                        </p:par>
+                      </p:childTnLst>
+                    </p:cTn>
+                  </p:par>
+                  <p:par>
+                    <p:cTn id="13" fill="hold">
+                      <p:stCondLst>
+                        <p:cond delay="indefinite"/>
+                      </p:stCondLst>
+                      <p:childTnLst>
+                        <p:par>
+                          <p:cTn id="14" fill="hold">
+                            <p:stCondLst>
+                              <p:cond delay="0"/>
+                            </p:stCondLst>
+                            <p:childTnLst>
+                              <p:par>
+                                <p:cTn id="15" presetID="10" presetClass="entr" presetSubtype="0" fill="hold" nodeType="clickEffect">
+                                  <p:stCondLst>
+                                    <p:cond delay="0"/>
+                                  </p:stCondLst>
+                                  <p:childTnLst>
+                                    <p:set>
+                                      <p:cBhvr>
+                                        <p:cTn id="16" dur="1" fill="hold">
+                                          <p:stCondLst>
+                                            <p:cond delay="0"/>
+                                          </p:stCondLst>
+                                        </p:cTn>
+                                        <p:tgtEl>
+                                          <p:spTgt spid="3">
+                                            <p:txEl>
+                                              <p:pRg st="3" end="3"/>
+                                            </p:txEl>
+                                          </p:spTgt>
+                                        </p:tgtEl>
+                                        <p:attrNameLst>
+                                          <p:attrName>style.visibility</p:attrName>
+                                        </p:attrNameLst>
+                                      </p:cBhvr>
+                                      <p:to>
+                                        <p:strVal val="visible"/>
+                                      </p:to>
+                                    </p:set>
+                                    <p:animEffect transition="in" filter="fade">
+                                      <p:cBhvr>
+                                        <p:cTn id="17" dur="500"/>
+                                        <p:tgtEl>
+                                          <p:spTgt spid="3">
+                                            <p:txEl>
+                                              <p:pRg st="3" end="3"/>
+                                            </p:txEl>
+                                          </p:spTgt>
+                                        </p:tgtEl>
+                                      </p:cBhvr>
+                                    </p:animEffect>
+                                  </p:childTnLst>
+                                </p:cTn>
+                              </p:par>
+                            </p:childTnLst>
+                          </p:cTn>
+                        </p:par>
+                      </p:childTnLst>
+                    </p:cTn>
+                  </p:par>
+                  <p:par>
+                    <p:cTn id="18" fill="hold">
+                      <p:stCondLst>
+                        <p:cond delay="indefinite"/>
+                      </p:stCondLst>
+                      <p:childTnLst>
+                        <p:par>
+                          <p:cTn id="19" fill="hold">
+                            <p:stCondLst>
+                              <p:cond delay="0"/>
+                            </p:stCondLst>
+                            <p:childTnLst>
+                              <p:par>
+                                <p:cTn id="20" presetID="10" presetClass="entr" presetSubtype="0" fill="hold" nodeType="clickEffect">
+                                  <p:stCondLst>
+                                    <p:cond delay="0"/>
+                                  </p:stCondLst>
+                                  <p:childTnLst>
+                                    <p:set>
+                                      <p:cBhvr>
+                                        <p:cTn id="21" dur="1" fill="hold">
+                                          <p:stCondLst>
+                                            <p:cond delay="0"/>
+                                          </p:stCondLst>
+                                        </p:cTn>
+                                        <p:tgtEl>
+                                          <p:spTgt spid="3">
+                                            <p:txEl>
+                                              <p:pRg st="4" end="4"/>
+                                            </p:txEl>
+                                          </p:spTgt>
+                                        </p:tgtEl>
+                                        <p:attrNameLst>
+                                          <p:attrName>style.visibility</p:attrName>
+                                        </p:attrNameLst>
+                                      </p:cBhvr>
+                                      <p:to>
+                                        <p:strVal val="visible"/>
+                                      </p:to>
+                                    </p:set>
+                                    <p:animEffect transition="in" filter="fade">
+                                      <p:cBhvr>
+                                        <p:cTn id="22" dur="500"/>
+                                        <p:tgtEl>
+                                          <p:spTgt spid="3">
+                                            <p:txEl>
+                                              <p:pRg st="4" end="4"/>
+                                            </p:txEl>
+                                          </p:spTgt>
+                                        </p:tgtEl>
+                                      </p:cBhvr>
+                                    </p:animEffect>
+                                  </p:childTnLst>
+                                </p:cTn>
+                              </p:par>
+                            </p:childTnLst>
+                          </p:cTn>
+                        </p:par>
+                      </p:childTnLst>
+                    </p:cTn>
+                  </p:par>
+                  <p:par>
+                    <p:cTn id="23" fill="hold">
+                      <p:stCondLst>
+                        <p:cond delay="indefinite"/>
+                      </p:stCondLst>
+                      <p:childTnLst>
+                        <p:par>
+                          <p:cTn id="24" fill="hold">
+                            <p:stCondLst>
+                              <p:cond delay="0"/>
+                            </p:stCondLst>
+                            <p:childTnLst>
+                              <p:par>
+                                <p:cTn id="25" presetID="10" presetClass="entr" presetSubtype="0" fill="hold" nodeType="clickEffect">
+                                  <p:stCondLst>
+                                    <p:cond delay="0"/>
+                                  </p:stCondLst>
+                                  <p:childTnLst>
+                                    <p:set>
+                                      <p:cBhvr>
+                                        <p:cTn id="26" dur="1" fill="hold">
+                                          <p:stCondLst>
+                                            <p:cond delay="0"/>
+                                          </p:stCondLst>
+                                        </p:cTn>
+                                        <p:tgtEl>
+                                          <p:spTgt spid="3">
+                                            <p:txEl>
+                                              <p:pRg st="6" end="6"/>
+                                            </p:txEl>
+                                          </p:spTgt>
+                                        </p:tgtEl>
+                                        <p:attrNameLst>
+                                          <p:attrName>style.visibility</p:attrName>
+                                        </p:attrNameLst>
+                                      </p:cBhvr>
+                                      <p:to>
+                                        <p:strVal val="visible"/>
+                                      </p:to>
+                                    </p:set>
+                                    <p:animEffect transition="in" filter="fade">
+                                      <p:cBhvr>
+                                        <p:cTn id="27" dur="500"/>
+                                        <p:tgtEl>
+                                          <p:spTgt spid="3">
+                                            <p:txEl>
+                                              <p:pRg st="6" end="6"/>
+                                            </p:txEl>
+                                          </p:spTgt>
+                                        </p:tgtEl>
+                                      </p:cBhvr>
+                                    </p:animEffect>
+                                  </p:childTnLst>
+                                </p:cTn>
+                              </p:par>
+                            </p:childTnLst>
+                          </p:cTn>
+                        </p:par>
+                      </p:childTnLst>
+                    </p:cTn>
+                  </p:par>
+                </p:childTnLst>
+              </p:cTn>
+              <p:prevCondLst>
+                <p:cond evt="onPrev" delay="0">
+                  <p:tgtEl>
+                    <p:sldTgt/>
+                  </p:tgtEl>
+                </p:cond>
+              </p:prevCondLst>
+              <p:nextCondLst>
+                <p:cond evt="onNext" delay="0">
+                  <p:tgtEl>
+                    <p:sldTgt/>
+                  </p:tgtEl>
+                </p:cond>
+              </p:nextCondLst>
+            </p:seq>
+          </p:childTnLst>
+        </p:cTn>
+      </p:par>
+    </p:tnLst>
+  </p:timing>
 </p:sld>
 </file>
 
@@ -5369,6 +7080,378 @@
   <p:clrMapOvr>
     <a:masterClrMapping/>
   </p:clrMapOvr>
+  <p:timing>
+    <p:tnLst>
+      <p:par>
+        <p:cTn id="1" dur="indefinite" restart="never" nodeType="tmRoot">
+          <p:childTnLst>
+            <p:seq concurrent="1" nextAc="seek">
+              <p:cTn id="2" dur="indefinite" nodeType="mainSeq">
+                <p:childTnLst>
+                  <p:par>
+                    <p:cTn id="3" fill="hold">
+                      <p:stCondLst>
+                        <p:cond delay="indefinite"/>
+                      </p:stCondLst>
+                      <p:childTnLst>
+                        <p:par>
+                          <p:cTn id="4" fill="hold">
+                            <p:stCondLst>
+                              <p:cond delay="0"/>
+                            </p:stCondLst>
+                            <p:childTnLst>
+                              <p:par>
+                                <p:cTn id="5" presetID="10" presetClass="entr" presetSubtype="0" fill="hold" nodeType="clickEffect">
+                                  <p:stCondLst>
+                                    <p:cond delay="0"/>
+                                  </p:stCondLst>
+                                  <p:childTnLst>
+                                    <p:set>
+                                      <p:cBhvr>
+                                        <p:cTn id="6" dur="1" fill="hold">
+                                          <p:stCondLst>
+                                            <p:cond delay="0"/>
+                                          </p:stCondLst>
+                                        </p:cTn>
+                                        <p:tgtEl>
+                                          <p:spTgt spid="3">
+                                            <p:txEl>
+                                              <p:pRg st="1" end="1"/>
+                                            </p:txEl>
+                                          </p:spTgt>
+                                        </p:tgtEl>
+                                        <p:attrNameLst>
+                                          <p:attrName>style.visibility</p:attrName>
+                                        </p:attrNameLst>
+                                      </p:cBhvr>
+                                      <p:to>
+                                        <p:strVal val="visible"/>
+                                      </p:to>
+                                    </p:set>
+                                    <p:animEffect transition="in" filter="fade">
+                                      <p:cBhvr>
+                                        <p:cTn id="7" dur="500"/>
+                                        <p:tgtEl>
+                                          <p:spTgt spid="3">
+                                            <p:txEl>
+                                              <p:pRg st="1" end="1"/>
+                                            </p:txEl>
+                                          </p:spTgt>
+                                        </p:tgtEl>
+                                      </p:cBhvr>
+                                    </p:animEffect>
+                                  </p:childTnLst>
+                                </p:cTn>
+                              </p:par>
+                            </p:childTnLst>
+                          </p:cTn>
+                        </p:par>
+                      </p:childTnLst>
+                    </p:cTn>
+                  </p:par>
+                  <p:par>
+                    <p:cTn id="8" fill="hold">
+                      <p:stCondLst>
+                        <p:cond delay="indefinite"/>
+                      </p:stCondLst>
+                      <p:childTnLst>
+                        <p:par>
+                          <p:cTn id="9" fill="hold">
+                            <p:stCondLst>
+                              <p:cond delay="0"/>
+                            </p:stCondLst>
+                            <p:childTnLst>
+                              <p:par>
+                                <p:cTn id="10" presetID="10" presetClass="entr" presetSubtype="0" fill="hold" nodeType="clickEffect">
+                                  <p:stCondLst>
+                                    <p:cond delay="0"/>
+                                  </p:stCondLst>
+                                  <p:childTnLst>
+                                    <p:set>
+                                      <p:cBhvr>
+                                        <p:cTn id="11" dur="1" fill="hold">
+                                          <p:stCondLst>
+                                            <p:cond delay="0"/>
+                                          </p:stCondLst>
+                                        </p:cTn>
+                                        <p:tgtEl>
+                                          <p:spTgt spid="5"/>
+                                        </p:tgtEl>
+                                        <p:attrNameLst>
+                                          <p:attrName>style.visibility</p:attrName>
+                                        </p:attrNameLst>
+                                      </p:cBhvr>
+                                      <p:to>
+                                        <p:strVal val="visible"/>
+                                      </p:to>
+                                    </p:set>
+                                    <p:animEffect transition="in" filter="fade">
+                                      <p:cBhvr>
+                                        <p:cTn id="12" dur="500"/>
+                                        <p:tgtEl>
+                                          <p:spTgt spid="5"/>
+                                        </p:tgtEl>
+                                      </p:cBhvr>
+                                    </p:animEffect>
+                                  </p:childTnLst>
+                                </p:cTn>
+                              </p:par>
+                            </p:childTnLst>
+                          </p:cTn>
+                        </p:par>
+                      </p:childTnLst>
+                    </p:cTn>
+                  </p:par>
+                  <p:par>
+                    <p:cTn id="13" fill="hold">
+                      <p:stCondLst>
+                        <p:cond delay="indefinite"/>
+                      </p:stCondLst>
+                      <p:childTnLst>
+                        <p:par>
+                          <p:cTn id="14" fill="hold">
+                            <p:stCondLst>
+                              <p:cond delay="0"/>
+                            </p:stCondLst>
+                            <p:childTnLst>
+                              <p:par>
+                                <p:cTn id="15" presetID="10" presetClass="entr" presetSubtype="0" fill="hold" nodeType="clickEffect">
+                                  <p:stCondLst>
+                                    <p:cond delay="0"/>
+                                  </p:stCondLst>
+                                  <p:childTnLst>
+                                    <p:set>
+                                      <p:cBhvr>
+                                        <p:cTn id="16" dur="1" fill="hold">
+                                          <p:stCondLst>
+                                            <p:cond delay="0"/>
+                                          </p:stCondLst>
+                                        </p:cTn>
+                                        <p:tgtEl>
+                                          <p:spTgt spid="3">
+                                            <p:txEl>
+                                              <p:pRg st="3" end="3"/>
+                                            </p:txEl>
+                                          </p:spTgt>
+                                        </p:tgtEl>
+                                        <p:attrNameLst>
+                                          <p:attrName>style.visibility</p:attrName>
+                                        </p:attrNameLst>
+                                      </p:cBhvr>
+                                      <p:to>
+                                        <p:strVal val="visible"/>
+                                      </p:to>
+                                    </p:set>
+                                    <p:animEffect transition="in" filter="fade">
+                                      <p:cBhvr>
+                                        <p:cTn id="17" dur="500"/>
+                                        <p:tgtEl>
+                                          <p:spTgt spid="3">
+                                            <p:txEl>
+                                              <p:pRg st="3" end="3"/>
+                                            </p:txEl>
+                                          </p:spTgt>
+                                        </p:tgtEl>
+                                      </p:cBhvr>
+                                    </p:animEffect>
+                                  </p:childTnLst>
+                                </p:cTn>
+                              </p:par>
+                            </p:childTnLst>
+                          </p:cTn>
+                        </p:par>
+                      </p:childTnLst>
+                    </p:cTn>
+                  </p:par>
+                  <p:par>
+                    <p:cTn id="18" fill="hold">
+                      <p:stCondLst>
+                        <p:cond delay="indefinite"/>
+                      </p:stCondLst>
+                      <p:childTnLst>
+                        <p:par>
+                          <p:cTn id="19" fill="hold">
+                            <p:stCondLst>
+                              <p:cond delay="0"/>
+                            </p:stCondLst>
+                            <p:childTnLst>
+                              <p:par>
+                                <p:cTn id="20" presetID="10" presetClass="entr" presetSubtype="0" fill="hold" nodeType="clickEffect">
+                                  <p:stCondLst>
+                                    <p:cond delay="0"/>
+                                  </p:stCondLst>
+                                  <p:childTnLst>
+                                    <p:set>
+                                      <p:cBhvr>
+                                        <p:cTn id="21" dur="1" fill="hold">
+                                          <p:stCondLst>
+                                            <p:cond delay="0"/>
+                                          </p:stCondLst>
+                                        </p:cTn>
+                                        <p:tgtEl>
+                                          <p:spTgt spid="7"/>
+                                        </p:tgtEl>
+                                        <p:attrNameLst>
+                                          <p:attrName>style.visibility</p:attrName>
+                                        </p:attrNameLst>
+                                      </p:cBhvr>
+                                      <p:to>
+                                        <p:strVal val="visible"/>
+                                      </p:to>
+                                    </p:set>
+                                    <p:animEffect transition="in" filter="fade">
+                                      <p:cBhvr>
+                                        <p:cTn id="22" dur="500"/>
+                                        <p:tgtEl>
+                                          <p:spTgt spid="7"/>
+                                        </p:tgtEl>
+                                      </p:cBhvr>
+                                    </p:animEffect>
+                                  </p:childTnLst>
+                                </p:cTn>
+                              </p:par>
+                            </p:childTnLst>
+                          </p:cTn>
+                        </p:par>
+                      </p:childTnLst>
+                    </p:cTn>
+                  </p:par>
+                  <p:par>
+                    <p:cTn id="23" fill="hold">
+                      <p:stCondLst>
+                        <p:cond delay="indefinite"/>
+                      </p:stCondLst>
+                      <p:childTnLst>
+                        <p:par>
+                          <p:cTn id="24" fill="hold">
+                            <p:stCondLst>
+                              <p:cond delay="0"/>
+                            </p:stCondLst>
+                            <p:childTnLst>
+                              <p:par>
+                                <p:cTn id="25" presetID="10" presetClass="entr" presetSubtype="0" fill="hold" nodeType="clickEffect">
+                                  <p:stCondLst>
+                                    <p:cond delay="0"/>
+                                  </p:stCondLst>
+                                  <p:childTnLst>
+                                    <p:set>
+                                      <p:cBhvr>
+                                        <p:cTn id="26" dur="1" fill="hold">
+                                          <p:stCondLst>
+                                            <p:cond delay="0"/>
+                                          </p:stCondLst>
+                                        </p:cTn>
+                                        <p:tgtEl>
+                                          <p:spTgt spid="3">
+                                            <p:txEl>
+                                              <p:pRg st="5" end="5"/>
+                                            </p:txEl>
+                                          </p:spTgt>
+                                        </p:tgtEl>
+                                        <p:attrNameLst>
+                                          <p:attrName>style.visibility</p:attrName>
+                                        </p:attrNameLst>
+                                      </p:cBhvr>
+                                      <p:to>
+                                        <p:strVal val="visible"/>
+                                      </p:to>
+                                    </p:set>
+                                    <p:animEffect transition="in" filter="fade">
+                                      <p:cBhvr>
+                                        <p:cTn id="27" dur="500"/>
+                                        <p:tgtEl>
+                                          <p:spTgt spid="3">
+                                            <p:txEl>
+                                              <p:pRg st="5" end="5"/>
+                                            </p:txEl>
+                                          </p:spTgt>
+                                        </p:tgtEl>
+                                      </p:cBhvr>
+                                    </p:animEffect>
+                                  </p:childTnLst>
+                                </p:cTn>
+                              </p:par>
+                            </p:childTnLst>
+                          </p:cTn>
+                        </p:par>
+                      </p:childTnLst>
+                    </p:cTn>
+                  </p:par>
+                  <p:par>
+                    <p:cTn id="28" fill="hold">
+                      <p:stCondLst>
+                        <p:cond delay="indefinite"/>
+                      </p:stCondLst>
+                      <p:childTnLst>
+                        <p:par>
+                          <p:cTn id="29" fill="hold">
+                            <p:stCondLst>
+                              <p:cond delay="0"/>
+                            </p:stCondLst>
+                            <p:childTnLst>
+                              <p:par>
+                                <p:cTn id="30" presetID="10" presetClass="entr" presetSubtype="0" fill="hold" nodeType="clickEffect">
+                                  <p:stCondLst>
+                                    <p:cond delay="0"/>
+                                  </p:stCondLst>
+                                  <p:childTnLst>
+                                    <p:set>
+                                      <p:cBhvr>
+                                        <p:cTn id="31" dur="1" fill="hold">
+                                          <p:stCondLst>
+                                            <p:cond delay="0"/>
+                                          </p:stCondLst>
+                                        </p:cTn>
+                                        <p:tgtEl>
+                                          <p:spTgt spid="9"/>
+                                        </p:tgtEl>
+                                        <p:attrNameLst>
+                                          <p:attrName>style.visibility</p:attrName>
+                                        </p:attrNameLst>
+                                      </p:cBhvr>
+                                      <p:to>
+                                        <p:strVal val="visible"/>
+                                      </p:to>
+                                    </p:set>
+                                    <p:animEffect transition="in" filter="fade">
+                                      <p:cBhvr>
+                                        <p:cTn id="32" dur="500"/>
+                                        <p:tgtEl>
+                                          <p:spTgt spid="9"/>
+                                        </p:tgtEl>
+                                      </p:cBhvr>
+                                    </p:animEffect>
+                                  </p:childTnLst>
+                                </p:cTn>
+                              </p:par>
+                            </p:childTnLst>
+                          </p:cTn>
+                        </p:par>
+                      </p:childTnLst>
+                    </p:cTn>
+                  </p:par>
+                </p:childTnLst>
+              </p:cTn>
+              <p:prevCondLst>
+                <p:cond evt="onPrev" delay="0">
+                  <p:tgtEl>
+                    <p:sldTgt/>
+                  </p:tgtEl>
+                </p:cond>
+              </p:prevCondLst>
+              <p:nextCondLst>
+                <p:cond evt="onNext" delay="0">
+                  <p:tgtEl>
+                    <p:sldTgt/>
+                  </p:tgtEl>
+                </p:cond>
+              </p:nextCondLst>
+            </p:seq>
+          </p:childTnLst>
+        </p:cTn>
+      </p:par>
+    </p:tnLst>
+  </p:timing>
 </p:sld>
 </file>
 
@@ -5651,6 +7734,378 @@
   <p:clrMapOvr>
     <a:masterClrMapping/>
   </p:clrMapOvr>
+  <p:timing>
+    <p:tnLst>
+      <p:par>
+        <p:cTn id="1" dur="indefinite" restart="never" nodeType="tmRoot">
+          <p:childTnLst>
+            <p:seq concurrent="1" nextAc="seek">
+              <p:cTn id="2" dur="indefinite" nodeType="mainSeq">
+                <p:childTnLst>
+                  <p:par>
+                    <p:cTn id="3" fill="hold">
+                      <p:stCondLst>
+                        <p:cond delay="indefinite"/>
+                      </p:stCondLst>
+                      <p:childTnLst>
+                        <p:par>
+                          <p:cTn id="4" fill="hold">
+                            <p:stCondLst>
+                              <p:cond delay="0"/>
+                            </p:stCondLst>
+                            <p:childTnLst>
+                              <p:par>
+                                <p:cTn id="5" presetID="10" presetClass="entr" presetSubtype="0" fill="hold" nodeType="clickEffect">
+                                  <p:stCondLst>
+                                    <p:cond delay="0"/>
+                                  </p:stCondLst>
+                                  <p:childTnLst>
+                                    <p:set>
+                                      <p:cBhvr>
+                                        <p:cTn id="6" dur="1" fill="hold">
+                                          <p:stCondLst>
+                                            <p:cond delay="0"/>
+                                          </p:stCondLst>
+                                        </p:cTn>
+                                        <p:tgtEl>
+                                          <p:spTgt spid="3">
+                                            <p:txEl>
+                                              <p:pRg st="1" end="1"/>
+                                            </p:txEl>
+                                          </p:spTgt>
+                                        </p:tgtEl>
+                                        <p:attrNameLst>
+                                          <p:attrName>style.visibility</p:attrName>
+                                        </p:attrNameLst>
+                                      </p:cBhvr>
+                                      <p:to>
+                                        <p:strVal val="visible"/>
+                                      </p:to>
+                                    </p:set>
+                                    <p:animEffect transition="in" filter="fade">
+                                      <p:cBhvr>
+                                        <p:cTn id="7" dur="500"/>
+                                        <p:tgtEl>
+                                          <p:spTgt spid="3">
+                                            <p:txEl>
+                                              <p:pRg st="1" end="1"/>
+                                            </p:txEl>
+                                          </p:spTgt>
+                                        </p:tgtEl>
+                                      </p:cBhvr>
+                                    </p:animEffect>
+                                  </p:childTnLst>
+                                </p:cTn>
+                              </p:par>
+                            </p:childTnLst>
+                          </p:cTn>
+                        </p:par>
+                      </p:childTnLst>
+                    </p:cTn>
+                  </p:par>
+                  <p:par>
+                    <p:cTn id="8" fill="hold">
+                      <p:stCondLst>
+                        <p:cond delay="indefinite"/>
+                      </p:stCondLst>
+                      <p:childTnLst>
+                        <p:par>
+                          <p:cTn id="9" fill="hold">
+                            <p:stCondLst>
+                              <p:cond delay="0"/>
+                            </p:stCondLst>
+                            <p:childTnLst>
+                              <p:par>
+                                <p:cTn id="10" presetID="10" presetClass="entr" presetSubtype="0" fill="hold" nodeType="clickEffect">
+                                  <p:stCondLst>
+                                    <p:cond delay="0"/>
+                                  </p:stCondLst>
+                                  <p:childTnLst>
+                                    <p:set>
+                                      <p:cBhvr>
+                                        <p:cTn id="11" dur="1" fill="hold">
+                                          <p:stCondLst>
+                                            <p:cond delay="0"/>
+                                          </p:stCondLst>
+                                        </p:cTn>
+                                        <p:tgtEl>
+                                          <p:spTgt spid="6"/>
+                                        </p:tgtEl>
+                                        <p:attrNameLst>
+                                          <p:attrName>style.visibility</p:attrName>
+                                        </p:attrNameLst>
+                                      </p:cBhvr>
+                                      <p:to>
+                                        <p:strVal val="visible"/>
+                                      </p:to>
+                                    </p:set>
+                                    <p:animEffect transition="in" filter="fade">
+                                      <p:cBhvr>
+                                        <p:cTn id="12" dur="500"/>
+                                        <p:tgtEl>
+                                          <p:spTgt spid="6"/>
+                                        </p:tgtEl>
+                                      </p:cBhvr>
+                                    </p:animEffect>
+                                  </p:childTnLst>
+                                </p:cTn>
+                              </p:par>
+                            </p:childTnLst>
+                          </p:cTn>
+                        </p:par>
+                      </p:childTnLst>
+                    </p:cTn>
+                  </p:par>
+                  <p:par>
+                    <p:cTn id="13" fill="hold">
+                      <p:stCondLst>
+                        <p:cond delay="indefinite"/>
+                      </p:stCondLst>
+                      <p:childTnLst>
+                        <p:par>
+                          <p:cTn id="14" fill="hold">
+                            <p:stCondLst>
+                              <p:cond delay="0"/>
+                            </p:stCondLst>
+                            <p:childTnLst>
+                              <p:par>
+                                <p:cTn id="15" presetID="10" presetClass="entr" presetSubtype="0" fill="hold" nodeType="clickEffect">
+                                  <p:stCondLst>
+                                    <p:cond delay="0"/>
+                                  </p:stCondLst>
+                                  <p:childTnLst>
+                                    <p:set>
+                                      <p:cBhvr>
+                                        <p:cTn id="16" dur="1" fill="hold">
+                                          <p:stCondLst>
+                                            <p:cond delay="0"/>
+                                          </p:stCondLst>
+                                        </p:cTn>
+                                        <p:tgtEl>
+                                          <p:spTgt spid="3">
+                                            <p:txEl>
+                                              <p:pRg st="3" end="3"/>
+                                            </p:txEl>
+                                          </p:spTgt>
+                                        </p:tgtEl>
+                                        <p:attrNameLst>
+                                          <p:attrName>style.visibility</p:attrName>
+                                        </p:attrNameLst>
+                                      </p:cBhvr>
+                                      <p:to>
+                                        <p:strVal val="visible"/>
+                                      </p:to>
+                                    </p:set>
+                                    <p:animEffect transition="in" filter="fade">
+                                      <p:cBhvr>
+                                        <p:cTn id="17" dur="500"/>
+                                        <p:tgtEl>
+                                          <p:spTgt spid="3">
+                                            <p:txEl>
+                                              <p:pRg st="3" end="3"/>
+                                            </p:txEl>
+                                          </p:spTgt>
+                                        </p:tgtEl>
+                                      </p:cBhvr>
+                                    </p:animEffect>
+                                  </p:childTnLst>
+                                </p:cTn>
+                              </p:par>
+                            </p:childTnLst>
+                          </p:cTn>
+                        </p:par>
+                      </p:childTnLst>
+                    </p:cTn>
+                  </p:par>
+                  <p:par>
+                    <p:cTn id="18" fill="hold">
+                      <p:stCondLst>
+                        <p:cond delay="indefinite"/>
+                      </p:stCondLst>
+                      <p:childTnLst>
+                        <p:par>
+                          <p:cTn id="19" fill="hold">
+                            <p:stCondLst>
+                              <p:cond delay="0"/>
+                            </p:stCondLst>
+                            <p:childTnLst>
+                              <p:par>
+                                <p:cTn id="20" presetID="10" presetClass="entr" presetSubtype="0" fill="hold" nodeType="clickEffect">
+                                  <p:stCondLst>
+                                    <p:cond delay="0"/>
+                                  </p:stCondLst>
+                                  <p:childTnLst>
+                                    <p:set>
+                                      <p:cBhvr>
+                                        <p:cTn id="21" dur="1" fill="hold">
+                                          <p:stCondLst>
+                                            <p:cond delay="0"/>
+                                          </p:stCondLst>
+                                        </p:cTn>
+                                        <p:tgtEl>
+                                          <p:spTgt spid="10"/>
+                                        </p:tgtEl>
+                                        <p:attrNameLst>
+                                          <p:attrName>style.visibility</p:attrName>
+                                        </p:attrNameLst>
+                                      </p:cBhvr>
+                                      <p:to>
+                                        <p:strVal val="visible"/>
+                                      </p:to>
+                                    </p:set>
+                                    <p:animEffect transition="in" filter="fade">
+                                      <p:cBhvr>
+                                        <p:cTn id="22" dur="500"/>
+                                        <p:tgtEl>
+                                          <p:spTgt spid="10"/>
+                                        </p:tgtEl>
+                                      </p:cBhvr>
+                                    </p:animEffect>
+                                  </p:childTnLst>
+                                </p:cTn>
+                              </p:par>
+                            </p:childTnLst>
+                          </p:cTn>
+                        </p:par>
+                      </p:childTnLst>
+                    </p:cTn>
+                  </p:par>
+                  <p:par>
+                    <p:cTn id="23" fill="hold">
+                      <p:stCondLst>
+                        <p:cond delay="indefinite"/>
+                      </p:stCondLst>
+                      <p:childTnLst>
+                        <p:par>
+                          <p:cTn id="24" fill="hold">
+                            <p:stCondLst>
+                              <p:cond delay="0"/>
+                            </p:stCondLst>
+                            <p:childTnLst>
+                              <p:par>
+                                <p:cTn id="25" presetID="10" presetClass="entr" presetSubtype="0" fill="hold" nodeType="clickEffect">
+                                  <p:stCondLst>
+                                    <p:cond delay="0"/>
+                                  </p:stCondLst>
+                                  <p:childTnLst>
+                                    <p:set>
+                                      <p:cBhvr>
+                                        <p:cTn id="26" dur="1" fill="hold">
+                                          <p:stCondLst>
+                                            <p:cond delay="0"/>
+                                          </p:stCondLst>
+                                        </p:cTn>
+                                        <p:tgtEl>
+                                          <p:spTgt spid="3">
+                                            <p:txEl>
+                                              <p:pRg st="5" end="5"/>
+                                            </p:txEl>
+                                          </p:spTgt>
+                                        </p:tgtEl>
+                                        <p:attrNameLst>
+                                          <p:attrName>style.visibility</p:attrName>
+                                        </p:attrNameLst>
+                                      </p:cBhvr>
+                                      <p:to>
+                                        <p:strVal val="visible"/>
+                                      </p:to>
+                                    </p:set>
+                                    <p:animEffect transition="in" filter="fade">
+                                      <p:cBhvr>
+                                        <p:cTn id="27" dur="500"/>
+                                        <p:tgtEl>
+                                          <p:spTgt spid="3">
+                                            <p:txEl>
+                                              <p:pRg st="5" end="5"/>
+                                            </p:txEl>
+                                          </p:spTgt>
+                                        </p:tgtEl>
+                                      </p:cBhvr>
+                                    </p:animEffect>
+                                  </p:childTnLst>
+                                </p:cTn>
+                              </p:par>
+                            </p:childTnLst>
+                          </p:cTn>
+                        </p:par>
+                      </p:childTnLst>
+                    </p:cTn>
+                  </p:par>
+                  <p:par>
+                    <p:cTn id="28" fill="hold">
+                      <p:stCondLst>
+                        <p:cond delay="indefinite"/>
+                      </p:stCondLst>
+                      <p:childTnLst>
+                        <p:par>
+                          <p:cTn id="29" fill="hold">
+                            <p:stCondLst>
+                              <p:cond delay="0"/>
+                            </p:stCondLst>
+                            <p:childTnLst>
+                              <p:par>
+                                <p:cTn id="30" presetID="10" presetClass="entr" presetSubtype="0" fill="hold" nodeType="clickEffect">
+                                  <p:stCondLst>
+                                    <p:cond delay="0"/>
+                                  </p:stCondLst>
+                                  <p:childTnLst>
+                                    <p:set>
+                                      <p:cBhvr>
+                                        <p:cTn id="31" dur="1" fill="hold">
+                                          <p:stCondLst>
+                                            <p:cond delay="0"/>
+                                          </p:stCondLst>
+                                        </p:cTn>
+                                        <p:tgtEl>
+                                          <p:spTgt spid="12"/>
+                                        </p:tgtEl>
+                                        <p:attrNameLst>
+                                          <p:attrName>style.visibility</p:attrName>
+                                        </p:attrNameLst>
+                                      </p:cBhvr>
+                                      <p:to>
+                                        <p:strVal val="visible"/>
+                                      </p:to>
+                                    </p:set>
+                                    <p:animEffect transition="in" filter="fade">
+                                      <p:cBhvr>
+                                        <p:cTn id="32" dur="500"/>
+                                        <p:tgtEl>
+                                          <p:spTgt spid="12"/>
+                                        </p:tgtEl>
+                                      </p:cBhvr>
+                                    </p:animEffect>
+                                  </p:childTnLst>
+                                </p:cTn>
+                              </p:par>
+                            </p:childTnLst>
+                          </p:cTn>
+                        </p:par>
+                      </p:childTnLst>
+                    </p:cTn>
+                  </p:par>
+                </p:childTnLst>
+              </p:cTn>
+              <p:prevCondLst>
+                <p:cond evt="onPrev" delay="0">
+                  <p:tgtEl>
+                    <p:sldTgt/>
+                  </p:tgtEl>
+                </p:cond>
+              </p:prevCondLst>
+              <p:nextCondLst>
+                <p:cond evt="onNext" delay="0">
+                  <p:tgtEl>
+                    <p:sldTgt/>
+                  </p:tgtEl>
+                </p:cond>
+              </p:nextCondLst>
+            </p:seq>
+          </p:childTnLst>
+        </p:cTn>
+      </p:par>
+    </p:tnLst>
+  </p:timing>
 </p:sld>
 </file>
 
@@ -5954,6 +8409,370 @@
   <p:clrMapOvr>
     <a:masterClrMapping/>
   </p:clrMapOvr>
+  <p:timing>
+    <p:tnLst>
+      <p:par>
+        <p:cTn id="1" dur="indefinite" restart="never" nodeType="tmRoot">
+          <p:childTnLst>
+            <p:seq concurrent="1" nextAc="seek">
+              <p:cTn id="2" dur="indefinite" nodeType="mainSeq">
+                <p:childTnLst>
+                  <p:par>
+                    <p:cTn id="3" fill="hold">
+                      <p:stCondLst>
+                        <p:cond delay="indefinite"/>
+                      </p:stCondLst>
+                      <p:childTnLst>
+                        <p:par>
+                          <p:cTn id="4" fill="hold">
+                            <p:stCondLst>
+                              <p:cond delay="0"/>
+                            </p:stCondLst>
+                            <p:childTnLst>
+                              <p:par>
+                                <p:cTn id="5" presetID="10" presetClass="entr" presetSubtype="0" fill="hold" nodeType="clickEffect">
+                                  <p:stCondLst>
+                                    <p:cond delay="0"/>
+                                  </p:stCondLst>
+                                  <p:childTnLst>
+                                    <p:set>
+                                      <p:cBhvr>
+                                        <p:cTn id="6" dur="1" fill="hold">
+                                          <p:stCondLst>
+                                            <p:cond delay="0"/>
+                                          </p:stCondLst>
+                                        </p:cTn>
+                                        <p:tgtEl>
+                                          <p:spTgt spid="3">
+                                            <p:txEl>
+                                              <p:pRg st="2" end="2"/>
+                                            </p:txEl>
+                                          </p:spTgt>
+                                        </p:tgtEl>
+                                        <p:attrNameLst>
+                                          <p:attrName>style.visibility</p:attrName>
+                                        </p:attrNameLst>
+                                      </p:cBhvr>
+                                      <p:to>
+                                        <p:strVal val="visible"/>
+                                      </p:to>
+                                    </p:set>
+                                    <p:animEffect transition="in" filter="fade">
+                                      <p:cBhvr>
+                                        <p:cTn id="7" dur="500"/>
+                                        <p:tgtEl>
+                                          <p:spTgt spid="3">
+                                            <p:txEl>
+                                              <p:pRg st="2" end="2"/>
+                                            </p:txEl>
+                                          </p:spTgt>
+                                        </p:tgtEl>
+                                      </p:cBhvr>
+                                    </p:animEffect>
+                                  </p:childTnLst>
+                                </p:cTn>
+                              </p:par>
+                            </p:childTnLst>
+                          </p:cTn>
+                        </p:par>
+                      </p:childTnLst>
+                    </p:cTn>
+                  </p:par>
+                  <p:par>
+                    <p:cTn id="8" fill="hold">
+                      <p:stCondLst>
+                        <p:cond delay="indefinite"/>
+                      </p:stCondLst>
+                      <p:childTnLst>
+                        <p:par>
+                          <p:cTn id="9" fill="hold">
+                            <p:stCondLst>
+                              <p:cond delay="0"/>
+                            </p:stCondLst>
+                            <p:childTnLst>
+                              <p:par>
+                                <p:cTn id="10" presetID="10" presetClass="entr" presetSubtype="0" fill="hold" nodeType="clickEffect">
+                                  <p:stCondLst>
+                                    <p:cond delay="0"/>
+                                  </p:stCondLst>
+                                  <p:childTnLst>
+                                    <p:set>
+                                      <p:cBhvr>
+                                        <p:cTn id="11" dur="1" fill="hold">
+                                          <p:stCondLst>
+                                            <p:cond delay="0"/>
+                                          </p:stCondLst>
+                                        </p:cTn>
+                                        <p:tgtEl>
+                                          <p:spTgt spid="5"/>
+                                        </p:tgtEl>
+                                        <p:attrNameLst>
+                                          <p:attrName>style.visibility</p:attrName>
+                                        </p:attrNameLst>
+                                      </p:cBhvr>
+                                      <p:to>
+                                        <p:strVal val="visible"/>
+                                      </p:to>
+                                    </p:set>
+                                    <p:animEffect transition="in" filter="fade">
+                                      <p:cBhvr>
+                                        <p:cTn id="12" dur="500"/>
+                                        <p:tgtEl>
+                                          <p:spTgt spid="5"/>
+                                        </p:tgtEl>
+                                      </p:cBhvr>
+                                    </p:animEffect>
+                                  </p:childTnLst>
+                                </p:cTn>
+                              </p:par>
+                            </p:childTnLst>
+                          </p:cTn>
+                        </p:par>
+                      </p:childTnLst>
+                    </p:cTn>
+                  </p:par>
+                  <p:par>
+                    <p:cTn id="13" fill="hold">
+                      <p:stCondLst>
+                        <p:cond delay="indefinite"/>
+                      </p:stCondLst>
+                      <p:childTnLst>
+                        <p:par>
+                          <p:cTn id="14" fill="hold">
+                            <p:stCondLst>
+                              <p:cond delay="0"/>
+                            </p:stCondLst>
+                            <p:childTnLst>
+                              <p:par>
+                                <p:cTn id="15" presetID="10" presetClass="entr" presetSubtype="0" fill="hold" nodeType="clickEffect">
+                                  <p:stCondLst>
+                                    <p:cond delay="0"/>
+                                  </p:stCondLst>
+                                  <p:childTnLst>
+                                    <p:set>
+                                      <p:cBhvr>
+                                        <p:cTn id="16" dur="1" fill="hold">
+                                          <p:stCondLst>
+                                            <p:cond delay="0"/>
+                                          </p:stCondLst>
+                                        </p:cTn>
+                                        <p:tgtEl>
+                                          <p:spTgt spid="3">
+                                            <p:txEl>
+                                              <p:pRg st="6" end="6"/>
+                                            </p:txEl>
+                                          </p:spTgt>
+                                        </p:tgtEl>
+                                        <p:attrNameLst>
+                                          <p:attrName>style.visibility</p:attrName>
+                                        </p:attrNameLst>
+                                      </p:cBhvr>
+                                      <p:to>
+                                        <p:strVal val="visible"/>
+                                      </p:to>
+                                    </p:set>
+                                    <p:animEffect transition="in" filter="fade">
+                                      <p:cBhvr>
+                                        <p:cTn id="17" dur="500"/>
+                                        <p:tgtEl>
+                                          <p:spTgt spid="3">
+                                            <p:txEl>
+                                              <p:pRg st="6" end="6"/>
+                                            </p:txEl>
+                                          </p:spTgt>
+                                        </p:tgtEl>
+                                      </p:cBhvr>
+                                    </p:animEffect>
+                                  </p:childTnLst>
+                                </p:cTn>
+                              </p:par>
+                            </p:childTnLst>
+                          </p:cTn>
+                        </p:par>
+                      </p:childTnLst>
+                    </p:cTn>
+                  </p:par>
+                  <p:par>
+                    <p:cTn id="18" fill="hold">
+                      <p:stCondLst>
+                        <p:cond delay="indefinite"/>
+                      </p:stCondLst>
+                      <p:childTnLst>
+                        <p:par>
+                          <p:cTn id="19" fill="hold">
+                            <p:stCondLst>
+                              <p:cond delay="0"/>
+                            </p:stCondLst>
+                            <p:childTnLst>
+                              <p:par>
+                                <p:cTn id="20" presetID="10" presetClass="entr" presetSubtype="0" fill="hold" nodeType="clickEffect">
+                                  <p:stCondLst>
+                                    <p:cond delay="0"/>
+                                  </p:stCondLst>
+                                  <p:childTnLst>
+                                    <p:set>
+                                      <p:cBhvr>
+                                        <p:cTn id="21" dur="1" fill="hold">
+                                          <p:stCondLst>
+                                            <p:cond delay="0"/>
+                                          </p:stCondLst>
+                                        </p:cTn>
+                                        <p:tgtEl>
+                                          <p:spTgt spid="9"/>
+                                        </p:tgtEl>
+                                        <p:attrNameLst>
+                                          <p:attrName>style.visibility</p:attrName>
+                                        </p:attrNameLst>
+                                      </p:cBhvr>
+                                      <p:to>
+                                        <p:strVal val="visible"/>
+                                      </p:to>
+                                    </p:set>
+                                    <p:animEffect transition="in" filter="fade">
+                                      <p:cBhvr>
+                                        <p:cTn id="22" dur="500"/>
+                                        <p:tgtEl>
+                                          <p:spTgt spid="9"/>
+                                        </p:tgtEl>
+                                      </p:cBhvr>
+                                    </p:animEffect>
+                                  </p:childTnLst>
+                                </p:cTn>
+                              </p:par>
+                            </p:childTnLst>
+                          </p:cTn>
+                        </p:par>
+                      </p:childTnLst>
+                    </p:cTn>
+                  </p:par>
+                  <p:par>
+                    <p:cTn id="23" fill="hold">
+                      <p:stCondLst>
+                        <p:cond delay="indefinite"/>
+                      </p:stCondLst>
+                      <p:childTnLst>
+                        <p:par>
+                          <p:cTn id="24" fill="hold">
+                            <p:stCondLst>
+                              <p:cond delay="0"/>
+                            </p:stCondLst>
+                            <p:childTnLst>
+                              <p:par>
+                                <p:cTn id="25" presetID="10" presetClass="entr" presetSubtype="0" fill="hold" nodeType="clickEffect">
+                                  <p:stCondLst>
+                                    <p:cond delay="0"/>
+                                  </p:stCondLst>
+                                  <p:childTnLst>
+                                    <p:set>
+                                      <p:cBhvr>
+                                        <p:cTn id="26" dur="1" fill="hold">
+                                          <p:stCondLst>
+                                            <p:cond delay="0"/>
+                                          </p:stCondLst>
+                                        </p:cTn>
+                                        <p:tgtEl>
+                                          <p:spTgt spid="11"/>
+                                        </p:tgtEl>
+                                        <p:attrNameLst>
+                                          <p:attrName>style.visibility</p:attrName>
+                                        </p:attrNameLst>
+                                      </p:cBhvr>
+                                      <p:to>
+                                        <p:strVal val="visible"/>
+                                      </p:to>
+                                    </p:set>
+                                    <p:animEffect transition="in" filter="fade">
+                                      <p:cBhvr>
+                                        <p:cTn id="27" dur="500"/>
+                                        <p:tgtEl>
+                                          <p:spTgt spid="11"/>
+                                        </p:tgtEl>
+                                      </p:cBhvr>
+                                    </p:animEffect>
+                                  </p:childTnLst>
+                                </p:cTn>
+                              </p:par>
+                            </p:childTnLst>
+                          </p:cTn>
+                        </p:par>
+                      </p:childTnLst>
+                    </p:cTn>
+                  </p:par>
+                  <p:par>
+                    <p:cTn id="28" fill="hold">
+                      <p:stCondLst>
+                        <p:cond delay="indefinite"/>
+                      </p:stCondLst>
+                      <p:childTnLst>
+                        <p:par>
+                          <p:cTn id="29" fill="hold">
+                            <p:stCondLst>
+                              <p:cond delay="0"/>
+                            </p:stCondLst>
+                            <p:childTnLst>
+                              <p:par>
+                                <p:cTn id="30" presetID="10" presetClass="entr" presetSubtype="0" fill="hold" nodeType="clickEffect">
+                                  <p:stCondLst>
+                                    <p:cond delay="0"/>
+                                  </p:stCondLst>
+                                  <p:childTnLst>
+                                    <p:set>
+                                      <p:cBhvr>
+                                        <p:cTn id="31" dur="1" fill="hold">
+                                          <p:stCondLst>
+                                            <p:cond delay="0"/>
+                                          </p:stCondLst>
+                                        </p:cTn>
+                                        <p:tgtEl>
+                                          <p:spTgt spid="13"/>
+                                        </p:tgtEl>
+                                        <p:attrNameLst>
+                                          <p:attrName>style.visibility</p:attrName>
+                                        </p:attrNameLst>
+                                      </p:cBhvr>
+                                      <p:to>
+                                        <p:strVal val="visible"/>
+                                      </p:to>
+                                    </p:set>
+                                    <p:animEffect transition="in" filter="fade">
+                                      <p:cBhvr>
+                                        <p:cTn id="32" dur="500"/>
+                                        <p:tgtEl>
+                                          <p:spTgt spid="13"/>
+                                        </p:tgtEl>
+                                      </p:cBhvr>
+                                    </p:animEffect>
+                                  </p:childTnLst>
+                                </p:cTn>
+                              </p:par>
+                            </p:childTnLst>
+                          </p:cTn>
+                        </p:par>
+                      </p:childTnLst>
+                    </p:cTn>
+                  </p:par>
+                </p:childTnLst>
+              </p:cTn>
+              <p:prevCondLst>
+                <p:cond evt="onPrev" delay="0">
+                  <p:tgtEl>
+                    <p:sldTgt/>
+                  </p:tgtEl>
+                </p:cond>
+              </p:prevCondLst>
+              <p:nextCondLst>
+                <p:cond evt="onNext" delay="0">
+                  <p:tgtEl>
+                    <p:sldTgt/>
+                  </p:tgtEl>
+                </p:cond>
+              </p:nextCondLst>
+            </p:seq>
+          </p:childTnLst>
+        </p:cTn>
+      </p:par>
+    </p:tnLst>
+  </p:timing>
 </p:sld>
 </file>
 
@@ -6228,6 +9047,439 @@
   <p:clrMapOvr>
     <a:masterClrMapping/>
   </p:clrMapOvr>
+  <p:timing>
+    <p:tnLst>
+      <p:par>
+        <p:cTn id="1" dur="indefinite" restart="never" nodeType="tmRoot">
+          <p:childTnLst>
+            <p:seq concurrent="1" nextAc="seek">
+              <p:cTn id="2" dur="indefinite" nodeType="mainSeq">
+                <p:childTnLst>
+                  <p:par>
+                    <p:cTn id="3" fill="hold">
+                      <p:stCondLst>
+                        <p:cond delay="indefinite"/>
+                      </p:stCondLst>
+                      <p:childTnLst>
+                        <p:par>
+                          <p:cTn id="4" fill="hold">
+                            <p:stCondLst>
+                              <p:cond delay="0"/>
+                            </p:stCondLst>
+                            <p:childTnLst>
+                              <p:par>
+                                <p:cTn id="5" presetID="10" presetClass="entr" presetSubtype="0" fill="hold" nodeType="clickEffect">
+                                  <p:stCondLst>
+                                    <p:cond delay="0"/>
+                                  </p:stCondLst>
+                                  <p:childTnLst>
+                                    <p:set>
+                                      <p:cBhvr>
+                                        <p:cTn id="6" dur="1" fill="hold">
+                                          <p:stCondLst>
+                                            <p:cond delay="0"/>
+                                          </p:stCondLst>
+                                        </p:cTn>
+                                        <p:tgtEl>
+                                          <p:spTgt spid="3">
+                                            <p:txEl>
+                                              <p:pRg st="1" end="1"/>
+                                            </p:txEl>
+                                          </p:spTgt>
+                                        </p:tgtEl>
+                                        <p:attrNameLst>
+                                          <p:attrName>style.visibility</p:attrName>
+                                        </p:attrNameLst>
+                                      </p:cBhvr>
+                                      <p:to>
+                                        <p:strVal val="visible"/>
+                                      </p:to>
+                                    </p:set>
+                                    <p:animEffect transition="in" filter="fade">
+                                      <p:cBhvr>
+                                        <p:cTn id="7" dur="500"/>
+                                        <p:tgtEl>
+                                          <p:spTgt spid="3">
+                                            <p:txEl>
+                                              <p:pRg st="1" end="1"/>
+                                            </p:txEl>
+                                          </p:spTgt>
+                                        </p:tgtEl>
+                                      </p:cBhvr>
+                                    </p:animEffect>
+                                  </p:childTnLst>
+                                </p:cTn>
+                              </p:par>
+                            </p:childTnLst>
+                          </p:cTn>
+                        </p:par>
+                      </p:childTnLst>
+                    </p:cTn>
+                  </p:par>
+                  <p:par>
+                    <p:cTn id="8" fill="hold">
+                      <p:stCondLst>
+                        <p:cond delay="indefinite"/>
+                      </p:stCondLst>
+                      <p:childTnLst>
+                        <p:par>
+                          <p:cTn id="9" fill="hold">
+                            <p:stCondLst>
+                              <p:cond delay="0"/>
+                            </p:stCondLst>
+                            <p:childTnLst>
+                              <p:par>
+                                <p:cTn id="10" presetID="10" presetClass="entr" presetSubtype="0" fill="hold" nodeType="clickEffect">
+                                  <p:stCondLst>
+                                    <p:cond delay="0"/>
+                                  </p:stCondLst>
+                                  <p:childTnLst>
+                                    <p:set>
+                                      <p:cBhvr>
+                                        <p:cTn id="11" dur="1" fill="hold">
+                                          <p:stCondLst>
+                                            <p:cond delay="0"/>
+                                          </p:stCondLst>
+                                        </p:cTn>
+                                        <p:tgtEl>
+                                          <p:spTgt spid="3">
+                                            <p:txEl>
+                                              <p:pRg st="2" end="2"/>
+                                            </p:txEl>
+                                          </p:spTgt>
+                                        </p:tgtEl>
+                                        <p:attrNameLst>
+                                          <p:attrName>style.visibility</p:attrName>
+                                        </p:attrNameLst>
+                                      </p:cBhvr>
+                                      <p:to>
+                                        <p:strVal val="visible"/>
+                                      </p:to>
+                                    </p:set>
+                                    <p:animEffect transition="in" filter="fade">
+                                      <p:cBhvr>
+                                        <p:cTn id="12" dur="500"/>
+                                        <p:tgtEl>
+                                          <p:spTgt spid="3">
+                                            <p:txEl>
+                                              <p:pRg st="2" end="2"/>
+                                            </p:txEl>
+                                          </p:spTgt>
+                                        </p:tgtEl>
+                                      </p:cBhvr>
+                                    </p:animEffect>
+                                  </p:childTnLst>
+                                </p:cTn>
+                              </p:par>
+                            </p:childTnLst>
+                          </p:cTn>
+                        </p:par>
+                      </p:childTnLst>
+                    </p:cTn>
+                  </p:par>
+                  <p:par>
+                    <p:cTn id="13" fill="hold">
+                      <p:stCondLst>
+                        <p:cond delay="indefinite"/>
+                      </p:stCondLst>
+                      <p:childTnLst>
+                        <p:par>
+                          <p:cTn id="14" fill="hold">
+                            <p:stCondLst>
+                              <p:cond delay="0"/>
+                            </p:stCondLst>
+                            <p:childTnLst>
+                              <p:par>
+                                <p:cTn id="15" presetID="10" presetClass="entr" presetSubtype="0" fill="hold" nodeType="clickEffect">
+                                  <p:stCondLst>
+                                    <p:cond delay="0"/>
+                                  </p:stCondLst>
+                                  <p:childTnLst>
+                                    <p:set>
+                                      <p:cBhvr>
+                                        <p:cTn id="16" dur="1" fill="hold">
+                                          <p:stCondLst>
+                                            <p:cond delay="0"/>
+                                          </p:stCondLst>
+                                        </p:cTn>
+                                        <p:tgtEl>
+                                          <p:spTgt spid="5"/>
+                                        </p:tgtEl>
+                                        <p:attrNameLst>
+                                          <p:attrName>style.visibility</p:attrName>
+                                        </p:attrNameLst>
+                                      </p:cBhvr>
+                                      <p:to>
+                                        <p:strVal val="visible"/>
+                                      </p:to>
+                                    </p:set>
+                                    <p:animEffect transition="in" filter="fade">
+                                      <p:cBhvr>
+                                        <p:cTn id="17" dur="500"/>
+                                        <p:tgtEl>
+                                          <p:spTgt spid="5"/>
+                                        </p:tgtEl>
+                                      </p:cBhvr>
+                                    </p:animEffect>
+                                  </p:childTnLst>
+                                </p:cTn>
+                              </p:par>
+                            </p:childTnLst>
+                          </p:cTn>
+                        </p:par>
+                      </p:childTnLst>
+                    </p:cTn>
+                  </p:par>
+                  <p:par>
+                    <p:cTn id="18" fill="hold">
+                      <p:stCondLst>
+                        <p:cond delay="indefinite"/>
+                      </p:stCondLst>
+                      <p:childTnLst>
+                        <p:par>
+                          <p:cTn id="19" fill="hold">
+                            <p:stCondLst>
+                              <p:cond delay="0"/>
+                            </p:stCondLst>
+                            <p:childTnLst>
+                              <p:par>
+                                <p:cTn id="20" presetID="10" presetClass="entr" presetSubtype="0" fill="hold" nodeType="clickEffect">
+                                  <p:stCondLst>
+                                    <p:cond delay="0"/>
+                                  </p:stCondLst>
+                                  <p:childTnLst>
+                                    <p:set>
+                                      <p:cBhvr>
+                                        <p:cTn id="21" dur="1" fill="hold">
+                                          <p:stCondLst>
+                                            <p:cond delay="0"/>
+                                          </p:stCondLst>
+                                        </p:cTn>
+                                        <p:tgtEl>
+                                          <p:spTgt spid="3">
+                                            <p:txEl>
+                                              <p:pRg st="6" end="6"/>
+                                            </p:txEl>
+                                          </p:spTgt>
+                                        </p:tgtEl>
+                                        <p:attrNameLst>
+                                          <p:attrName>style.visibility</p:attrName>
+                                        </p:attrNameLst>
+                                      </p:cBhvr>
+                                      <p:to>
+                                        <p:strVal val="visible"/>
+                                      </p:to>
+                                    </p:set>
+                                    <p:animEffect transition="in" filter="fade">
+                                      <p:cBhvr>
+                                        <p:cTn id="22" dur="500"/>
+                                        <p:tgtEl>
+                                          <p:spTgt spid="3">
+                                            <p:txEl>
+                                              <p:pRg st="6" end="6"/>
+                                            </p:txEl>
+                                          </p:spTgt>
+                                        </p:tgtEl>
+                                      </p:cBhvr>
+                                    </p:animEffect>
+                                  </p:childTnLst>
+                                </p:cTn>
+                              </p:par>
+                            </p:childTnLst>
+                          </p:cTn>
+                        </p:par>
+                      </p:childTnLst>
+                    </p:cTn>
+                  </p:par>
+                  <p:par>
+                    <p:cTn id="23" fill="hold">
+                      <p:stCondLst>
+                        <p:cond delay="indefinite"/>
+                      </p:stCondLst>
+                      <p:childTnLst>
+                        <p:par>
+                          <p:cTn id="24" fill="hold">
+                            <p:stCondLst>
+                              <p:cond delay="0"/>
+                            </p:stCondLst>
+                            <p:childTnLst>
+                              <p:par>
+                                <p:cTn id="25" presetID="10" presetClass="entr" presetSubtype="0" fill="hold" nodeType="clickEffect">
+                                  <p:stCondLst>
+                                    <p:cond delay="0"/>
+                                  </p:stCondLst>
+                                  <p:childTnLst>
+                                    <p:set>
+                                      <p:cBhvr>
+                                        <p:cTn id="26" dur="1" fill="hold">
+                                          <p:stCondLst>
+                                            <p:cond delay="0"/>
+                                          </p:stCondLst>
+                                        </p:cTn>
+                                        <p:tgtEl>
+                                          <p:spTgt spid="7"/>
+                                        </p:tgtEl>
+                                        <p:attrNameLst>
+                                          <p:attrName>style.visibility</p:attrName>
+                                        </p:attrNameLst>
+                                      </p:cBhvr>
+                                      <p:to>
+                                        <p:strVal val="visible"/>
+                                      </p:to>
+                                    </p:set>
+                                    <p:animEffect transition="in" filter="fade">
+                                      <p:cBhvr>
+                                        <p:cTn id="27" dur="500"/>
+                                        <p:tgtEl>
+                                          <p:spTgt spid="7"/>
+                                        </p:tgtEl>
+                                      </p:cBhvr>
+                                    </p:animEffect>
+                                  </p:childTnLst>
+                                </p:cTn>
+                              </p:par>
+                            </p:childTnLst>
+                          </p:cTn>
+                        </p:par>
+                      </p:childTnLst>
+                    </p:cTn>
+                  </p:par>
+                  <p:par>
+                    <p:cTn id="28" fill="hold">
+                      <p:stCondLst>
+                        <p:cond delay="indefinite"/>
+                      </p:stCondLst>
+                      <p:childTnLst>
+                        <p:par>
+                          <p:cTn id="29" fill="hold">
+                            <p:stCondLst>
+                              <p:cond delay="0"/>
+                            </p:stCondLst>
+                            <p:childTnLst>
+                              <p:par>
+                                <p:cTn id="30" presetID="10" presetClass="entr" presetSubtype="0" fill="hold" nodeType="clickEffect">
+                                  <p:stCondLst>
+                                    <p:cond delay="0"/>
+                                  </p:stCondLst>
+                                  <p:childTnLst>
+                                    <p:set>
+                                      <p:cBhvr>
+                                        <p:cTn id="31" dur="1" fill="hold">
+                                          <p:stCondLst>
+                                            <p:cond delay="0"/>
+                                          </p:stCondLst>
+                                        </p:cTn>
+                                        <p:tgtEl>
+                                          <p:spTgt spid="3">
+                                            <p:txEl>
+                                              <p:pRg st="8" end="8"/>
+                                            </p:txEl>
+                                          </p:spTgt>
+                                        </p:tgtEl>
+                                        <p:attrNameLst>
+                                          <p:attrName>style.visibility</p:attrName>
+                                        </p:attrNameLst>
+                                      </p:cBhvr>
+                                      <p:to>
+                                        <p:strVal val="visible"/>
+                                      </p:to>
+                                    </p:set>
+                                    <p:animEffect transition="in" filter="fade">
+                                      <p:cBhvr>
+                                        <p:cTn id="32" dur="500"/>
+                                        <p:tgtEl>
+                                          <p:spTgt spid="3">
+                                            <p:txEl>
+                                              <p:pRg st="8" end="8"/>
+                                            </p:txEl>
+                                          </p:spTgt>
+                                        </p:tgtEl>
+                                      </p:cBhvr>
+                                    </p:animEffect>
+                                  </p:childTnLst>
+                                </p:cTn>
+                              </p:par>
+                            </p:childTnLst>
+                          </p:cTn>
+                        </p:par>
+                      </p:childTnLst>
+                    </p:cTn>
+                  </p:par>
+                  <p:par>
+                    <p:cTn id="33" fill="hold">
+                      <p:stCondLst>
+                        <p:cond delay="indefinite"/>
+                      </p:stCondLst>
+                      <p:childTnLst>
+                        <p:par>
+                          <p:cTn id="34" fill="hold">
+                            <p:stCondLst>
+                              <p:cond delay="0"/>
+                            </p:stCondLst>
+                            <p:childTnLst>
+                              <p:par>
+                                <p:cTn id="35" presetID="10" presetClass="entr" presetSubtype="0" fill="hold" nodeType="clickEffect">
+                                  <p:stCondLst>
+                                    <p:cond delay="0"/>
+                                  </p:stCondLst>
+                                  <p:childTnLst>
+                                    <p:set>
+                                      <p:cBhvr>
+                                        <p:cTn id="36" dur="1" fill="hold">
+                                          <p:stCondLst>
+                                            <p:cond delay="0"/>
+                                          </p:stCondLst>
+                                        </p:cTn>
+                                        <p:tgtEl>
+                                          <p:spTgt spid="9"/>
+                                        </p:tgtEl>
+                                        <p:attrNameLst>
+                                          <p:attrName>style.visibility</p:attrName>
+                                        </p:attrNameLst>
+                                      </p:cBhvr>
+                                      <p:to>
+                                        <p:strVal val="visible"/>
+                                      </p:to>
+                                    </p:set>
+                                    <p:animEffect transition="in" filter="fade">
+                                      <p:cBhvr>
+                                        <p:cTn id="37" dur="500"/>
+                                        <p:tgtEl>
+                                          <p:spTgt spid="9"/>
+                                        </p:tgtEl>
+                                      </p:cBhvr>
+                                    </p:animEffect>
+                                  </p:childTnLst>
+                                </p:cTn>
+                              </p:par>
+                            </p:childTnLst>
+                          </p:cTn>
+                        </p:par>
+                      </p:childTnLst>
+                    </p:cTn>
+                  </p:par>
+                </p:childTnLst>
+              </p:cTn>
+              <p:prevCondLst>
+                <p:cond evt="onPrev" delay="0">
+                  <p:tgtEl>
+                    <p:sldTgt/>
+                  </p:tgtEl>
+                </p:cond>
+              </p:prevCondLst>
+              <p:nextCondLst>
+                <p:cond evt="onNext" delay="0">
+                  <p:tgtEl>
+                    <p:sldTgt/>
+                  </p:tgtEl>
+                </p:cond>
+              </p:nextCondLst>
+            </p:seq>
+          </p:childTnLst>
+        </p:cTn>
+      </p:par>
+    </p:tnLst>
+  </p:timing>
 </p:sld>
 </file>
 
@@ -6496,6 +9748,378 @@
   <p:clrMapOvr>
     <a:masterClrMapping/>
   </p:clrMapOvr>
+  <p:timing>
+    <p:tnLst>
+      <p:par>
+        <p:cTn id="1" dur="indefinite" restart="never" nodeType="tmRoot">
+          <p:childTnLst>
+            <p:seq concurrent="1" nextAc="seek">
+              <p:cTn id="2" dur="indefinite" nodeType="mainSeq">
+                <p:childTnLst>
+                  <p:par>
+                    <p:cTn id="3" fill="hold">
+                      <p:stCondLst>
+                        <p:cond delay="indefinite"/>
+                      </p:stCondLst>
+                      <p:childTnLst>
+                        <p:par>
+                          <p:cTn id="4" fill="hold">
+                            <p:stCondLst>
+                              <p:cond delay="0"/>
+                            </p:stCondLst>
+                            <p:childTnLst>
+                              <p:par>
+                                <p:cTn id="5" presetID="10" presetClass="entr" presetSubtype="0" fill="hold" nodeType="clickEffect">
+                                  <p:stCondLst>
+                                    <p:cond delay="0"/>
+                                  </p:stCondLst>
+                                  <p:childTnLst>
+                                    <p:set>
+                                      <p:cBhvr>
+                                        <p:cTn id="6" dur="1" fill="hold">
+                                          <p:stCondLst>
+                                            <p:cond delay="0"/>
+                                          </p:stCondLst>
+                                        </p:cTn>
+                                        <p:tgtEl>
+                                          <p:spTgt spid="3">
+                                            <p:txEl>
+                                              <p:pRg st="2" end="2"/>
+                                            </p:txEl>
+                                          </p:spTgt>
+                                        </p:tgtEl>
+                                        <p:attrNameLst>
+                                          <p:attrName>style.visibility</p:attrName>
+                                        </p:attrNameLst>
+                                      </p:cBhvr>
+                                      <p:to>
+                                        <p:strVal val="visible"/>
+                                      </p:to>
+                                    </p:set>
+                                    <p:animEffect transition="in" filter="fade">
+                                      <p:cBhvr>
+                                        <p:cTn id="7" dur="500"/>
+                                        <p:tgtEl>
+                                          <p:spTgt spid="3">
+                                            <p:txEl>
+                                              <p:pRg st="2" end="2"/>
+                                            </p:txEl>
+                                          </p:spTgt>
+                                        </p:tgtEl>
+                                      </p:cBhvr>
+                                    </p:animEffect>
+                                  </p:childTnLst>
+                                </p:cTn>
+                              </p:par>
+                            </p:childTnLst>
+                          </p:cTn>
+                        </p:par>
+                      </p:childTnLst>
+                    </p:cTn>
+                  </p:par>
+                  <p:par>
+                    <p:cTn id="8" fill="hold">
+                      <p:stCondLst>
+                        <p:cond delay="indefinite"/>
+                      </p:stCondLst>
+                      <p:childTnLst>
+                        <p:par>
+                          <p:cTn id="9" fill="hold">
+                            <p:stCondLst>
+                              <p:cond delay="0"/>
+                            </p:stCondLst>
+                            <p:childTnLst>
+                              <p:par>
+                                <p:cTn id="10" presetID="10" presetClass="entr" presetSubtype="0" fill="hold" nodeType="clickEffect">
+                                  <p:stCondLst>
+                                    <p:cond delay="0"/>
+                                  </p:stCondLst>
+                                  <p:childTnLst>
+                                    <p:set>
+                                      <p:cBhvr>
+                                        <p:cTn id="11" dur="1" fill="hold">
+                                          <p:stCondLst>
+                                            <p:cond delay="0"/>
+                                          </p:stCondLst>
+                                        </p:cTn>
+                                        <p:tgtEl>
+                                          <p:spTgt spid="5"/>
+                                        </p:tgtEl>
+                                        <p:attrNameLst>
+                                          <p:attrName>style.visibility</p:attrName>
+                                        </p:attrNameLst>
+                                      </p:cBhvr>
+                                      <p:to>
+                                        <p:strVal val="visible"/>
+                                      </p:to>
+                                    </p:set>
+                                    <p:animEffect transition="in" filter="fade">
+                                      <p:cBhvr>
+                                        <p:cTn id="12" dur="500"/>
+                                        <p:tgtEl>
+                                          <p:spTgt spid="5"/>
+                                        </p:tgtEl>
+                                      </p:cBhvr>
+                                    </p:animEffect>
+                                  </p:childTnLst>
+                                </p:cTn>
+                              </p:par>
+                            </p:childTnLst>
+                          </p:cTn>
+                        </p:par>
+                      </p:childTnLst>
+                    </p:cTn>
+                  </p:par>
+                  <p:par>
+                    <p:cTn id="13" fill="hold">
+                      <p:stCondLst>
+                        <p:cond delay="indefinite"/>
+                      </p:stCondLst>
+                      <p:childTnLst>
+                        <p:par>
+                          <p:cTn id="14" fill="hold">
+                            <p:stCondLst>
+                              <p:cond delay="0"/>
+                            </p:stCondLst>
+                            <p:childTnLst>
+                              <p:par>
+                                <p:cTn id="15" presetID="10" presetClass="entr" presetSubtype="0" fill="hold" nodeType="clickEffect">
+                                  <p:stCondLst>
+                                    <p:cond delay="0"/>
+                                  </p:stCondLst>
+                                  <p:childTnLst>
+                                    <p:set>
+                                      <p:cBhvr>
+                                        <p:cTn id="16" dur="1" fill="hold">
+                                          <p:stCondLst>
+                                            <p:cond delay="0"/>
+                                          </p:stCondLst>
+                                        </p:cTn>
+                                        <p:tgtEl>
+                                          <p:spTgt spid="3">
+                                            <p:txEl>
+                                              <p:pRg st="5" end="5"/>
+                                            </p:txEl>
+                                          </p:spTgt>
+                                        </p:tgtEl>
+                                        <p:attrNameLst>
+                                          <p:attrName>style.visibility</p:attrName>
+                                        </p:attrNameLst>
+                                      </p:cBhvr>
+                                      <p:to>
+                                        <p:strVal val="visible"/>
+                                      </p:to>
+                                    </p:set>
+                                    <p:animEffect transition="in" filter="fade">
+                                      <p:cBhvr>
+                                        <p:cTn id="17" dur="500"/>
+                                        <p:tgtEl>
+                                          <p:spTgt spid="3">
+                                            <p:txEl>
+                                              <p:pRg st="5" end="5"/>
+                                            </p:txEl>
+                                          </p:spTgt>
+                                        </p:tgtEl>
+                                      </p:cBhvr>
+                                    </p:animEffect>
+                                  </p:childTnLst>
+                                </p:cTn>
+                              </p:par>
+                            </p:childTnLst>
+                          </p:cTn>
+                        </p:par>
+                      </p:childTnLst>
+                    </p:cTn>
+                  </p:par>
+                  <p:par>
+                    <p:cTn id="18" fill="hold">
+                      <p:stCondLst>
+                        <p:cond delay="indefinite"/>
+                      </p:stCondLst>
+                      <p:childTnLst>
+                        <p:par>
+                          <p:cTn id="19" fill="hold">
+                            <p:stCondLst>
+                              <p:cond delay="0"/>
+                            </p:stCondLst>
+                            <p:childTnLst>
+                              <p:par>
+                                <p:cTn id="20" presetID="10" presetClass="entr" presetSubtype="0" fill="hold" nodeType="clickEffect">
+                                  <p:stCondLst>
+                                    <p:cond delay="0"/>
+                                  </p:stCondLst>
+                                  <p:childTnLst>
+                                    <p:set>
+                                      <p:cBhvr>
+                                        <p:cTn id="21" dur="1" fill="hold">
+                                          <p:stCondLst>
+                                            <p:cond delay="0"/>
+                                          </p:stCondLst>
+                                        </p:cTn>
+                                        <p:tgtEl>
+                                          <p:spTgt spid="7"/>
+                                        </p:tgtEl>
+                                        <p:attrNameLst>
+                                          <p:attrName>style.visibility</p:attrName>
+                                        </p:attrNameLst>
+                                      </p:cBhvr>
+                                      <p:to>
+                                        <p:strVal val="visible"/>
+                                      </p:to>
+                                    </p:set>
+                                    <p:animEffect transition="in" filter="fade">
+                                      <p:cBhvr>
+                                        <p:cTn id="22" dur="500"/>
+                                        <p:tgtEl>
+                                          <p:spTgt spid="7"/>
+                                        </p:tgtEl>
+                                      </p:cBhvr>
+                                    </p:animEffect>
+                                  </p:childTnLst>
+                                </p:cTn>
+                              </p:par>
+                            </p:childTnLst>
+                          </p:cTn>
+                        </p:par>
+                      </p:childTnLst>
+                    </p:cTn>
+                  </p:par>
+                  <p:par>
+                    <p:cTn id="23" fill="hold">
+                      <p:stCondLst>
+                        <p:cond delay="indefinite"/>
+                      </p:stCondLst>
+                      <p:childTnLst>
+                        <p:par>
+                          <p:cTn id="24" fill="hold">
+                            <p:stCondLst>
+                              <p:cond delay="0"/>
+                            </p:stCondLst>
+                            <p:childTnLst>
+                              <p:par>
+                                <p:cTn id="25" presetID="10" presetClass="entr" presetSubtype="0" fill="hold" nodeType="clickEffect">
+                                  <p:stCondLst>
+                                    <p:cond delay="0"/>
+                                  </p:stCondLst>
+                                  <p:childTnLst>
+                                    <p:set>
+                                      <p:cBhvr>
+                                        <p:cTn id="26" dur="1" fill="hold">
+                                          <p:stCondLst>
+                                            <p:cond delay="0"/>
+                                          </p:stCondLst>
+                                        </p:cTn>
+                                        <p:tgtEl>
+                                          <p:spTgt spid="3">
+                                            <p:txEl>
+                                              <p:pRg st="8" end="8"/>
+                                            </p:txEl>
+                                          </p:spTgt>
+                                        </p:tgtEl>
+                                        <p:attrNameLst>
+                                          <p:attrName>style.visibility</p:attrName>
+                                        </p:attrNameLst>
+                                      </p:cBhvr>
+                                      <p:to>
+                                        <p:strVal val="visible"/>
+                                      </p:to>
+                                    </p:set>
+                                    <p:animEffect transition="in" filter="fade">
+                                      <p:cBhvr>
+                                        <p:cTn id="27" dur="500"/>
+                                        <p:tgtEl>
+                                          <p:spTgt spid="3">
+                                            <p:txEl>
+                                              <p:pRg st="8" end="8"/>
+                                            </p:txEl>
+                                          </p:spTgt>
+                                        </p:tgtEl>
+                                      </p:cBhvr>
+                                    </p:animEffect>
+                                  </p:childTnLst>
+                                </p:cTn>
+                              </p:par>
+                            </p:childTnLst>
+                          </p:cTn>
+                        </p:par>
+                      </p:childTnLst>
+                    </p:cTn>
+                  </p:par>
+                  <p:par>
+                    <p:cTn id="28" fill="hold">
+                      <p:stCondLst>
+                        <p:cond delay="indefinite"/>
+                      </p:stCondLst>
+                      <p:childTnLst>
+                        <p:par>
+                          <p:cTn id="29" fill="hold">
+                            <p:stCondLst>
+                              <p:cond delay="0"/>
+                            </p:stCondLst>
+                            <p:childTnLst>
+                              <p:par>
+                                <p:cTn id="30" presetID="10" presetClass="entr" presetSubtype="0" fill="hold" nodeType="clickEffect">
+                                  <p:stCondLst>
+                                    <p:cond delay="0"/>
+                                  </p:stCondLst>
+                                  <p:childTnLst>
+                                    <p:set>
+                                      <p:cBhvr>
+                                        <p:cTn id="31" dur="1" fill="hold">
+                                          <p:stCondLst>
+                                            <p:cond delay="0"/>
+                                          </p:stCondLst>
+                                        </p:cTn>
+                                        <p:tgtEl>
+                                          <p:spTgt spid="9"/>
+                                        </p:tgtEl>
+                                        <p:attrNameLst>
+                                          <p:attrName>style.visibility</p:attrName>
+                                        </p:attrNameLst>
+                                      </p:cBhvr>
+                                      <p:to>
+                                        <p:strVal val="visible"/>
+                                      </p:to>
+                                    </p:set>
+                                    <p:animEffect transition="in" filter="fade">
+                                      <p:cBhvr>
+                                        <p:cTn id="32" dur="500"/>
+                                        <p:tgtEl>
+                                          <p:spTgt spid="9"/>
+                                        </p:tgtEl>
+                                      </p:cBhvr>
+                                    </p:animEffect>
+                                  </p:childTnLst>
+                                </p:cTn>
+                              </p:par>
+                            </p:childTnLst>
+                          </p:cTn>
+                        </p:par>
+                      </p:childTnLst>
+                    </p:cTn>
+                  </p:par>
+                </p:childTnLst>
+              </p:cTn>
+              <p:prevCondLst>
+                <p:cond evt="onPrev" delay="0">
+                  <p:tgtEl>
+                    <p:sldTgt/>
+                  </p:tgtEl>
+                </p:cond>
+              </p:prevCondLst>
+              <p:nextCondLst>
+                <p:cond evt="onNext" delay="0">
+                  <p:tgtEl>
+                    <p:sldTgt/>
+                  </p:tgtEl>
+                </p:cond>
+              </p:nextCondLst>
+            </p:seq>
+          </p:childTnLst>
+        </p:cTn>
+      </p:par>
+    </p:tnLst>
+  </p:timing>
 </p:sld>
 </file>
 
@@ -7626,6 +11250,341 @@
   <p:clrMapOvr>
     <a:masterClrMapping/>
   </p:clrMapOvr>
+  <p:timing>
+    <p:tnLst>
+      <p:par>
+        <p:cTn id="1" dur="indefinite" restart="never" nodeType="tmRoot">
+          <p:childTnLst>
+            <p:seq concurrent="1" nextAc="seek">
+              <p:cTn id="2" dur="indefinite" nodeType="mainSeq">
+                <p:childTnLst>
+                  <p:par>
+                    <p:cTn id="3" fill="hold">
+                      <p:stCondLst>
+                        <p:cond delay="indefinite"/>
+                      </p:stCondLst>
+                      <p:childTnLst>
+                        <p:par>
+                          <p:cTn id="4" fill="hold">
+                            <p:stCondLst>
+                              <p:cond delay="0"/>
+                            </p:stCondLst>
+                            <p:childTnLst>
+                              <p:par>
+                                <p:cTn id="5" presetID="10" presetClass="entr" presetSubtype="0" fill="hold" nodeType="clickEffect">
+                                  <p:stCondLst>
+                                    <p:cond delay="0"/>
+                                  </p:stCondLst>
+                                  <p:childTnLst>
+                                    <p:set>
+                                      <p:cBhvr>
+                                        <p:cTn id="6" dur="1" fill="hold">
+                                          <p:stCondLst>
+                                            <p:cond delay="0"/>
+                                          </p:stCondLst>
+                                        </p:cTn>
+                                        <p:tgtEl>
+                                          <p:spTgt spid="3">
+                                            <p:txEl>
+                                              <p:pRg st="2" end="2"/>
+                                            </p:txEl>
+                                          </p:spTgt>
+                                        </p:tgtEl>
+                                        <p:attrNameLst>
+                                          <p:attrName>style.visibility</p:attrName>
+                                        </p:attrNameLst>
+                                      </p:cBhvr>
+                                      <p:to>
+                                        <p:strVal val="visible"/>
+                                      </p:to>
+                                    </p:set>
+                                    <p:animEffect transition="in" filter="fade">
+                                      <p:cBhvr>
+                                        <p:cTn id="7" dur="500"/>
+                                        <p:tgtEl>
+                                          <p:spTgt spid="3">
+                                            <p:txEl>
+                                              <p:pRg st="2" end="2"/>
+                                            </p:txEl>
+                                          </p:spTgt>
+                                        </p:tgtEl>
+                                      </p:cBhvr>
+                                    </p:animEffect>
+                                  </p:childTnLst>
+                                </p:cTn>
+                              </p:par>
+                            </p:childTnLst>
+                          </p:cTn>
+                        </p:par>
+                      </p:childTnLst>
+                    </p:cTn>
+                  </p:par>
+                  <p:par>
+                    <p:cTn id="8" fill="hold">
+                      <p:stCondLst>
+                        <p:cond delay="indefinite"/>
+                      </p:stCondLst>
+                      <p:childTnLst>
+                        <p:par>
+                          <p:cTn id="9" fill="hold">
+                            <p:stCondLst>
+                              <p:cond delay="0"/>
+                            </p:stCondLst>
+                            <p:childTnLst>
+                              <p:par>
+                                <p:cTn id="10" presetID="10" presetClass="entr" presetSubtype="0" fill="hold" nodeType="clickEffect">
+                                  <p:stCondLst>
+                                    <p:cond delay="0"/>
+                                  </p:stCondLst>
+                                  <p:childTnLst>
+                                    <p:set>
+                                      <p:cBhvr>
+                                        <p:cTn id="11" dur="1" fill="hold">
+                                          <p:stCondLst>
+                                            <p:cond delay="0"/>
+                                          </p:stCondLst>
+                                        </p:cTn>
+                                        <p:tgtEl>
+                                          <p:spTgt spid="3">
+                                            <p:txEl>
+                                              <p:pRg st="3" end="3"/>
+                                            </p:txEl>
+                                          </p:spTgt>
+                                        </p:tgtEl>
+                                        <p:attrNameLst>
+                                          <p:attrName>style.visibility</p:attrName>
+                                        </p:attrNameLst>
+                                      </p:cBhvr>
+                                      <p:to>
+                                        <p:strVal val="visible"/>
+                                      </p:to>
+                                    </p:set>
+                                    <p:animEffect transition="in" filter="fade">
+                                      <p:cBhvr>
+                                        <p:cTn id="12" dur="500"/>
+                                        <p:tgtEl>
+                                          <p:spTgt spid="3">
+                                            <p:txEl>
+                                              <p:pRg st="3" end="3"/>
+                                            </p:txEl>
+                                          </p:spTgt>
+                                        </p:tgtEl>
+                                      </p:cBhvr>
+                                    </p:animEffect>
+                                  </p:childTnLst>
+                                </p:cTn>
+                              </p:par>
+                            </p:childTnLst>
+                          </p:cTn>
+                        </p:par>
+                      </p:childTnLst>
+                    </p:cTn>
+                  </p:par>
+                  <p:par>
+                    <p:cTn id="13" fill="hold">
+                      <p:stCondLst>
+                        <p:cond delay="indefinite"/>
+                      </p:stCondLst>
+                      <p:childTnLst>
+                        <p:par>
+                          <p:cTn id="14" fill="hold">
+                            <p:stCondLst>
+                              <p:cond delay="0"/>
+                            </p:stCondLst>
+                            <p:childTnLst>
+                              <p:par>
+                                <p:cTn id="15" presetID="10" presetClass="entr" presetSubtype="0" fill="hold" nodeType="clickEffect">
+                                  <p:stCondLst>
+                                    <p:cond delay="0"/>
+                                  </p:stCondLst>
+                                  <p:childTnLst>
+                                    <p:set>
+                                      <p:cBhvr>
+                                        <p:cTn id="16" dur="1" fill="hold">
+                                          <p:stCondLst>
+                                            <p:cond delay="0"/>
+                                          </p:stCondLst>
+                                        </p:cTn>
+                                        <p:tgtEl>
+                                          <p:spTgt spid="3">
+                                            <p:txEl>
+                                              <p:pRg st="4" end="4"/>
+                                            </p:txEl>
+                                          </p:spTgt>
+                                        </p:tgtEl>
+                                        <p:attrNameLst>
+                                          <p:attrName>style.visibility</p:attrName>
+                                        </p:attrNameLst>
+                                      </p:cBhvr>
+                                      <p:to>
+                                        <p:strVal val="visible"/>
+                                      </p:to>
+                                    </p:set>
+                                    <p:animEffect transition="in" filter="fade">
+                                      <p:cBhvr>
+                                        <p:cTn id="17" dur="500"/>
+                                        <p:tgtEl>
+                                          <p:spTgt spid="3">
+                                            <p:txEl>
+                                              <p:pRg st="4" end="4"/>
+                                            </p:txEl>
+                                          </p:spTgt>
+                                        </p:tgtEl>
+                                      </p:cBhvr>
+                                    </p:animEffect>
+                                  </p:childTnLst>
+                                </p:cTn>
+                              </p:par>
+                            </p:childTnLst>
+                          </p:cTn>
+                        </p:par>
+                      </p:childTnLst>
+                    </p:cTn>
+                  </p:par>
+                  <p:par>
+                    <p:cTn id="18" fill="hold">
+                      <p:stCondLst>
+                        <p:cond delay="indefinite"/>
+                      </p:stCondLst>
+                      <p:childTnLst>
+                        <p:par>
+                          <p:cTn id="19" fill="hold">
+                            <p:stCondLst>
+                              <p:cond delay="0"/>
+                            </p:stCondLst>
+                            <p:childTnLst>
+                              <p:par>
+                                <p:cTn id="20" presetID="10" presetClass="entr" presetSubtype="0" fill="hold" nodeType="clickEffect">
+                                  <p:stCondLst>
+                                    <p:cond delay="0"/>
+                                  </p:stCondLst>
+                                  <p:childTnLst>
+                                    <p:set>
+                                      <p:cBhvr>
+                                        <p:cTn id="21" dur="1" fill="hold">
+                                          <p:stCondLst>
+                                            <p:cond delay="0"/>
+                                          </p:stCondLst>
+                                        </p:cTn>
+                                        <p:tgtEl>
+                                          <p:spTgt spid="3">
+                                            <p:txEl>
+                                              <p:pRg st="5" end="5"/>
+                                            </p:txEl>
+                                          </p:spTgt>
+                                        </p:tgtEl>
+                                        <p:attrNameLst>
+                                          <p:attrName>style.visibility</p:attrName>
+                                        </p:attrNameLst>
+                                      </p:cBhvr>
+                                      <p:to>
+                                        <p:strVal val="visible"/>
+                                      </p:to>
+                                    </p:set>
+                                    <p:animEffect transition="in" filter="fade">
+                                      <p:cBhvr>
+                                        <p:cTn id="22" dur="500"/>
+                                        <p:tgtEl>
+                                          <p:spTgt spid="3">
+                                            <p:txEl>
+                                              <p:pRg st="5" end="5"/>
+                                            </p:txEl>
+                                          </p:spTgt>
+                                        </p:tgtEl>
+                                      </p:cBhvr>
+                                    </p:animEffect>
+                                  </p:childTnLst>
+                                </p:cTn>
+                              </p:par>
+                            </p:childTnLst>
+                          </p:cTn>
+                        </p:par>
+                      </p:childTnLst>
+                    </p:cTn>
+                  </p:par>
+                  <p:par>
+                    <p:cTn id="23" fill="hold">
+                      <p:stCondLst>
+                        <p:cond delay="indefinite"/>
+                      </p:stCondLst>
+                      <p:childTnLst>
+                        <p:par>
+                          <p:cTn id="24" fill="hold">
+                            <p:stCondLst>
+                              <p:cond delay="0"/>
+                            </p:stCondLst>
+                            <p:childTnLst>
+                              <p:par>
+                                <p:cTn id="25" presetID="10" presetClass="entr" presetSubtype="0" fill="hold" nodeType="clickEffect">
+                                  <p:stCondLst>
+                                    <p:cond delay="0"/>
+                                  </p:stCondLst>
+                                  <p:childTnLst>
+                                    <p:set>
+                                      <p:cBhvr>
+                                        <p:cTn id="26" dur="1" fill="hold">
+                                          <p:stCondLst>
+                                            <p:cond delay="0"/>
+                                          </p:stCondLst>
+                                        </p:cTn>
+                                        <p:tgtEl>
+                                          <p:spTgt spid="3">
+                                            <p:txEl>
+                                              <p:pRg st="6" end="6"/>
+                                            </p:txEl>
+                                          </p:spTgt>
+                                        </p:tgtEl>
+                                        <p:attrNameLst>
+                                          <p:attrName>style.visibility</p:attrName>
+                                        </p:attrNameLst>
+                                      </p:cBhvr>
+                                      <p:to>
+                                        <p:strVal val="visible"/>
+                                      </p:to>
+                                    </p:set>
+                                    <p:animEffect transition="in" filter="fade">
+                                      <p:cBhvr>
+                                        <p:cTn id="27" dur="500"/>
+                                        <p:tgtEl>
+                                          <p:spTgt spid="3">
+                                            <p:txEl>
+                                              <p:pRg st="6" end="6"/>
+                                            </p:txEl>
+                                          </p:spTgt>
+                                        </p:tgtEl>
+                                      </p:cBhvr>
+                                    </p:animEffect>
+                                  </p:childTnLst>
+                                </p:cTn>
+                              </p:par>
+                            </p:childTnLst>
+                          </p:cTn>
+                        </p:par>
+                      </p:childTnLst>
+                    </p:cTn>
+                  </p:par>
+                </p:childTnLst>
+              </p:cTn>
+              <p:prevCondLst>
+                <p:cond evt="onPrev" delay="0">
+                  <p:tgtEl>
+                    <p:sldTgt/>
+                  </p:tgtEl>
+                </p:cond>
+              </p:prevCondLst>
+              <p:nextCondLst>
+                <p:cond evt="onNext" delay="0">
+                  <p:tgtEl>
+                    <p:sldTgt/>
+                  </p:tgtEl>
+                </p:cond>
+              </p:nextCondLst>
+            </p:seq>
+          </p:childTnLst>
+        </p:cTn>
+      </p:par>
+    </p:tnLst>
+  </p:timing>
 </p:sld>
 </file>
 
@@ -7975,6 +11934,378 @@
   <p:clrMapOvr>
     <a:masterClrMapping/>
   </p:clrMapOvr>
+  <p:timing>
+    <p:tnLst>
+      <p:par>
+        <p:cTn id="1" dur="indefinite" restart="never" nodeType="tmRoot">
+          <p:childTnLst>
+            <p:seq concurrent="1" nextAc="seek">
+              <p:cTn id="2" dur="indefinite" nodeType="mainSeq">
+                <p:childTnLst>
+                  <p:par>
+                    <p:cTn id="3" fill="hold">
+                      <p:stCondLst>
+                        <p:cond delay="indefinite"/>
+                      </p:stCondLst>
+                      <p:childTnLst>
+                        <p:par>
+                          <p:cTn id="4" fill="hold">
+                            <p:stCondLst>
+                              <p:cond delay="0"/>
+                            </p:stCondLst>
+                            <p:childTnLst>
+                              <p:par>
+                                <p:cTn id="5" presetID="10" presetClass="entr" presetSubtype="0" fill="hold" nodeType="clickEffect">
+                                  <p:stCondLst>
+                                    <p:cond delay="0"/>
+                                  </p:stCondLst>
+                                  <p:childTnLst>
+                                    <p:set>
+                                      <p:cBhvr>
+                                        <p:cTn id="6" dur="1" fill="hold">
+                                          <p:stCondLst>
+                                            <p:cond delay="0"/>
+                                          </p:stCondLst>
+                                        </p:cTn>
+                                        <p:tgtEl>
+                                          <p:spTgt spid="3">
+                                            <p:txEl>
+                                              <p:pRg st="1" end="1"/>
+                                            </p:txEl>
+                                          </p:spTgt>
+                                        </p:tgtEl>
+                                        <p:attrNameLst>
+                                          <p:attrName>style.visibility</p:attrName>
+                                        </p:attrNameLst>
+                                      </p:cBhvr>
+                                      <p:to>
+                                        <p:strVal val="visible"/>
+                                      </p:to>
+                                    </p:set>
+                                    <p:animEffect transition="in" filter="fade">
+                                      <p:cBhvr>
+                                        <p:cTn id="7" dur="500"/>
+                                        <p:tgtEl>
+                                          <p:spTgt spid="3">
+                                            <p:txEl>
+                                              <p:pRg st="1" end="1"/>
+                                            </p:txEl>
+                                          </p:spTgt>
+                                        </p:tgtEl>
+                                      </p:cBhvr>
+                                    </p:animEffect>
+                                  </p:childTnLst>
+                                </p:cTn>
+                              </p:par>
+                            </p:childTnLst>
+                          </p:cTn>
+                        </p:par>
+                      </p:childTnLst>
+                    </p:cTn>
+                  </p:par>
+                  <p:par>
+                    <p:cTn id="8" fill="hold">
+                      <p:stCondLst>
+                        <p:cond delay="indefinite"/>
+                      </p:stCondLst>
+                      <p:childTnLst>
+                        <p:par>
+                          <p:cTn id="9" fill="hold">
+                            <p:stCondLst>
+                              <p:cond delay="0"/>
+                            </p:stCondLst>
+                            <p:childTnLst>
+                              <p:par>
+                                <p:cTn id="10" presetID="10" presetClass="entr" presetSubtype="0" fill="hold" nodeType="clickEffect">
+                                  <p:stCondLst>
+                                    <p:cond delay="0"/>
+                                  </p:stCondLst>
+                                  <p:childTnLst>
+                                    <p:set>
+                                      <p:cBhvr>
+                                        <p:cTn id="11" dur="1" fill="hold">
+                                          <p:stCondLst>
+                                            <p:cond delay="0"/>
+                                          </p:stCondLst>
+                                        </p:cTn>
+                                        <p:tgtEl>
+                                          <p:spTgt spid="5"/>
+                                        </p:tgtEl>
+                                        <p:attrNameLst>
+                                          <p:attrName>style.visibility</p:attrName>
+                                        </p:attrNameLst>
+                                      </p:cBhvr>
+                                      <p:to>
+                                        <p:strVal val="visible"/>
+                                      </p:to>
+                                    </p:set>
+                                    <p:animEffect transition="in" filter="fade">
+                                      <p:cBhvr>
+                                        <p:cTn id="12" dur="500"/>
+                                        <p:tgtEl>
+                                          <p:spTgt spid="5"/>
+                                        </p:tgtEl>
+                                      </p:cBhvr>
+                                    </p:animEffect>
+                                  </p:childTnLst>
+                                </p:cTn>
+                              </p:par>
+                            </p:childTnLst>
+                          </p:cTn>
+                        </p:par>
+                      </p:childTnLst>
+                    </p:cTn>
+                  </p:par>
+                  <p:par>
+                    <p:cTn id="13" fill="hold">
+                      <p:stCondLst>
+                        <p:cond delay="indefinite"/>
+                      </p:stCondLst>
+                      <p:childTnLst>
+                        <p:par>
+                          <p:cTn id="14" fill="hold">
+                            <p:stCondLst>
+                              <p:cond delay="0"/>
+                            </p:stCondLst>
+                            <p:childTnLst>
+                              <p:par>
+                                <p:cTn id="15" presetID="10" presetClass="entr" presetSubtype="0" fill="hold" nodeType="clickEffect">
+                                  <p:stCondLst>
+                                    <p:cond delay="0"/>
+                                  </p:stCondLst>
+                                  <p:childTnLst>
+                                    <p:set>
+                                      <p:cBhvr>
+                                        <p:cTn id="16" dur="1" fill="hold">
+                                          <p:stCondLst>
+                                            <p:cond delay="0"/>
+                                          </p:stCondLst>
+                                        </p:cTn>
+                                        <p:tgtEl>
+                                          <p:spTgt spid="3">
+                                            <p:txEl>
+                                              <p:pRg st="5" end="5"/>
+                                            </p:txEl>
+                                          </p:spTgt>
+                                        </p:tgtEl>
+                                        <p:attrNameLst>
+                                          <p:attrName>style.visibility</p:attrName>
+                                        </p:attrNameLst>
+                                      </p:cBhvr>
+                                      <p:to>
+                                        <p:strVal val="visible"/>
+                                      </p:to>
+                                    </p:set>
+                                    <p:animEffect transition="in" filter="fade">
+                                      <p:cBhvr>
+                                        <p:cTn id="17" dur="500"/>
+                                        <p:tgtEl>
+                                          <p:spTgt spid="3">
+                                            <p:txEl>
+                                              <p:pRg st="5" end="5"/>
+                                            </p:txEl>
+                                          </p:spTgt>
+                                        </p:tgtEl>
+                                      </p:cBhvr>
+                                    </p:animEffect>
+                                  </p:childTnLst>
+                                </p:cTn>
+                              </p:par>
+                            </p:childTnLst>
+                          </p:cTn>
+                        </p:par>
+                      </p:childTnLst>
+                    </p:cTn>
+                  </p:par>
+                  <p:par>
+                    <p:cTn id="18" fill="hold">
+                      <p:stCondLst>
+                        <p:cond delay="indefinite"/>
+                      </p:stCondLst>
+                      <p:childTnLst>
+                        <p:par>
+                          <p:cTn id="19" fill="hold">
+                            <p:stCondLst>
+                              <p:cond delay="0"/>
+                            </p:stCondLst>
+                            <p:childTnLst>
+                              <p:par>
+                                <p:cTn id="20" presetID="10" presetClass="entr" presetSubtype="0" fill="hold" nodeType="clickEffect">
+                                  <p:stCondLst>
+                                    <p:cond delay="0"/>
+                                  </p:stCondLst>
+                                  <p:childTnLst>
+                                    <p:set>
+                                      <p:cBhvr>
+                                        <p:cTn id="21" dur="1" fill="hold">
+                                          <p:stCondLst>
+                                            <p:cond delay="0"/>
+                                          </p:stCondLst>
+                                        </p:cTn>
+                                        <p:tgtEl>
+                                          <p:spTgt spid="7"/>
+                                        </p:tgtEl>
+                                        <p:attrNameLst>
+                                          <p:attrName>style.visibility</p:attrName>
+                                        </p:attrNameLst>
+                                      </p:cBhvr>
+                                      <p:to>
+                                        <p:strVal val="visible"/>
+                                      </p:to>
+                                    </p:set>
+                                    <p:animEffect transition="in" filter="fade">
+                                      <p:cBhvr>
+                                        <p:cTn id="22" dur="500"/>
+                                        <p:tgtEl>
+                                          <p:spTgt spid="7"/>
+                                        </p:tgtEl>
+                                      </p:cBhvr>
+                                    </p:animEffect>
+                                  </p:childTnLst>
+                                </p:cTn>
+                              </p:par>
+                            </p:childTnLst>
+                          </p:cTn>
+                        </p:par>
+                      </p:childTnLst>
+                    </p:cTn>
+                  </p:par>
+                  <p:par>
+                    <p:cTn id="23" fill="hold">
+                      <p:stCondLst>
+                        <p:cond delay="indefinite"/>
+                      </p:stCondLst>
+                      <p:childTnLst>
+                        <p:par>
+                          <p:cTn id="24" fill="hold">
+                            <p:stCondLst>
+                              <p:cond delay="0"/>
+                            </p:stCondLst>
+                            <p:childTnLst>
+                              <p:par>
+                                <p:cTn id="25" presetID="10" presetClass="entr" presetSubtype="0" fill="hold" nodeType="clickEffect">
+                                  <p:stCondLst>
+                                    <p:cond delay="0"/>
+                                  </p:stCondLst>
+                                  <p:childTnLst>
+                                    <p:set>
+                                      <p:cBhvr>
+                                        <p:cTn id="26" dur="1" fill="hold">
+                                          <p:stCondLst>
+                                            <p:cond delay="0"/>
+                                          </p:stCondLst>
+                                        </p:cTn>
+                                        <p:tgtEl>
+                                          <p:spTgt spid="3">
+                                            <p:txEl>
+                                              <p:pRg st="9" end="9"/>
+                                            </p:txEl>
+                                          </p:spTgt>
+                                        </p:tgtEl>
+                                        <p:attrNameLst>
+                                          <p:attrName>style.visibility</p:attrName>
+                                        </p:attrNameLst>
+                                      </p:cBhvr>
+                                      <p:to>
+                                        <p:strVal val="visible"/>
+                                      </p:to>
+                                    </p:set>
+                                    <p:animEffect transition="in" filter="fade">
+                                      <p:cBhvr>
+                                        <p:cTn id="27" dur="500"/>
+                                        <p:tgtEl>
+                                          <p:spTgt spid="3">
+                                            <p:txEl>
+                                              <p:pRg st="9" end="9"/>
+                                            </p:txEl>
+                                          </p:spTgt>
+                                        </p:tgtEl>
+                                      </p:cBhvr>
+                                    </p:animEffect>
+                                  </p:childTnLst>
+                                </p:cTn>
+                              </p:par>
+                            </p:childTnLst>
+                          </p:cTn>
+                        </p:par>
+                      </p:childTnLst>
+                    </p:cTn>
+                  </p:par>
+                  <p:par>
+                    <p:cTn id="28" fill="hold">
+                      <p:stCondLst>
+                        <p:cond delay="indefinite"/>
+                      </p:stCondLst>
+                      <p:childTnLst>
+                        <p:par>
+                          <p:cTn id="29" fill="hold">
+                            <p:stCondLst>
+                              <p:cond delay="0"/>
+                            </p:stCondLst>
+                            <p:childTnLst>
+                              <p:par>
+                                <p:cTn id="30" presetID="10" presetClass="entr" presetSubtype="0" fill="hold" nodeType="clickEffect">
+                                  <p:stCondLst>
+                                    <p:cond delay="0"/>
+                                  </p:stCondLst>
+                                  <p:childTnLst>
+                                    <p:set>
+                                      <p:cBhvr>
+                                        <p:cTn id="31" dur="1" fill="hold">
+                                          <p:stCondLst>
+                                            <p:cond delay="0"/>
+                                          </p:stCondLst>
+                                        </p:cTn>
+                                        <p:tgtEl>
+                                          <p:spTgt spid="9"/>
+                                        </p:tgtEl>
+                                        <p:attrNameLst>
+                                          <p:attrName>style.visibility</p:attrName>
+                                        </p:attrNameLst>
+                                      </p:cBhvr>
+                                      <p:to>
+                                        <p:strVal val="visible"/>
+                                      </p:to>
+                                    </p:set>
+                                    <p:animEffect transition="in" filter="fade">
+                                      <p:cBhvr>
+                                        <p:cTn id="32" dur="500"/>
+                                        <p:tgtEl>
+                                          <p:spTgt spid="9"/>
+                                        </p:tgtEl>
+                                      </p:cBhvr>
+                                    </p:animEffect>
+                                  </p:childTnLst>
+                                </p:cTn>
+                              </p:par>
+                            </p:childTnLst>
+                          </p:cTn>
+                        </p:par>
+                      </p:childTnLst>
+                    </p:cTn>
+                  </p:par>
+                </p:childTnLst>
+              </p:cTn>
+              <p:prevCondLst>
+                <p:cond evt="onPrev" delay="0">
+                  <p:tgtEl>
+                    <p:sldTgt/>
+                  </p:tgtEl>
+                </p:cond>
+              </p:prevCondLst>
+              <p:nextCondLst>
+                <p:cond evt="onNext" delay="0">
+                  <p:tgtEl>
+                    <p:sldTgt/>
+                  </p:tgtEl>
+                </p:cond>
+              </p:nextCondLst>
+            </p:seq>
+          </p:childTnLst>
+        </p:cTn>
+      </p:par>
+    </p:tnLst>
+  </p:timing>
 </p:sld>
 </file>
 
@@ -8138,6 +12469,211 @@
   <p:clrMapOvr>
     <a:masterClrMapping/>
   </p:clrMapOvr>
+  <p:timing>
+    <p:tnLst>
+      <p:par>
+        <p:cTn id="1" dur="indefinite" restart="never" nodeType="tmRoot">
+          <p:childTnLst>
+            <p:seq concurrent="1" nextAc="seek">
+              <p:cTn id="2" dur="indefinite" nodeType="mainSeq">
+                <p:childTnLst>
+                  <p:par>
+                    <p:cTn id="3" fill="hold">
+                      <p:stCondLst>
+                        <p:cond delay="indefinite"/>
+                      </p:stCondLst>
+                      <p:childTnLst>
+                        <p:par>
+                          <p:cTn id="4" fill="hold">
+                            <p:stCondLst>
+                              <p:cond delay="0"/>
+                            </p:stCondLst>
+                            <p:childTnLst>
+                              <p:par>
+                                <p:cTn id="5" presetID="10" presetClass="entr" presetSubtype="0" fill="hold" nodeType="clickEffect">
+                                  <p:stCondLst>
+                                    <p:cond delay="0"/>
+                                  </p:stCondLst>
+                                  <p:childTnLst>
+                                    <p:set>
+                                      <p:cBhvr>
+                                        <p:cTn id="6" dur="1" fill="hold">
+                                          <p:stCondLst>
+                                            <p:cond delay="0"/>
+                                          </p:stCondLst>
+                                        </p:cTn>
+                                        <p:tgtEl>
+                                          <p:spTgt spid="3">
+                                            <p:txEl>
+                                              <p:pRg st="2" end="2"/>
+                                            </p:txEl>
+                                          </p:spTgt>
+                                        </p:tgtEl>
+                                        <p:attrNameLst>
+                                          <p:attrName>style.visibility</p:attrName>
+                                        </p:attrNameLst>
+                                      </p:cBhvr>
+                                      <p:to>
+                                        <p:strVal val="visible"/>
+                                      </p:to>
+                                    </p:set>
+                                    <p:animEffect transition="in" filter="fade">
+                                      <p:cBhvr>
+                                        <p:cTn id="7" dur="500"/>
+                                        <p:tgtEl>
+                                          <p:spTgt spid="3">
+                                            <p:txEl>
+                                              <p:pRg st="2" end="2"/>
+                                            </p:txEl>
+                                          </p:spTgt>
+                                        </p:tgtEl>
+                                      </p:cBhvr>
+                                    </p:animEffect>
+                                  </p:childTnLst>
+                                </p:cTn>
+                              </p:par>
+                            </p:childTnLst>
+                          </p:cTn>
+                        </p:par>
+                      </p:childTnLst>
+                    </p:cTn>
+                  </p:par>
+                  <p:par>
+                    <p:cTn id="8" fill="hold">
+                      <p:stCondLst>
+                        <p:cond delay="indefinite"/>
+                      </p:stCondLst>
+                      <p:childTnLst>
+                        <p:par>
+                          <p:cTn id="9" fill="hold">
+                            <p:stCondLst>
+                              <p:cond delay="0"/>
+                            </p:stCondLst>
+                            <p:childTnLst>
+                              <p:par>
+                                <p:cTn id="10" presetID="10" presetClass="entr" presetSubtype="0" fill="hold" nodeType="clickEffect">
+                                  <p:stCondLst>
+                                    <p:cond delay="0"/>
+                                  </p:stCondLst>
+                                  <p:childTnLst>
+                                    <p:set>
+                                      <p:cBhvr>
+                                        <p:cTn id="11" dur="1" fill="hold">
+                                          <p:stCondLst>
+                                            <p:cond delay="0"/>
+                                          </p:stCondLst>
+                                        </p:cTn>
+                                        <p:tgtEl>
+                                          <p:spTgt spid="5"/>
+                                        </p:tgtEl>
+                                        <p:attrNameLst>
+                                          <p:attrName>style.visibility</p:attrName>
+                                        </p:attrNameLst>
+                                      </p:cBhvr>
+                                      <p:to>
+                                        <p:strVal val="visible"/>
+                                      </p:to>
+                                    </p:set>
+                                    <p:animEffect transition="in" filter="fade">
+                                      <p:cBhvr>
+                                        <p:cTn id="12" dur="500"/>
+                                        <p:tgtEl>
+                                          <p:spTgt spid="5"/>
+                                        </p:tgtEl>
+                                      </p:cBhvr>
+                                    </p:animEffect>
+                                  </p:childTnLst>
+                                </p:cTn>
+                              </p:par>
+                            </p:childTnLst>
+                          </p:cTn>
+                        </p:par>
+                      </p:childTnLst>
+                    </p:cTn>
+                  </p:par>
+                  <p:par>
+                    <p:cTn id="13" fill="hold">
+                      <p:stCondLst>
+                        <p:cond delay="indefinite"/>
+                      </p:stCondLst>
+                      <p:childTnLst>
+                        <p:par>
+                          <p:cTn id="14" fill="hold">
+                            <p:stCondLst>
+                              <p:cond delay="0"/>
+                            </p:stCondLst>
+                            <p:childTnLst>
+                              <p:par>
+                                <p:cTn id="15" presetID="10" presetClass="entr" presetSubtype="0" fill="hold" nodeType="clickEffect">
+                                  <p:stCondLst>
+                                    <p:cond delay="0"/>
+                                  </p:stCondLst>
+                                  <p:childTnLst>
+                                    <p:set>
+                                      <p:cBhvr>
+                                        <p:cTn id="16" dur="1" fill="hold">
+                                          <p:stCondLst>
+                                            <p:cond delay="0"/>
+                                          </p:stCondLst>
+                                        </p:cTn>
+                                        <p:tgtEl>
+                                          <p:spTgt spid="3">
+                                            <p:txEl>
+                                              <p:pRg st="4" end="4"/>
+                                            </p:txEl>
+                                          </p:spTgt>
+                                        </p:tgtEl>
+                                        <p:attrNameLst>
+                                          <p:attrName>style.visibility</p:attrName>
+                                        </p:attrNameLst>
+                                      </p:cBhvr>
+                                      <p:to>
+                                        <p:strVal val="visible"/>
+                                      </p:to>
+                                    </p:set>
+                                    <p:animEffect transition="in" filter="fade">
+                                      <p:cBhvr>
+                                        <p:cTn id="17" dur="500"/>
+                                        <p:tgtEl>
+                                          <p:spTgt spid="3">
+                                            <p:txEl>
+                                              <p:pRg st="4" end="4"/>
+                                            </p:txEl>
+                                          </p:spTgt>
+                                        </p:tgtEl>
+                                      </p:cBhvr>
+                                    </p:animEffect>
+                                  </p:childTnLst>
+                                </p:cTn>
+                              </p:par>
+                            </p:childTnLst>
+                          </p:cTn>
+                        </p:par>
+                      </p:childTnLst>
+                    </p:cTn>
+                  </p:par>
+                </p:childTnLst>
+              </p:cTn>
+              <p:prevCondLst>
+                <p:cond evt="onPrev" delay="0">
+                  <p:tgtEl>
+                    <p:sldTgt/>
+                  </p:tgtEl>
+                </p:cond>
+              </p:prevCondLst>
+              <p:nextCondLst>
+                <p:cond evt="onNext" delay="0">
+                  <p:tgtEl>
+                    <p:sldTgt/>
+                  </p:tgtEl>
+                </p:cond>
+              </p:nextCondLst>
+            </p:seq>
+          </p:childTnLst>
+        </p:cTn>
+      </p:par>
+    </p:tnLst>
+  </p:timing>
 </p:sld>
 </file>
 
@@ -8323,6 +12859,463 @@
   <p:clrMapOvr>
     <a:masterClrMapping/>
   </p:clrMapOvr>
+  <p:timing>
+    <p:tnLst>
+      <p:par>
+        <p:cTn id="1" dur="indefinite" restart="never" nodeType="tmRoot">
+          <p:childTnLst>
+            <p:seq concurrent="1" nextAc="seek">
+              <p:cTn id="2" dur="indefinite" nodeType="mainSeq">
+                <p:childTnLst>
+                  <p:par>
+                    <p:cTn id="3" fill="hold">
+                      <p:stCondLst>
+                        <p:cond delay="indefinite"/>
+                      </p:stCondLst>
+                      <p:childTnLst>
+                        <p:par>
+                          <p:cTn id="4" fill="hold">
+                            <p:stCondLst>
+                              <p:cond delay="0"/>
+                            </p:stCondLst>
+                            <p:childTnLst>
+                              <p:par>
+                                <p:cTn id="5" presetID="10" presetClass="entr" presetSubtype="0" fill="hold" nodeType="clickEffect">
+                                  <p:stCondLst>
+                                    <p:cond delay="0"/>
+                                  </p:stCondLst>
+                                  <p:childTnLst>
+                                    <p:set>
+                                      <p:cBhvr>
+                                        <p:cTn id="6" dur="1" fill="hold">
+                                          <p:stCondLst>
+                                            <p:cond delay="0"/>
+                                          </p:stCondLst>
+                                        </p:cTn>
+                                        <p:tgtEl>
+                                          <p:spTgt spid="3">
+                                            <p:txEl>
+                                              <p:pRg st="2" end="2"/>
+                                            </p:txEl>
+                                          </p:spTgt>
+                                        </p:tgtEl>
+                                        <p:attrNameLst>
+                                          <p:attrName>style.visibility</p:attrName>
+                                        </p:attrNameLst>
+                                      </p:cBhvr>
+                                      <p:to>
+                                        <p:strVal val="visible"/>
+                                      </p:to>
+                                    </p:set>
+                                    <p:animEffect transition="in" filter="fade">
+                                      <p:cBhvr>
+                                        <p:cTn id="7" dur="500"/>
+                                        <p:tgtEl>
+                                          <p:spTgt spid="3">
+                                            <p:txEl>
+                                              <p:pRg st="2" end="2"/>
+                                            </p:txEl>
+                                          </p:spTgt>
+                                        </p:tgtEl>
+                                      </p:cBhvr>
+                                    </p:animEffect>
+                                  </p:childTnLst>
+                                </p:cTn>
+                              </p:par>
+                            </p:childTnLst>
+                          </p:cTn>
+                        </p:par>
+                      </p:childTnLst>
+                    </p:cTn>
+                  </p:par>
+                  <p:par>
+                    <p:cTn id="8" fill="hold">
+                      <p:stCondLst>
+                        <p:cond delay="indefinite"/>
+                      </p:stCondLst>
+                      <p:childTnLst>
+                        <p:par>
+                          <p:cTn id="9" fill="hold">
+                            <p:stCondLst>
+                              <p:cond delay="0"/>
+                            </p:stCondLst>
+                            <p:childTnLst>
+                              <p:par>
+                                <p:cTn id="10" presetID="10" presetClass="entr" presetSubtype="0" fill="hold" nodeType="clickEffect">
+                                  <p:stCondLst>
+                                    <p:cond delay="0"/>
+                                  </p:stCondLst>
+                                  <p:childTnLst>
+                                    <p:set>
+                                      <p:cBhvr>
+                                        <p:cTn id="11" dur="1" fill="hold">
+                                          <p:stCondLst>
+                                            <p:cond delay="0"/>
+                                          </p:stCondLst>
+                                        </p:cTn>
+                                        <p:tgtEl>
+                                          <p:spTgt spid="3">
+                                            <p:txEl>
+                                              <p:pRg st="3" end="3"/>
+                                            </p:txEl>
+                                          </p:spTgt>
+                                        </p:tgtEl>
+                                        <p:attrNameLst>
+                                          <p:attrName>style.visibility</p:attrName>
+                                        </p:attrNameLst>
+                                      </p:cBhvr>
+                                      <p:to>
+                                        <p:strVal val="visible"/>
+                                      </p:to>
+                                    </p:set>
+                                    <p:animEffect transition="in" filter="fade">
+                                      <p:cBhvr>
+                                        <p:cTn id="12" dur="500"/>
+                                        <p:tgtEl>
+                                          <p:spTgt spid="3">
+                                            <p:txEl>
+                                              <p:pRg st="3" end="3"/>
+                                            </p:txEl>
+                                          </p:spTgt>
+                                        </p:tgtEl>
+                                      </p:cBhvr>
+                                    </p:animEffect>
+                                  </p:childTnLst>
+                                </p:cTn>
+                              </p:par>
+                            </p:childTnLst>
+                          </p:cTn>
+                        </p:par>
+                      </p:childTnLst>
+                    </p:cTn>
+                  </p:par>
+                  <p:par>
+                    <p:cTn id="13" fill="hold">
+                      <p:stCondLst>
+                        <p:cond delay="indefinite"/>
+                      </p:stCondLst>
+                      <p:childTnLst>
+                        <p:par>
+                          <p:cTn id="14" fill="hold">
+                            <p:stCondLst>
+                              <p:cond delay="0"/>
+                            </p:stCondLst>
+                            <p:childTnLst>
+                              <p:par>
+                                <p:cTn id="15" presetID="10" presetClass="entr" presetSubtype="0" fill="hold" nodeType="clickEffect">
+                                  <p:stCondLst>
+                                    <p:cond delay="0"/>
+                                  </p:stCondLst>
+                                  <p:childTnLst>
+                                    <p:set>
+                                      <p:cBhvr>
+                                        <p:cTn id="16" dur="1" fill="hold">
+                                          <p:stCondLst>
+                                            <p:cond delay="0"/>
+                                          </p:stCondLst>
+                                        </p:cTn>
+                                        <p:tgtEl>
+                                          <p:spTgt spid="3">
+                                            <p:txEl>
+                                              <p:pRg st="4" end="4"/>
+                                            </p:txEl>
+                                          </p:spTgt>
+                                        </p:tgtEl>
+                                        <p:attrNameLst>
+                                          <p:attrName>style.visibility</p:attrName>
+                                        </p:attrNameLst>
+                                      </p:cBhvr>
+                                      <p:to>
+                                        <p:strVal val="visible"/>
+                                      </p:to>
+                                    </p:set>
+                                    <p:animEffect transition="in" filter="fade">
+                                      <p:cBhvr>
+                                        <p:cTn id="17" dur="500"/>
+                                        <p:tgtEl>
+                                          <p:spTgt spid="3">
+                                            <p:txEl>
+                                              <p:pRg st="4" end="4"/>
+                                            </p:txEl>
+                                          </p:spTgt>
+                                        </p:tgtEl>
+                                      </p:cBhvr>
+                                    </p:animEffect>
+                                  </p:childTnLst>
+                                </p:cTn>
+                              </p:par>
+                            </p:childTnLst>
+                          </p:cTn>
+                        </p:par>
+                      </p:childTnLst>
+                    </p:cTn>
+                  </p:par>
+                  <p:par>
+                    <p:cTn id="18" fill="hold">
+                      <p:stCondLst>
+                        <p:cond delay="indefinite"/>
+                      </p:stCondLst>
+                      <p:childTnLst>
+                        <p:par>
+                          <p:cTn id="19" fill="hold">
+                            <p:stCondLst>
+                              <p:cond delay="0"/>
+                            </p:stCondLst>
+                            <p:childTnLst>
+                              <p:par>
+                                <p:cTn id="20" presetID="10" presetClass="entr" presetSubtype="0" fill="hold" nodeType="clickEffect">
+                                  <p:stCondLst>
+                                    <p:cond delay="0"/>
+                                  </p:stCondLst>
+                                  <p:childTnLst>
+                                    <p:set>
+                                      <p:cBhvr>
+                                        <p:cTn id="21" dur="1" fill="hold">
+                                          <p:stCondLst>
+                                            <p:cond delay="0"/>
+                                          </p:stCondLst>
+                                        </p:cTn>
+                                        <p:tgtEl>
+                                          <p:spTgt spid="3">
+                                            <p:txEl>
+                                              <p:pRg st="5" end="5"/>
+                                            </p:txEl>
+                                          </p:spTgt>
+                                        </p:tgtEl>
+                                        <p:attrNameLst>
+                                          <p:attrName>style.visibility</p:attrName>
+                                        </p:attrNameLst>
+                                      </p:cBhvr>
+                                      <p:to>
+                                        <p:strVal val="visible"/>
+                                      </p:to>
+                                    </p:set>
+                                    <p:animEffect transition="in" filter="fade">
+                                      <p:cBhvr>
+                                        <p:cTn id="22" dur="500"/>
+                                        <p:tgtEl>
+                                          <p:spTgt spid="3">
+                                            <p:txEl>
+                                              <p:pRg st="5" end="5"/>
+                                            </p:txEl>
+                                          </p:spTgt>
+                                        </p:tgtEl>
+                                      </p:cBhvr>
+                                    </p:animEffect>
+                                  </p:childTnLst>
+                                </p:cTn>
+                              </p:par>
+                            </p:childTnLst>
+                          </p:cTn>
+                        </p:par>
+                      </p:childTnLst>
+                    </p:cTn>
+                  </p:par>
+                  <p:par>
+                    <p:cTn id="23" fill="hold">
+                      <p:stCondLst>
+                        <p:cond delay="indefinite"/>
+                      </p:stCondLst>
+                      <p:childTnLst>
+                        <p:par>
+                          <p:cTn id="24" fill="hold">
+                            <p:stCondLst>
+                              <p:cond delay="0"/>
+                            </p:stCondLst>
+                            <p:childTnLst>
+                              <p:par>
+                                <p:cTn id="25" presetID="10" presetClass="entr" presetSubtype="0" fill="hold" nodeType="clickEffect">
+                                  <p:stCondLst>
+                                    <p:cond delay="0"/>
+                                  </p:stCondLst>
+                                  <p:childTnLst>
+                                    <p:set>
+                                      <p:cBhvr>
+                                        <p:cTn id="26" dur="1" fill="hold">
+                                          <p:stCondLst>
+                                            <p:cond delay="0"/>
+                                          </p:stCondLst>
+                                        </p:cTn>
+                                        <p:tgtEl>
+                                          <p:spTgt spid="3">
+                                            <p:txEl>
+                                              <p:pRg st="6" end="6"/>
+                                            </p:txEl>
+                                          </p:spTgt>
+                                        </p:tgtEl>
+                                        <p:attrNameLst>
+                                          <p:attrName>style.visibility</p:attrName>
+                                        </p:attrNameLst>
+                                      </p:cBhvr>
+                                      <p:to>
+                                        <p:strVal val="visible"/>
+                                      </p:to>
+                                    </p:set>
+                                    <p:animEffect transition="in" filter="fade">
+                                      <p:cBhvr>
+                                        <p:cTn id="27" dur="500"/>
+                                        <p:tgtEl>
+                                          <p:spTgt spid="3">
+                                            <p:txEl>
+                                              <p:pRg st="6" end="6"/>
+                                            </p:txEl>
+                                          </p:spTgt>
+                                        </p:tgtEl>
+                                      </p:cBhvr>
+                                    </p:animEffect>
+                                  </p:childTnLst>
+                                </p:cTn>
+                              </p:par>
+                            </p:childTnLst>
+                          </p:cTn>
+                        </p:par>
+                      </p:childTnLst>
+                    </p:cTn>
+                  </p:par>
+                  <p:par>
+                    <p:cTn id="28" fill="hold">
+                      <p:stCondLst>
+                        <p:cond delay="indefinite"/>
+                      </p:stCondLst>
+                      <p:childTnLst>
+                        <p:par>
+                          <p:cTn id="29" fill="hold">
+                            <p:stCondLst>
+                              <p:cond delay="0"/>
+                            </p:stCondLst>
+                            <p:childTnLst>
+                              <p:par>
+                                <p:cTn id="30" presetID="10" presetClass="entr" presetSubtype="0" fill="hold" nodeType="clickEffect">
+                                  <p:stCondLst>
+                                    <p:cond delay="0"/>
+                                  </p:stCondLst>
+                                  <p:childTnLst>
+                                    <p:set>
+                                      <p:cBhvr>
+                                        <p:cTn id="31" dur="1" fill="hold">
+                                          <p:stCondLst>
+                                            <p:cond delay="0"/>
+                                          </p:stCondLst>
+                                        </p:cTn>
+                                        <p:tgtEl>
+                                          <p:spTgt spid="3">
+                                            <p:txEl>
+                                              <p:pRg st="7" end="7"/>
+                                            </p:txEl>
+                                          </p:spTgt>
+                                        </p:tgtEl>
+                                        <p:attrNameLst>
+                                          <p:attrName>style.visibility</p:attrName>
+                                        </p:attrNameLst>
+                                      </p:cBhvr>
+                                      <p:to>
+                                        <p:strVal val="visible"/>
+                                      </p:to>
+                                    </p:set>
+                                    <p:animEffect transition="in" filter="fade">
+                                      <p:cBhvr>
+                                        <p:cTn id="32" dur="500"/>
+                                        <p:tgtEl>
+                                          <p:spTgt spid="3">
+                                            <p:txEl>
+                                              <p:pRg st="7" end="7"/>
+                                            </p:txEl>
+                                          </p:spTgt>
+                                        </p:tgtEl>
+                                      </p:cBhvr>
+                                    </p:animEffect>
+                                  </p:childTnLst>
+                                </p:cTn>
+                              </p:par>
+                            </p:childTnLst>
+                          </p:cTn>
+                        </p:par>
+                      </p:childTnLst>
+                    </p:cTn>
+                  </p:par>
+                  <p:par>
+                    <p:cTn id="33" fill="hold">
+                      <p:stCondLst>
+                        <p:cond delay="indefinite"/>
+                      </p:stCondLst>
+                      <p:childTnLst>
+                        <p:par>
+                          <p:cTn id="34" fill="hold">
+                            <p:stCondLst>
+                              <p:cond delay="0"/>
+                            </p:stCondLst>
+                            <p:childTnLst>
+                              <p:par>
+                                <p:cTn id="35" presetID="10" presetClass="entr" presetSubtype="0" fill="hold" nodeType="clickEffect">
+                                  <p:stCondLst>
+                                    <p:cond delay="0"/>
+                                  </p:stCondLst>
+                                  <p:childTnLst>
+                                    <p:set>
+                                      <p:cBhvr>
+                                        <p:cTn id="36" dur="1" fill="hold">
+                                          <p:stCondLst>
+                                            <p:cond delay="0"/>
+                                          </p:stCondLst>
+                                        </p:cTn>
+                                        <p:tgtEl>
+                                          <p:spTgt spid="3">
+                                            <p:txEl>
+                                              <p:pRg st="9" end="9"/>
+                                            </p:txEl>
+                                          </p:spTgt>
+                                        </p:tgtEl>
+                                        <p:attrNameLst>
+                                          <p:attrName>style.visibility</p:attrName>
+                                        </p:attrNameLst>
+                                      </p:cBhvr>
+                                      <p:to>
+                                        <p:strVal val="visible"/>
+                                      </p:to>
+                                    </p:set>
+                                    <p:animEffect transition="in" filter="fade">
+                                      <p:cBhvr>
+                                        <p:cTn id="37" dur="500"/>
+                                        <p:tgtEl>
+                                          <p:spTgt spid="3">
+                                            <p:txEl>
+                                              <p:pRg st="9" end="9"/>
+                                            </p:txEl>
+                                          </p:spTgt>
+                                        </p:tgtEl>
+                                      </p:cBhvr>
+                                    </p:animEffect>
+                                  </p:childTnLst>
+                                </p:cTn>
+                              </p:par>
+                            </p:childTnLst>
+                          </p:cTn>
+                        </p:par>
+                      </p:childTnLst>
+                    </p:cTn>
+                  </p:par>
+                </p:childTnLst>
+              </p:cTn>
+              <p:prevCondLst>
+                <p:cond evt="onPrev" delay="0">
+                  <p:tgtEl>
+                    <p:sldTgt/>
+                  </p:tgtEl>
+                </p:cond>
+              </p:prevCondLst>
+              <p:nextCondLst>
+                <p:cond evt="onNext" delay="0">
+                  <p:tgtEl>
+                    <p:sldTgt/>
+                  </p:tgtEl>
+                </p:cond>
+              </p:nextCondLst>
+            </p:seq>
+          </p:childTnLst>
+        </p:cTn>
+      </p:par>
+    </p:tnLst>
+  </p:timing>
 </p:sld>
 </file>
 
@@ -8481,6 +13474,211 @@
   <p:clrMapOvr>
     <a:masterClrMapping/>
   </p:clrMapOvr>
+  <p:timing>
+    <p:tnLst>
+      <p:par>
+        <p:cTn id="1" dur="indefinite" restart="never" nodeType="tmRoot">
+          <p:childTnLst>
+            <p:seq concurrent="1" nextAc="seek">
+              <p:cTn id="2" dur="indefinite" nodeType="mainSeq">
+                <p:childTnLst>
+                  <p:par>
+                    <p:cTn id="3" fill="hold">
+                      <p:stCondLst>
+                        <p:cond delay="indefinite"/>
+                      </p:stCondLst>
+                      <p:childTnLst>
+                        <p:par>
+                          <p:cTn id="4" fill="hold">
+                            <p:stCondLst>
+                              <p:cond delay="0"/>
+                            </p:stCondLst>
+                            <p:childTnLst>
+                              <p:par>
+                                <p:cTn id="5" presetID="10" presetClass="entr" presetSubtype="0" fill="hold" nodeType="clickEffect">
+                                  <p:stCondLst>
+                                    <p:cond delay="0"/>
+                                  </p:stCondLst>
+                                  <p:childTnLst>
+                                    <p:set>
+                                      <p:cBhvr>
+                                        <p:cTn id="6" dur="1" fill="hold">
+                                          <p:stCondLst>
+                                            <p:cond delay="0"/>
+                                          </p:stCondLst>
+                                        </p:cTn>
+                                        <p:tgtEl>
+                                          <p:spTgt spid="3">
+                                            <p:txEl>
+                                              <p:pRg st="1" end="1"/>
+                                            </p:txEl>
+                                          </p:spTgt>
+                                        </p:tgtEl>
+                                        <p:attrNameLst>
+                                          <p:attrName>style.visibility</p:attrName>
+                                        </p:attrNameLst>
+                                      </p:cBhvr>
+                                      <p:to>
+                                        <p:strVal val="visible"/>
+                                      </p:to>
+                                    </p:set>
+                                    <p:animEffect transition="in" filter="fade">
+                                      <p:cBhvr>
+                                        <p:cTn id="7" dur="500"/>
+                                        <p:tgtEl>
+                                          <p:spTgt spid="3">
+                                            <p:txEl>
+                                              <p:pRg st="1" end="1"/>
+                                            </p:txEl>
+                                          </p:spTgt>
+                                        </p:tgtEl>
+                                      </p:cBhvr>
+                                    </p:animEffect>
+                                  </p:childTnLst>
+                                </p:cTn>
+                              </p:par>
+                            </p:childTnLst>
+                          </p:cTn>
+                        </p:par>
+                      </p:childTnLst>
+                    </p:cTn>
+                  </p:par>
+                  <p:par>
+                    <p:cTn id="8" fill="hold">
+                      <p:stCondLst>
+                        <p:cond delay="indefinite"/>
+                      </p:stCondLst>
+                      <p:childTnLst>
+                        <p:par>
+                          <p:cTn id="9" fill="hold">
+                            <p:stCondLst>
+                              <p:cond delay="0"/>
+                            </p:stCondLst>
+                            <p:childTnLst>
+                              <p:par>
+                                <p:cTn id="10" presetID="10" presetClass="entr" presetSubtype="0" fill="hold" nodeType="clickEffect">
+                                  <p:stCondLst>
+                                    <p:cond delay="0"/>
+                                  </p:stCondLst>
+                                  <p:childTnLst>
+                                    <p:set>
+                                      <p:cBhvr>
+                                        <p:cTn id="11" dur="1" fill="hold">
+                                          <p:stCondLst>
+                                            <p:cond delay="0"/>
+                                          </p:stCondLst>
+                                        </p:cTn>
+                                        <p:tgtEl>
+                                          <p:spTgt spid="3">
+                                            <p:txEl>
+                                              <p:pRg st="2" end="2"/>
+                                            </p:txEl>
+                                          </p:spTgt>
+                                        </p:tgtEl>
+                                        <p:attrNameLst>
+                                          <p:attrName>style.visibility</p:attrName>
+                                        </p:attrNameLst>
+                                      </p:cBhvr>
+                                      <p:to>
+                                        <p:strVal val="visible"/>
+                                      </p:to>
+                                    </p:set>
+                                    <p:animEffect transition="in" filter="fade">
+                                      <p:cBhvr>
+                                        <p:cTn id="12" dur="500"/>
+                                        <p:tgtEl>
+                                          <p:spTgt spid="3">
+                                            <p:txEl>
+                                              <p:pRg st="2" end="2"/>
+                                            </p:txEl>
+                                          </p:spTgt>
+                                        </p:tgtEl>
+                                      </p:cBhvr>
+                                    </p:animEffect>
+                                  </p:childTnLst>
+                                </p:cTn>
+                              </p:par>
+                            </p:childTnLst>
+                          </p:cTn>
+                        </p:par>
+                      </p:childTnLst>
+                    </p:cTn>
+                  </p:par>
+                  <p:par>
+                    <p:cTn id="13" fill="hold">
+                      <p:stCondLst>
+                        <p:cond delay="indefinite"/>
+                      </p:stCondLst>
+                      <p:childTnLst>
+                        <p:par>
+                          <p:cTn id="14" fill="hold">
+                            <p:stCondLst>
+                              <p:cond delay="0"/>
+                            </p:stCondLst>
+                            <p:childTnLst>
+                              <p:par>
+                                <p:cTn id="15" presetID="10" presetClass="entr" presetSubtype="0" fill="hold" nodeType="clickEffect">
+                                  <p:stCondLst>
+                                    <p:cond delay="0"/>
+                                  </p:stCondLst>
+                                  <p:childTnLst>
+                                    <p:set>
+                                      <p:cBhvr>
+                                        <p:cTn id="16" dur="1" fill="hold">
+                                          <p:stCondLst>
+                                            <p:cond delay="0"/>
+                                          </p:stCondLst>
+                                        </p:cTn>
+                                        <p:tgtEl>
+                                          <p:spTgt spid="7"/>
+                                        </p:tgtEl>
+                                        <p:attrNameLst>
+                                          <p:attrName>style.visibility</p:attrName>
+                                        </p:attrNameLst>
+                                      </p:cBhvr>
+                                      <p:to>
+                                        <p:strVal val="visible"/>
+                                      </p:to>
+                                    </p:set>
+                                    <p:animEffect transition="in" filter="fade">
+                                      <p:cBhvr>
+                                        <p:cTn id="17" dur="500"/>
+                                        <p:tgtEl>
+                                          <p:spTgt spid="7"/>
+                                        </p:tgtEl>
+                                      </p:cBhvr>
+                                    </p:animEffect>
+                                  </p:childTnLst>
+                                </p:cTn>
+                              </p:par>
+                            </p:childTnLst>
+                          </p:cTn>
+                        </p:par>
+                      </p:childTnLst>
+                    </p:cTn>
+                  </p:par>
+                </p:childTnLst>
+              </p:cTn>
+              <p:prevCondLst>
+                <p:cond evt="onPrev" delay="0">
+                  <p:tgtEl>
+                    <p:sldTgt/>
+                  </p:tgtEl>
+                </p:cond>
+              </p:prevCondLst>
+              <p:nextCondLst>
+                <p:cond evt="onNext" delay="0">
+                  <p:tgtEl>
+                    <p:sldTgt/>
+                  </p:tgtEl>
+                </p:cond>
+              </p:nextCondLst>
+            </p:seq>
+          </p:childTnLst>
+        </p:cTn>
+      </p:par>
+    </p:tnLst>
+  </p:timing>
 </p:sld>
 </file>
 
@@ -8636,6 +13834,434 @@
   <p:clrMapOvr>
     <a:masterClrMapping/>
   </p:clrMapOvr>
+  <p:timing>
+    <p:tnLst>
+      <p:par>
+        <p:cTn id="1" dur="indefinite" restart="never" nodeType="tmRoot">
+          <p:childTnLst>
+            <p:seq concurrent="1" nextAc="seek">
+              <p:cTn id="2" dur="indefinite" nodeType="mainSeq">
+                <p:childTnLst>
+                  <p:par>
+                    <p:cTn id="3" fill="hold">
+                      <p:stCondLst>
+                        <p:cond delay="indefinite"/>
+                      </p:stCondLst>
+                      <p:childTnLst>
+                        <p:par>
+                          <p:cTn id="4" fill="hold">
+                            <p:stCondLst>
+                              <p:cond delay="0"/>
+                            </p:stCondLst>
+                            <p:childTnLst>
+                              <p:par>
+                                <p:cTn id="5" presetID="10" presetClass="entr" presetSubtype="0" fill="hold" nodeType="clickEffect">
+                                  <p:stCondLst>
+                                    <p:cond delay="0"/>
+                                  </p:stCondLst>
+                                  <p:childTnLst>
+                                    <p:set>
+                                      <p:cBhvr>
+                                        <p:cTn id="6" dur="1" fill="hold">
+                                          <p:stCondLst>
+                                            <p:cond delay="0"/>
+                                          </p:stCondLst>
+                                        </p:cTn>
+                                        <p:tgtEl>
+                                          <p:spTgt spid="3">
+                                            <p:txEl>
+                                              <p:pRg st="1" end="1"/>
+                                            </p:txEl>
+                                          </p:spTgt>
+                                        </p:tgtEl>
+                                        <p:attrNameLst>
+                                          <p:attrName>style.visibility</p:attrName>
+                                        </p:attrNameLst>
+                                      </p:cBhvr>
+                                      <p:to>
+                                        <p:strVal val="visible"/>
+                                      </p:to>
+                                    </p:set>
+                                    <p:animEffect transition="in" filter="fade">
+                                      <p:cBhvr>
+                                        <p:cTn id="7" dur="500"/>
+                                        <p:tgtEl>
+                                          <p:spTgt spid="3">
+                                            <p:txEl>
+                                              <p:pRg st="1" end="1"/>
+                                            </p:txEl>
+                                          </p:spTgt>
+                                        </p:tgtEl>
+                                      </p:cBhvr>
+                                    </p:animEffect>
+                                  </p:childTnLst>
+                                </p:cTn>
+                              </p:par>
+                            </p:childTnLst>
+                          </p:cTn>
+                        </p:par>
+                      </p:childTnLst>
+                    </p:cTn>
+                  </p:par>
+                  <p:par>
+                    <p:cTn id="8" fill="hold">
+                      <p:stCondLst>
+                        <p:cond delay="indefinite"/>
+                      </p:stCondLst>
+                      <p:childTnLst>
+                        <p:par>
+                          <p:cTn id="9" fill="hold">
+                            <p:stCondLst>
+                              <p:cond delay="0"/>
+                            </p:stCondLst>
+                            <p:childTnLst>
+                              <p:par>
+                                <p:cTn id="10" presetID="10" presetClass="entr" presetSubtype="0" fill="hold" nodeType="clickEffect">
+                                  <p:stCondLst>
+                                    <p:cond delay="0"/>
+                                  </p:stCondLst>
+                                  <p:childTnLst>
+                                    <p:set>
+                                      <p:cBhvr>
+                                        <p:cTn id="11" dur="1" fill="hold">
+                                          <p:stCondLst>
+                                            <p:cond delay="0"/>
+                                          </p:stCondLst>
+                                        </p:cTn>
+                                        <p:tgtEl>
+                                          <p:spTgt spid="3">
+                                            <p:txEl>
+                                              <p:pRg st="2" end="2"/>
+                                            </p:txEl>
+                                          </p:spTgt>
+                                        </p:tgtEl>
+                                        <p:attrNameLst>
+                                          <p:attrName>style.visibility</p:attrName>
+                                        </p:attrNameLst>
+                                      </p:cBhvr>
+                                      <p:to>
+                                        <p:strVal val="visible"/>
+                                      </p:to>
+                                    </p:set>
+                                    <p:animEffect transition="in" filter="fade">
+                                      <p:cBhvr>
+                                        <p:cTn id="12" dur="500"/>
+                                        <p:tgtEl>
+                                          <p:spTgt spid="3">
+                                            <p:txEl>
+                                              <p:pRg st="2" end="2"/>
+                                            </p:txEl>
+                                          </p:spTgt>
+                                        </p:tgtEl>
+                                      </p:cBhvr>
+                                    </p:animEffect>
+                                  </p:childTnLst>
+                                </p:cTn>
+                              </p:par>
+                            </p:childTnLst>
+                          </p:cTn>
+                        </p:par>
+                      </p:childTnLst>
+                    </p:cTn>
+                  </p:par>
+                  <p:par>
+                    <p:cTn id="13" fill="hold">
+                      <p:stCondLst>
+                        <p:cond delay="indefinite"/>
+                      </p:stCondLst>
+                      <p:childTnLst>
+                        <p:par>
+                          <p:cTn id="14" fill="hold">
+                            <p:stCondLst>
+                              <p:cond delay="0"/>
+                            </p:stCondLst>
+                            <p:childTnLst>
+                              <p:par>
+                                <p:cTn id="15" presetID="10" presetClass="entr" presetSubtype="0" fill="hold" nodeType="clickEffect">
+                                  <p:stCondLst>
+                                    <p:cond delay="0"/>
+                                  </p:stCondLst>
+                                  <p:childTnLst>
+                                    <p:set>
+                                      <p:cBhvr>
+                                        <p:cTn id="16" dur="1" fill="hold">
+                                          <p:stCondLst>
+                                            <p:cond delay="0"/>
+                                          </p:stCondLst>
+                                        </p:cTn>
+                                        <p:tgtEl>
+                                          <p:spTgt spid="3">
+                                            <p:txEl>
+                                              <p:pRg st="3" end="3"/>
+                                            </p:txEl>
+                                          </p:spTgt>
+                                        </p:tgtEl>
+                                        <p:attrNameLst>
+                                          <p:attrName>style.visibility</p:attrName>
+                                        </p:attrNameLst>
+                                      </p:cBhvr>
+                                      <p:to>
+                                        <p:strVal val="visible"/>
+                                      </p:to>
+                                    </p:set>
+                                    <p:animEffect transition="in" filter="fade">
+                                      <p:cBhvr>
+                                        <p:cTn id="17" dur="500"/>
+                                        <p:tgtEl>
+                                          <p:spTgt spid="3">
+                                            <p:txEl>
+                                              <p:pRg st="3" end="3"/>
+                                            </p:txEl>
+                                          </p:spTgt>
+                                        </p:tgtEl>
+                                      </p:cBhvr>
+                                    </p:animEffect>
+                                  </p:childTnLst>
+                                </p:cTn>
+                              </p:par>
+                              <p:par>
+                                <p:cTn id="18" presetID="10" presetClass="entr" presetSubtype="0" fill="hold" nodeType="withEffect">
+                                  <p:stCondLst>
+                                    <p:cond delay="0"/>
+                                  </p:stCondLst>
+                                  <p:childTnLst>
+                                    <p:set>
+                                      <p:cBhvr>
+                                        <p:cTn id="19" dur="1" fill="hold">
+                                          <p:stCondLst>
+                                            <p:cond delay="0"/>
+                                          </p:stCondLst>
+                                        </p:cTn>
+                                        <p:tgtEl>
+                                          <p:spTgt spid="3">
+                                            <p:txEl>
+                                              <p:pRg st="4" end="4"/>
+                                            </p:txEl>
+                                          </p:spTgt>
+                                        </p:tgtEl>
+                                        <p:attrNameLst>
+                                          <p:attrName>style.visibility</p:attrName>
+                                        </p:attrNameLst>
+                                      </p:cBhvr>
+                                      <p:to>
+                                        <p:strVal val="visible"/>
+                                      </p:to>
+                                    </p:set>
+                                    <p:animEffect transition="in" filter="fade">
+                                      <p:cBhvr>
+                                        <p:cTn id="20" dur="500"/>
+                                        <p:tgtEl>
+                                          <p:spTgt spid="3">
+                                            <p:txEl>
+                                              <p:pRg st="4" end="4"/>
+                                            </p:txEl>
+                                          </p:spTgt>
+                                        </p:tgtEl>
+                                      </p:cBhvr>
+                                    </p:animEffect>
+                                  </p:childTnLst>
+                                </p:cTn>
+                              </p:par>
+                              <p:par>
+                                <p:cTn id="21" presetID="10" presetClass="entr" presetSubtype="0" fill="hold" nodeType="withEffect">
+                                  <p:stCondLst>
+                                    <p:cond delay="0"/>
+                                  </p:stCondLst>
+                                  <p:childTnLst>
+                                    <p:set>
+                                      <p:cBhvr>
+                                        <p:cTn id="22" dur="1" fill="hold">
+                                          <p:stCondLst>
+                                            <p:cond delay="0"/>
+                                          </p:stCondLst>
+                                        </p:cTn>
+                                        <p:tgtEl>
+                                          <p:spTgt spid="3">
+                                            <p:txEl>
+                                              <p:pRg st="5" end="5"/>
+                                            </p:txEl>
+                                          </p:spTgt>
+                                        </p:tgtEl>
+                                        <p:attrNameLst>
+                                          <p:attrName>style.visibility</p:attrName>
+                                        </p:attrNameLst>
+                                      </p:cBhvr>
+                                      <p:to>
+                                        <p:strVal val="visible"/>
+                                      </p:to>
+                                    </p:set>
+                                    <p:animEffect transition="in" filter="fade">
+                                      <p:cBhvr>
+                                        <p:cTn id="23" dur="500"/>
+                                        <p:tgtEl>
+                                          <p:spTgt spid="3">
+                                            <p:txEl>
+                                              <p:pRg st="5" end="5"/>
+                                            </p:txEl>
+                                          </p:spTgt>
+                                        </p:tgtEl>
+                                      </p:cBhvr>
+                                    </p:animEffect>
+                                  </p:childTnLst>
+                                </p:cTn>
+                              </p:par>
+                              <p:par>
+                                <p:cTn id="24" presetID="10" presetClass="entr" presetSubtype="0" fill="hold" nodeType="withEffect">
+                                  <p:stCondLst>
+                                    <p:cond delay="0"/>
+                                  </p:stCondLst>
+                                  <p:childTnLst>
+                                    <p:set>
+                                      <p:cBhvr>
+                                        <p:cTn id="25" dur="1" fill="hold">
+                                          <p:stCondLst>
+                                            <p:cond delay="0"/>
+                                          </p:stCondLst>
+                                        </p:cTn>
+                                        <p:tgtEl>
+                                          <p:spTgt spid="3">
+                                            <p:txEl>
+                                              <p:pRg st="6" end="6"/>
+                                            </p:txEl>
+                                          </p:spTgt>
+                                        </p:tgtEl>
+                                        <p:attrNameLst>
+                                          <p:attrName>style.visibility</p:attrName>
+                                        </p:attrNameLst>
+                                      </p:cBhvr>
+                                      <p:to>
+                                        <p:strVal val="visible"/>
+                                      </p:to>
+                                    </p:set>
+                                    <p:animEffect transition="in" filter="fade">
+                                      <p:cBhvr>
+                                        <p:cTn id="26" dur="500"/>
+                                        <p:tgtEl>
+                                          <p:spTgt spid="3">
+                                            <p:txEl>
+                                              <p:pRg st="6" end="6"/>
+                                            </p:txEl>
+                                          </p:spTgt>
+                                        </p:tgtEl>
+                                      </p:cBhvr>
+                                    </p:animEffect>
+                                  </p:childTnLst>
+                                </p:cTn>
+                              </p:par>
+                              <p:par>
+                                <p:cTn id="27" presetID="10" presetClass="entr" presetSubtype="0" fill="hold" nodeType="withEffect">
+                                  <p:stCondLst>
+                                    <p:cond delay="0"/>
+                                  </p:stCondLst>
+                                  <p:childTnLst>
+                                    <p:set>
+                                      <p:cBhvr>
+                                        <p:cTn id="28" dur="1" fill="hold">
+                                          <p:stCondLst>
+                                            <p:cond delay="0"/>
+                                          </p:stCondLst>
+                                        </p:cTn>
+                                        <p:tgtEl>
+                                          <p:spTgt spid="3">
+                                            <p:txEl>
+                                              <p:pRg st="7" end="7"/>
+                                            </p:txEl>
+                                          </p:spTgt>
+                                        </p:tgtEl>
+                                        <p:attrNameLst>
+                                          <p:attrName>style.visibility</p:attrName>
+                                        </p:attrNameLst>
+                                      </p:cBhvr>
+                                      <p:to>
+                                        <p:strVal val="visible"/>
+                                      </p:to>
+                                    </p:set>
+                                    <p:animEffect transition="in" filter="fade">
+                                      <p:cBhvr>
+                                        <p:cTn id="29" dur="500"/>
+                                        <p:tgtEl>
+                                          <p:spTgt spid="3">
+                                            <p:txEl>
+                                              <p:pRg st="7" end="7"/>
+                                            </p:txEl>
+                                          </p:spTgt>
+                                        </p:tgtEl>
+                                      </p:cBhvr>
+                                    </p:animEffect>
+                                  </p:childTnLst>
+                                </p:cTn>
+                              </p:par>
+                              <p:par>
+                                <p:cTn id="30" presetID="10" presetClass="entr" presetSubtype="0" fill="hold" nodeType="withEffect">
+                                  <p:stCondLst>
+                                    <p:cond delay="0"/>
+                                  </p:stCondLst>
+                                  <p:childTnLst>
+                                    <p:set>
+                                      <p:cBhvr>
+                                        <p:cTn id="31" dur="1" fill="hold">
+                                          <p:stCondLst>
+                                            <p:cond delay="0"/>
+                                          </p:stCondLst>
+                                        </p:cTn>
+                                        <p:tgtEl>
+                                          <p:spTgt spid="3">
+                                            <p:txEl>
+                                              <p:pRg st="8" end="8"/>
+                                            </p:txEl>
+                                          </p:spTgt>
+                                        </p:tgtEl>
+                                        <p:attrNameLst>
+                                          <p:attrName>style.visibility</p:attrName>
+                                        </p:attrNameLst>
+                                      </p:cBhvr>
+                                      <p:to>
+                                        <p:strVal val="visible"/>
+                                      </p:to>
+                                    </p:set>
+                                    <p:animEffect transition="in" filter="fade">
+                                      <p:cBhvr>
+                                        <p:cTn id="32" dur="500"/>
+                                        <p:tgtEl>
+                                          <p:spTgt spid="3">
+                                            <p:txEl>
+                                              <p:pRg st="8" end="8"/>
+                                            </p:txEl>
+                                          </p:spTgt>
+                                        </p:tgtEl>
+                                      </p:cBhvr>
+                                    </p:animEffect>
+                                  </p:childTnLst>
+                                </p:cTn>
+                              </p:par>
+                            </p:childTnLst>
+                          </p:cTn>
+                        </p:par>
+                      </p:childTnLst>
+                    </p:cTn>
+                  </p:par>
+                </p:childTnLst>
+              </p:cTn>
+              <p:prevCondLst>
+                <p:cond evt="onPrev" delay="0">
+                  <p:tgtEl>
+                    <p:sldTgt/>
+                  </p:tgtEl>
+                </p:cond>
+              </p:prevCondLst>
+              <p:nextCondLst>
+                <p:cond evt="onNext" delay="0">
+                  <p:tgtEl>
+                    <p:sldTgt/>
+                  </p:tgtEl>
+                </p:cond>
+              </p:nextCondLst>
+            </p:seq>
+          </p:childTnLst>
+        </p:cTn>
+      </p:par>
+    </p:tnLst>
+  </p:timing>
 </p:sld>
 </file>
 
@@ -8789,6 +14415,244 @@
   <p:clrMapOvr>
     <a:masterClrMapping/>
   </p:clrMapOvr>
+  <p:timing>
+    <p:tnLst>
+      <p:par>
+        <p:cTn id="1" dur="indefinite" restart="never" nodeType="tmRoot">
+          <p:childTnLst>
+            <p:seq concurrent="1" nextAc="seek">
+              <p:cTn id="2" dur="indefinite" nodeType="mainSeq">
+                <p:childTnLst>
+                  <p:par>
+                    <p:cTn id="3" fill="hold">
+                      <p:stCondLst>
+                        <p:cond delay="indefinite"/>
+                      </p:stCondLst>
+                      <p:childTnLst>
+                        <p:par>
+                          <p:cTn id="4" fill="hold">
+                            <p:stCondLst>
+                              <p:cond delay="0"/>
+                            </p:stCondLst>
+                            <p:childTnLst>
+                              <p:par>
+                                <p:cTn id="5" presetID="10" presetClass="entr" presetSubtype="0" fill="hold" nodeType="clickEffect">
+                                  <p:stCondLst>
+                                    <p:cond delay="0"/>
+                                  </p:stCondLst>
+                                  <p:childTnLst>
+                                    <p:set>
+                                      <p:cBhvr>
+                                        <p:cTn id="6" dur="1" fill="hold">
+                                          <p:stCondLst>
+                                            <p:cond delay="0"/>
+                                          </p:stCondLst>
+                                        </p:cTn>
+                                        <p:tgtEl>
+                                          <p:spTgt spid="3">
+                                            <p:txEl>
+                                              <p:pRg st="2" end="2"/>
+                                            </p:txEl>
+                                          </p:spTgt>
+                                        </p:tgtEl>
+                                        <p:attrNameLst>
+                                          <p:attrName>style.visibility</p:attrName>
+                                        </p:attrNameLst>
+                                      </p:cBhvr>
+                                      <p:to>
+                                        <p:strVal val="visible"/>
+                                      </p:to>
+                                    </p:set>
+                                    <p:animEffect transition="in" filter="fade">
+                                      <p:cBhvr>
+                                        <p:cTn id="7" dur="500"/>
+                                        <p:tgtEl>
+                                          <p:spTgt spid="3">
+                                            <p:txEl>
+                                              <p:pRg st="2" end="2"/>
+                                            </p:txEl>
+                                          </p:spTgt>
+                                        </p:tgtEl>
+                                      </p:cBhvr>
+                                    </p:animEffect>
+                                  </p:childTnLst>
+                                </p:cTn>
+                              </p:par>
+                              <p:par>
+                                <p:cTn id="8" presetID="10" presetClass="entr" presetSubtype="0" fill="hold" nodeType="withEffect">
+                                  <p:stCondLst>
+                                    <p:cond delay="0"/>
+                                  </p:stCondLst>
+                                  <p:childTnLst>
+                                    <p:set>
+                                      <p:cBhvr>
+                                        <p:cTn id="9" dur="1" fill="hold">
+                                          <p:stCondLst>
+                                            <p:cond delay="0"/>
+                                          </p:stCondLst>
+                                        </p:cTn>
+                                        <p:tgtEl>
+                                          <p:spTgt spid="3">
+                                            <p:txEl>
+                                              <p:pRg st="3" end="3"/>
+                                            </p:txEl>
+                                          </p:spTgt>
+                                        </p:tgtEl>
+                                        <p:attrNameLst>
+                                          <p:attrName>style.visibility</p:attrName>
+                                        </p:attrNameLst>
+                                      </p:cBhvr>
+                                      <p:to>
+                                        <p:strVal val="visible"/>
+                                      </p:to>
+                                    </p:set>
+                                    <p:animEffect transition="in" filter="fade">
+                                      <p:cBhvr>
+                                        <p:cTn id="10" dur="500"/>
+                                        <p:tgtEl>
+                                          <p:spTgt spid="3">
+                                            <p:txEl>
+                                              <p:pRg st="3" end="3"/>
+                                            </p:txEl>
+                                          </p:spTgt>
+                                        </p:tgtEl>
+                                      </p:cBhvr>
+                                    </p:animEffect>
+                                  </p:childTnLst>
+                                </p:cTn>
+                              </p:par>
+                            </p:childTnLst>
+                          </p:cTn>
+                        </p:par>
+                      </p:childTnLst>
+                    </p:cTn>
+                  </p:par>
+                  <p:par>
+                    <p:cTn id="11" fill="hold">
+                      <p:stCondLst>
+                        <p:cond delay="indefinite"/>
+                      </p:stCondLst>
+                      <p:childTnLst>
+                        <p:par>
+                          <p:cTn id="12" fill="hold">
+                            <p:stCondLst>
+                              <p:cond delay="0"/>
+                            </p:stCondLst>
+                            <p:childTnLst>
+                              <p:par>
+                                <p:cTn id="13" presetID="10" presetClass="entr" presetSubtype="0" fill="hold" nodeType="clickEffect">
+                                  <p:stCondLst>
+                                    <p:cond delay="0"/>
+                                  </p:stCondLst>
+                                  <p:childTnLst>
+                                    <p:set>
+                                      <p:cBhvr>
+                                        <p:cTn id="14" dur="1" fill="hold">
+                                          <p:stCondLst>
+                                            <p:cond delay="0"/>
+                                          </p:stCondLst>
+                                        </p:cTn>
+                                        <p:tgtEl>
+                                          <p:spTgt spid="3">
+                                            <p:txEl>
+                                              <p:pRg st="4" end="4"/>
+                                            </p:txEl>
+                                          </p:spTgt>
+                                        </p:tgtEl>
+                                        <p:attrNameLst>
+                                          <p:attrName>style.visibility</p:attrName>
+                                        </p:attrNameLst>
+                                      </p:cBhvr>
+                                      <p:to>
+                                        <p:strVal val="visible"/>
+                                      </p:to>
+                                    </p:set>
+                                    <p:animEffect transition="in" filter="fade">
+                                      <p:cBhvr>
+                                        <p:cTn id="15" dur="500"/>
+                                        <p:tgtEl>
+                                          <p:spTgt spid="3">
+                                            <p:txEl>
+                                              <p:pRg st="4" end="4"/>
+                                            </p:txEl>
+                                          </p:spTgt>
+                                        </p:tgtEl>
+                                      </p:cBhvr>
+                                    </p:animEffect>
+                                  </p:childTnLst>
+                                </p:cTn>
+                              </p:par>
+                              <p:par>
+                                <p:cTn id="16" presetID="10" presetClass="entr" presetSubtype="0" fill="hold" nodeType="withEffect">
+                                  <p:stCondLst>
+                                    <p:cond delay="0"/>
+                                  </p:stCondLst>
+                                  <p:childTnLst>
+                                    <p:set>
+                                      <p:cBhvr>
+                                        <p:cTn id="17" dur="1" fill="hold">
+                                          <p:stCondLst>
+                                            <p:cond delay="0"/>
+                                          </p:stCondLst>
+                                        </p:cTn>
+                                        <p:tgtEl>
+                                          <p:spTgt spid="3">
+                                            <p:txEl>
+                                              <p:pRg st="5" end="5"/>
+                                            </p:txEl>
+                                          </p:spTgt>
+                                        </p:tgtEl>
+                                        <p:attrNameLst>
+                                          <p:attrName>style.visibility</p:attrName>
+                                        </p:attrNameLst>
+                                      </p:cBhvr>
+                                      <p:to>
+                                        <p:strVal val="visible"/>
+                                      </p:to>
+                                    </p:set>
+                                    <p:animEffect transition="in" filter="fade">
+                                      <p:cBhvr>
+                                        <p:cTn id="18" dur="500"/>
+                                        <p:tgtEl>
+                                          <p:spTgt spid="3">
+                                            <p:txEl>
+                                              <p:pRg st="5" end="5"/>
+                                            </p:txEl>
+                                          </p:spTgt>
+                                        </p:tgtEl>
+                                      </p:cBhvr>
+                                    </p:animEffect>
+                                  </p:childTnLst>
+                                </p:cTn>
+                              </p:par>
+                            </p:childTnLst>
+                          </p:cTn>
+                        </p:par>
+                      </p:childTnLst>
+                    </p:cTn>
+                  </p:par>
+                </p:childTnLst>
+              </p:cTn>
+              <p:prevCondLst>
+                <p:cond evt="onPrev" delay="0">
+                  <p:tgtEl>
+                    <p:sldTgt/>
+                  </p:tgtEl>
+                </p:cond>
+              </p:prevCondLst>
+              <p:nextCondLst>
+                <p:cond evt="onNext" delay="0">
+                  <p:tgtEl>
+                    <p:sldTgt/>
+                  </p:tgtEl>
+                </p:cond>
+              </p:nextCondLst>
+            </p:seq>
+          </p:childTnLst>
+        </p:cTn>
+      </p:par>
+    </p:tnLst>
+  </p:timing>
 </p:sld>
 </file>
 
@@ -8933,6 +14797,391 @@
   <p:clrMapOvr>
     <a:masterClrMapping/>
   </p:clrMapOvr>
+  <p:timing>
+    <p:tnLst>
+      <p:par>
+        <p:cTn id="1" dur="indefinite" restart="never" nodeType="tmRoot">
+          <p:childTnLst>
+            <p:seq concurrent="1" nextAc="seek">
+              <p:cTn id="2" dur="indefinite" nodeType="mainSeq">
+                <p:childTnLst>
+                  <p:par>
+                    <p:cTn id="3" fill="hold">
+                      <p:stCondLst>
+                        <p:cond delay="indefinite"/>
+                      </p:stCondLst>
+                      <p:childTnLst>
+                        <p:par>
+                          <p:cTn id="4" fill="hold">
+                            <p:stCondLst>
+                              <p:cond delay="0"/>
+                            </p:stCondLst>
+                            <p:childTnLst>
+                              <p:par>
+                                <p:cTn id="5" presetID="10" presetClass="entr" presetSubtype="0" fill="hold" nodeType="clickEffect">
+                                  <p:stCondLst>
+                                    <p:cond delay="0"/>
+                                  </p:stCondLst>
+                                  <p:childTnLst>
+                                    <p:set>
+                                      <p:cBhvr>
+                                        <p:cTn id="6" dur="1" fill="hold">
+                                          <p:stCondLst>
+                                            <p:cond delay="0"/>
+                                          </p:stCondLst>
+                                        </p:cTn>
+                                        <p:tgtEl>
+                                          <p:spTgt spid="3">
+                                            <p:txEl>
+                                              <p:pRg st="1" end="1"/>
+                                            </p:txEl>
+                                          </p:spTgt>
+                                        </p:tgtEl>
+                                        <p:attrNameLst>
+                                          <p:attrName>style.visibility</p:attrName>
+                                        </p:attrNameLst>
+                                      </p:cBhvr>
+                                      <p:to>
+                                        <p:strVal val="visible"/>
+                                      </p:to>
+                                    </p:set>
+                                    <p:animEffect transition="in" filter="fade">
+                                      <p:cBhvr>
+                                        <p:cTn id="7" dur="500"/>
+                                        <p:tgtEl>
+                                          <p:spTgt spid="3">
+                                            <p:txEl>
+                                              <p:pRg st="1" end="1"/>
+                                            </p:txEl>
+                                          </p:spTgt>
+                                        </p:tgtEl>
+                                      </p:cBhvr>
+                                    </p:animEffect>
+                                  </p:childTnLst>
+                                </p:cTn>
+                              </p:par>
+                              <p:par>
+                                <p:cTn id="8" presetID="10" presetClass="entr" presetSubtype="0" fill="hold" nodeType="withEffect">
+                                  <p:stCondLst>
+                                    <p:cond delay="0"/>
+                                  </p:stCondLst>
+                                  <p:childTnLst>
+                                    <p:set>
+                                      <p:cBhvr>
+                                        <p:cTn id="9" dur="1" fill="hold">
+                                          <p:stCondLst>
+                                            <p:cond delay="0"/>
+                                          </p:stCondLst>
+                                        </p:cTn>
+                                        <p:tgtEl>
+                                          <p:spTgt spid="3">
+                                            <p:txEl>
+                                              <p:pRg st="2" end="2"/>
+                                            </p:txEl>
+                                          </p:spTgt>
+                                        </p:tgtEl>
+                                        <p:attrNameLst>
+                                          <p:attrName>style.visibility</p:attrName>
+                                        </p:attrNameLst>
+                                      </p:cBhvr>
+                                      <p:to>
+                                        <p:strVal val="visible"/>
+                                      </p:to>
+                                    </p:set>
+                                    <p:animEffect transition="in" filter="fade">
+                                      <p:cBhvr>
+                                        <p:cTn id="10" dur="500"/>
+                                        <p:tgtEl>
+                                          <p:spTgt spid="3">
+                                            <p:txEl>
+                                              <p:pRg st="2" end="2"/>
+                                            </p:txEl>
+                                          </p:spTgt>
+                                        </p:tgtEl>
+                                      </p:cBhvr>
+                                    </p:animEffect>
+                                  </p:childTnLst>
+                                </p:cTn>
+                              </p:par>
+                              <p:par>
+                                <p:cTn id="11" presetID="10" presetClass="entr" presetSubtype="0" fill="hold" nodeType="withEffect">
+                                  <p:stCondLst>
+                                    <p:cond delay="0"/>
+                                  </p:stCondLst>
+                                  <p:childTnLst>
+                                    <p:set>
+                                      <p:cBhvr>
+                                        <p:cTn id="12" dur="1" fill="hold">
+                                          <p:stCondLst>
+                                            <p:cond delay="0"/>
+                                          </p:stCondLst>
+                                        </p:cTn>
+                                        <p:tgtEl>
+                                          <p:spTgt spid="3">
+                                            <p:txEl>
+                                              <p:pRg st="3" end="3"/>
+                                            </p:txEl>
+                                          </p:spTgt>
+                                        </p:tgtEl>
+                                        <p:attrNameLst>
+                                          <p:attrName>style.visibility</p:attrName>
+                                        </p:attrNameLst>
+                                      </p:cBhvr>
+                                      <p:to>
+                                        <p:strVal val="visible"/>
+                                      </p:to>
+                                    </p:set>
+                                    <p:animEffect transition="in" filter="fade">
+                                      <p:cBhvr>
+                                        <p:cTn id="13" dur="500"/>
+                                        <p:tgtEl>
+                                          <p:spTgt spid="3">
+                                            <p:txEl>
+                                              <p:pRg st="3" end="3"/>
+                                            </p:txEl>
+                                          </p:spTgt>
+                                        </p:tgtEl>
+                                      </p:cBhvr>
+                                    </p:animEffect>
+                                  </p:childTnLst>
+                                </p:cTn>
+                              </p:par>
+                              <p:par>
+                                <p:cTn id="14" presetID="10" presetClass="entr" presetSubtype="0" fill="hold" nodeType="withEffect">
+                                  <p:stCondLst>
+                                    <p:cond delay="0"/>
+                                  </p:stCondLst>
+                                  <p:childTnLst>
+                                    <p:set>
+                                      <p:cBhvr>
+                                        <p:cTn id="15" dur="1" fill="hold">
+                                          <p:stCondLst>
+                                            <p:cond delay="0"/>
+                                          </p:stCondLst>
+                                        </p:cTn>
+                                        <p:tgtEl>
+                                          <p:spTgt spid="3">
+                                            <p:txEl>
+                                              <p:pRg st="4" end="4"/>
+                                            </p:txEl>
+                                          </p:spTgt>
+                                        </p:tgtEl>
+                                        <p:attrNameLst>
+                                          <p:attrName>style.visibility</p:attrName>
+                                        </p:attrNameLst>
+                                      </p:cBhvr>
+                                      <p:to>
+                                        <p:strVal val="visible"/>
+                                      </p:to>
+                                    </p:set>
+                                    <p:animEffect transition="in" filter="fade">
+                                      <p:cBhvr>
+                                        <p:cTn id="16" dur="500"/>
+                                        <p:tgtEl>
+                                          <p:spTgt spid="3">
+                                            <p:txEl>
+                                              <p:pRg st="4" end="4"/>
+                                            </p:txEl>
+                                          </p:spTgt>
+                                        </p:tgtEl>
+                                      </p:cBhvr>
+                                    </p:animEffect>
+                                  </p:childTnLst>
+                                </p:cTn>
+                              </p:par>
+                              <p:par>
+                                <p:cTn id="17" presetID="10" presetClass="entr" presetSubtype="0" fill="hold" nodeType="withEffect">
+                                  <p:stCondLst>
+                                    <p:cond delay="0"/>
+                                  </p:stCondLst>
+                                  <p:childTnLst>
+                                    <p:set>
+                                      <p:cBhvr>
+                                        <p:cTn id="18" dur="1" fill="hold">
+                                          <p:stCondLst>
+                                            <p:cond delay="0"/>
+                                          </p:stCondLst>
+                                        </p:cTn>
+                                        <p:tgtEl>
+                                          <p:spTgt spid="3">
+                                            <p:txEl>
+                                              <p:pRg st="5" end="5"/>
+                                            </p:txEl>
+                                          </p:spTgt>
+                                        </p:tgtEl>
+                                        <p:attrNameLst>
+                                          <p:attrName>style.visibility</p:attrName>
+                                        </p:attrNameLst>
+                                      </p:cBhvr>
+                                      <p:to>
+                                        <p:strVal val="visible"/>
+                                      </p:to>
+                                    </p:set>
+                                    <p:animEffect transition="in" filter="fade">
+                                      <p:cBhvr>
+                                        <p:cTn id="19" dur="500"/>
+                                        <p:tgtEl>
+                                          <p:spTgt spid="3">
+                                            <p:txEl>
+                                              <p:pRg st="5" end="5"/>
+                                            </p:txEl>
+                                          </p:spTgt>
+                                        </p:tgtEl>
+                                      </p:cBhvr>
+                                    </p:animEffect>
+                                  </p:childTnLst>
+                                </p:cTn>
+                              </p:par>
+                            </p:childTnLst>
+                          </p:cTn>
+                        </p:par>
+                      </p:childTnLst>
+                    </p:cTn>
+                  </p:par>
+                  <p:par>
+                    <p:cTn id="20" fill="hold">
+                      <p:stCondLst>
+                        <p:cond delay="indefinite"/>
+                      </p:stCondLst>
+                      <p:childTnLst>
+                        <p:par>
+                          <p:cTn id="21" fill="hold">
+                            <p:stCondLst>
+                              <p:cond delay="0"/>
+                            </p:stCondLst>
+                            <p:childTnLst>
+                              <p:par>
+                                <p:cTn id="22" presetID="10" presetClass="entr" presetSubtype="0" fill="hold" nodeType="clickEffect">
+                                  <p:stCondLst>
+                                    <p:cond delay="0"/>
+                                  </p:stCondLst>
+                                  <p:childTnLst>
+                                    <p:set>
+                                      <p:cBhvr>
+                                        <p:cTn id="23" dur="1" fill="hold">
+                                          <p:stCondLst>
+                                            <p:cond delay="0"/>
+                                          </p:stCondLst>
+                                        </p:cTn>
+                                        <p:tgtEl>
+                                          <p:spTgt spid="3">
+                                            <p:txEl>
+                                              <p:pRg st="6" end="6"/>
+                                            </p:txEl>
+                                          </p:spTgt>
+                                        </p:tgtEl>
+                                        <p:attrNameLst>
+                                          <p:attrName>style.visibility</p:attrName>
+                                        </p:attrNameLst>
+                                      </p:cBhvr>
+                                      <p:to>
+                                        <p:strVal val="visible"/>
+                                      </p:to>
+                                    </p:set>
+                                    <p:animEffect transition="in" filter="fade">
+                                      <p:cBhvr>
+                                        <p:cTn id="24" dur="500"/>
+                                        <p:tgtEl>
+                                          <p:spTgt spid="3">
+                                            <p:txEl>
+                                              <p:pRg st="6" end="6"/>
+                                            </p:txEl>
+                                          </p:spTgt>
+                                        </p:tgtEl>
+                                      </p:cBhvr>
+                                    </p:animEffect>
+                                  </p:childTnLst>
+                                </p:cTn>
+                              </p:par>
+                            </p:childTnLst>
+                          </p:cTn>
+                        </p:par>
+                      </p:childTnLst>
+                    </p:cTn>
+                  </p:par>
+                  <p:par>
+                    <p:cTn id="25" fill="hold">
+                      <p:stCondLst>
+                        <p:cond delay="indefinite"/>
+                      </p:stCondLst>
+                      <p:childTnLst>
+                        <p:par>
+                          <p:cTn id="26" fill="hold">
+                            <p:stCondLst>
+                              <p:cond delay="0"/>
+                            </p:stCondLst>
+                            <p:childTnLst>
+                              <p:par>
+                                <p:cTn id="27" presetID="10" presetClass="entr" presetSubtype="0" fill="hold" nodeType="clickEffect">
+                                  <p:stCondLst>
+                                    <p:cond delay="0"/>
+                                  </p:stCondLst>
+                                  <p:childTnLst>
+                                    <p:set>
+                                      <p:cBhvr>
+                                        <p:cTn id="28" dur="1" fill="hold">
+                                          <p:stCondLst>
+                                            <p:cond delay="0"/>
+                                          </p:stCondLst>
+                                        </p:cTn>
+                                        <p:tgtEl>
+                                          <p:spTgt spid="3">
+                                            <p:txEl>
+                                              <p:pRg st="7" end="7"/>
+                                            </p:txEl>
+                                          </p:spTgt>
+                                        </p:tgtEl>
+                                        <p:attrNameLst>
+                                          <p:attrName>style.visibility</p:attrName>
+                                        </p:attrNameLst>
+                                      </p:cBhvr>
+                                      <p:to>
+                                        <p:strVal val="visible"/>
+                                      </p:to>
+                                    </p:set>
+                                    <p:animEffect transition="in" filter="fade">
+                                      <p:cBhvr>
+                                        <p:cTn id="29" dur="500"/>
+                                        <p:tgtEl>
+                                          <p:spTgt spid="3">
+                                            <p:txEl>
+                                              <p:pRg st="7" end="7"/>
+                                            </p:txEl>
+                                          </p:spTgt>
+                                        </p:tgtEl>
+                                      </p:cBhvr>
+                                    </p:animEffect>
+                                  </p:childTnLst>
+                                </p:cTn>
+                              </p:par>
+                            </p:childTnLst>
+                          </p:cTn>
+                        </p:par>
+                      </p:childTnLst>
+                    </p:cTn>
+                  </p:par>
+                </p:childTnLst>
+              </p:cTn>
+              <p:prevCondLst>
+                <p:cond evt="onPrev" delay="0">
+                  <p:tgtEl>
+                    <p:sldTgt/>
+                  </p:tgtEl>
+                </p:cond>
+              </p:prevCondLst>
+              <p:nextCondLst>
+                <p:cond evt="onNext" delay="0">
+                  <p:tgtEl>
+                    <p:sldTgt/>
+                  </p:tgtEl>
+                </p:cond>
+              </p:nextCondLst>
+            </p:seq>
+          </p:childTnLst>
+        </p:cTn>
+      </p:par>
+    </p:tnLst>
+  </p:timing>
 </p:sld>
 </file>
 
@@ -9054,6 +15303,269 @@
   <p:clrMapOvr>
     <a:masterClrMapping/>
   </p:clrMapOvr>
+  <p:timing>
+    <p:tnLst>
+      <p:par>
+        <p:cTn id="1" dur="indefinite" restart="never" nodeType="tmRoot">
+          <p:childTnLst>
+            <p:seq concurrent="1" nextAc="seek">
+              <p:cTn id="2" dur="indefinite" nodeType="mainSeq">
+                <p:childTnLst>
+                  <p:par>
+                    <p:cTn id="3" fill="hold">
+                      <p:stCondLst>
+                        <p:cond delay="indefinite"/>
+                      </p:stCondLst>
+                      <p:childTnLst>
+                        <p:par>
+                          <p:cTn id="4" fill="hold">
+                            <p:stCondLst>
+                              <p:cond delay="0"/>
+                            </p:stCondLst>
+                            <p:childTnLst>
+                              <p:par>
+                                <p:cTn id="5" presetID="10" presetClass="entr" presetSubtype="0" fill="hold" nodeType="clickEffect">
+                                  <p:stCondLst>
+                                    <p:cond delay="0"/>
+                                  </p:stCondLst>
+                                  <p:childTnLst>
+                                    <p:set>
+                                      <p:cBhvr>
+                                        <p:cTn id="6" dur="1" fill="hold">
+                                          <p:stCondLst>
+                                            <p:cond delay="0"/>
+                                          </p:stCondLst>
+                                        </p:cTn>
+                                        <p:tgtEl>
+                                          <p:spTgt spid="3">
+                                            <p:txEl>
+                                              <p:pRg st="0" end="0"/>
+                                            </p:txEl>
+                                          </p:spTgt>
+                                        </p:tgtEl>
+                                        <p:attrNameLst>
+                                          <p:attrName>style.visibility</p:attrName>
+                                        </p:attrNameLst>
+                                      </p:cBhvr>
+                                      <p:to>
+                                        <p:strVal val="visible"/>
+                                      </p:to>
+                                    </p:set>
+                                    <p:animEffect transition="in" filter="fade">
+                                      <p:cBhvr>
+                                        <p:cTn id="7" dur="500"/>
+                                        <p:tgtEl>
+                                          <p:spTgt spid="3">
+                                            <p:txEl>
+                                              <p:pRg st="0" end="0"/>
+                                            </p:txEl>
+                                          </p:spTgt>
+                                        </p:tgtEl>
+                                      </p:cBhvr>
+                                    </p:animEffect>
+                                  </p:childTnLst>
+                                </p:cTn>
+                              </p:par>
+                              <p:par>
+                                <p:cTn id="8" presetID="10" presetClass="entr" presetSubtype="0" fill="hold" nodeType="withEffect">
+                                  <p:stCondLst>
+                                    <p:cond delay="0"/>
+                                  </p:stCondLst>
+                                  <p:childTnLst>
+                                    <p:set>
+                                      <p:cBhvr>
+                                        <p:cTn id="9" dur="1" fill="hold">
+                                          <p:stCondLst>
+                                            <p:cond delay="0"/>
+                                          </p:stCondLst>
+                                        </p:cTn>
+                                        <p:tgtEl>
+                                          <p:spTgt spid="3">
+                                            <p:txEl>
+                                              <p:pRg st="1" end="1"/>
+                                            </p:txEl>
+                                          </p:spTgt>
+                                        </p:tgtEl>
+                                        <p:attrNameLst>
+                                          <p:attrName>style.visibility</p:attrName>
+                                        </p:attrNameLst>
+                                      </p:cBhvr>
+                                      <p:to>
+                                        <p:strVal val="visible"/>
+                                      </p:to>
+                                    </p:set>
+                                    <p:animEffect transition="in" filter="fade">
+                                      <p:cBhvr>
+                                        <p:cTn id="10" dur="500"/>
+                                        <p:tgtEl>
+                                          <p:spTgt spid="3">
+                                            <p:txEl>
+                                              <p:pRg st="1" end="1"/>
+                                            </p:txEl>
+                                          </p:spTgt>
+                                        </p:tgtEl>
+                                      </p:cBhvr>
+                                    </p:animEffect>
+                                  </p:childTnLst>
+                                </p:cTn>
+                              </p:par>
+                              <p:par>
+                                <p:cTn id="11" presetID="10" presetClass="entr" presetSubtype="0" fill="hold" nodeType="withEffect">
+                                  <p:stCondLst>
+                                    <p:cond delay="0"/>
+                                  </p:stCondLst>
+                                  <p:childTnLst>
+                                    <p:set>
+                                      <p:cBhvr>
+                                        <p:cTn id="12" dur="1" fill="hold">
+                                          <p:stCondLst>
+                                            <p:cond delay="0"/>
+                                          </p:stCondLst>
+                                        </p:cTn>
+                                        <p:tgtEl>
+                                          <p:spTgt spid="3">
+                                            <p:txEl>
+                                              <p:pRg st="2" end="2"/>
+                                            </p:txEl>
+                                          </p:spTgt>
+                                        </p:tgtEl>
+                                        <p:attrNameLst>
+                                          <p:attrName>style.visibility</p:attrName>
+                                        </p:attrNameLst>
+                                      </p:cBhvr>
+                                      <p:to>
+                                        <p:strVal val="visible"/>
+                                      </p:to>
+                                    </p:set>
+                                    <p:animEffect transition="in" filter="fade">
+                                      <p:cBhvr>
+                                        <p:cTn id="13" dur="500"/>
+                                        <p:tgtEl>
+                                          <p:spTgt spid="3">
+                                            <p:txEl>
+                                              <p:pRg st="2" end="2"/>
+                                            </p:txEl>
+                                          </p:spTgt>
+                                        </p:tgtEl>
+                                      </p:cBhvr>
+                                    </p:animEffect>
+                                  </p:childTnLst>
+                                </p:cTn>
+                              </p:par>
+                              <p:par>
+                                <p:cTn id="14" presetID="10" presetClass="entr" presetSubtype="0" fill="hold" nodeType="withEffect">
+                                  <p:stCondLst>
+                                    <p:cond delay="0"/>
+                                  </p:stCondLst>
+                                  <p:childTnLst>
+                                    <p:set>
+                                      <p:cBhvr>
+                                        <p:cTn id="15" dur="1" fill="hold">
+                                          <p:stCondLst>
+                                            <p:cond delay="0"/>
+                                          </p:stCondLst>
+                                        </p:cTn>
+                                        <p:tgtEl>
+                                          <p:spTgt spid="3">
+                                            <p:txEl>
+                                              <p:pRg st="3" end="3"/>
+                                            </p:txEl>
+                                          </p:spTgt>
+                                        </p:tgtEl>
+                                        <p:attrNameLst>
+                                          <p:attrName>style.visibility</p:attrName>
+                                        </p:attrNameLst>
+                                      </p:cBhvr>
+                                      <p:to>
+                                        <p:strVal val="visible"/>
+                                      </p:to>
+                                    </p:set>
+                                    <p:animEffect transition="in" filter="fade">
+                                      <p:cBhvr>
+                                        <p:cTn id="16" dur="500"/>
+                                        <p:tgtEl>
+                                          <p:spTgt spid="3">
+                                            <p:txEl>
+                                              <p:pRg st="3" end="3"/>
+                                            </p:txEl>
+                                          </p:spTgt>
+                                        </p:tgtEl>
+                                      </p:cBhvr>
+                                    </p:animEffect>
+                                  </p:childTnLst>
+                                </p:cTn>
+                              </p:par>
+                              <p:par>
+                                <p:cTn id="17" presetID="10" presetClass="entr" presetSubtype="0" fill="hold" nodeType="withEffect">
+                                  <p:stCondLst>
+                                    <p:cond delay="0"/>
+                                  </p:stCondLst>
+                                  <p:childTnLst>
+                                    <p:set>
+                                      <p:cBhvr>
+                                        <p:cTn id="18" dur="1" fill="hold">
+                                          <p:stCondLst>
+                                            <p:cond delay="0"/>
+                                          </p:stCondLst>
+                                        </p:cTn>
+                                        <p:tgtEl>
+                                          <p:spTgt spid="3">
+                                            <p:txEl>
+                                              <p:pRg st="4" end="4"/>
+                                            </p:txEl>
+                                          </p:spTgt>
+                                        </p:tgtEl>
+                                        <p:attrNameLst>
+                                          <p:attrName>style.visibility</p:attrName>
+                                        </p:attrNameLst>
+                                      </p:cBhvr>
+                                      <p:to>
+                                        <p:strVal val="visible"/>
+                                      </p:to>
+                                    </p:set>
+                                    <p:animEffect transition="in" filter="fade">
+                                      <p:cBhvr>
+                                        <p:cTn id="19" dur="500"/>
+                                        <p:tgtEl>
+                                          <p:spTgt spid="3">
+                                            <p:txEl>
+                                              <p:pRg st="4" end="4"/>
+                                            </p:txEl>
+                                          </p:spTgt>
+                                        </p:tgtEl>
+                                      </p:cBhvr>
+                                    </p:animEffect>
+                                  </p:childTnLst>
+                                </p:cTn>
+                              </p:par>
+                            </p:childTnLst>
+                          </p:cTn>
+                        </p:par>
+                      </p:childTnLst>
+                    </p:cTn>
+                  </p:par>
+                </p:childTnLst>
+              </p:cTn>
+              <p:prevCondLst>
+                <p:cond evt="onPrev" delay="0">
+                  <p:tgtEl>
+                    <p:sldTgt/>
+                  </p:tgtEl>
+                </p:cond>
+              </p:prevCondLst>
+              <p:nextCondLst>
+                <p:cond evt="onNext" delay="0">
+                  <p:tgtEl>
+                    <p:sldTgt/>
+                  </p:tgtEl>
+                </p:cond>
+              </p:nextCondLst>
+            </p:seq>
+          </p:childTnLst>
+        </p:cTn>
+      </p:par>
+    </p:tnLst>
+  </p:timing>
 </p:sld>
 </file>
 
@@ -9259,6 +15771,262 @@
   <p:clrMapOvr>
     <a:masterClrMapping/>
   </p:clrMapOvr>
+  <p:timing>
+    <p:tnLst>
+      <p:par>
+        <p:cTn id="1" dur="indefinite" restart="never" nodeType="tmRoot">
+          <p:childTnLst>
+            <p:seq concurrent="1" nextAc="seek">
+              <p:cTn id="2" dur="indefinite" nodeType="mainSeq">
+                <p:childTnLst>
+                  <p:par>
+                    <p:cTn id="3" fill="hold">
+                      <p:stCondLst>
+                        <p:cond delay="indefinite"/>
+                      </p:stCondLst>
+                      <p:childTnLst>
+                        <p:par>
+                          <p:cTn id="4" fill="hold">
+                            <p:stCondLst>
+                              <p:cond delay="0"/>
+                            </p:stCondLst>
+                            <p:childTnLst>
+                              <p:par>
+                                <p:cTn id="5" presetID="10" presetClass="entr" presetSubtype="0" fill="hold" nodeType="clickEffect">
+                                  <p:stCondLst>
+                                    <p:cond delay="0"/>
+                                  </p:stCondLst>
+                                  <p:childTnLst>
+                                    <p:set>
+                                      <p:cBhvr>
+                                        <p:cTn id="6" dur="1" fill="hold">
+                                          <p:stCondLst>
+                                            <p:cond delay="0"/>
+                                          </p:stCondLst>
+                                        </p:cTn>
+                                        <p:tgtEl>
+                                          <p:spTgt spid="3">
+                                            <p:txEl>
+                                              <p:pRg st="1" end="1"/>
+                                            </p:txEl>
+                                          </p:spTgt>
+                                        </p:tgtEl>
+                                        <p:attrNameLst>
+                                          <p:attrName>style.visibility</p:attrName>
+                                        </p:attrNameLst>
+                                      </p:cBhvr>
+                                      <p:to>
+                                        <p:strVal val="visible"/>
+                                      </p:to>
+                                    </p:set>
+                                    <p:animEffect transition="in" filter="fade">
+                                      <p:cBhvr>
+                                        <p:cTn id="7" dur="500"/>
+                                        <p:tgtEl>
+                                          <p:spTgt spid="3">
+                                            <p:txEl>
+                                              <p:pRg st="1" end="1"/>
+                                            </p:txEl>
+                                          </p:spTgt>
+                                        </p:tgtEl>
+                                      </p:cBhvr>
+                                    </p:animEffect>
+                                  </p:childTnLst>
+                                </p:cTn>
+                              </p:par>
+                            </p:childTnLst>
+                          </p:cTn>
+                        </p:par>
+                      </p:childTnLst>
+                    </p:cTn>
+                  </p:par>
+                  <p:par>
+                    <p:cTn id="8" fill="hold">
+                      <p:stCondLst>
+                        <p:cond delay="indefinite"/>
+                      </p:stCondLst>
+                      <p:childTnLst>
+                        <p:par>
+                          <p:cTn id="9" fill="hold">
+                            <p:stCondLst>
+                              <p:cond delay="0"/>
+                            </p:stCondLst>
+                            <p:childTnLst>
+                              <p:par>
+                                <p:cTn id="10" presetID="10" presetClass="entr" presetSubtype="0" fill="hold" nodeType="clickEffect">
+                                  <p:stCondLst>
+                                    <p:cond delay="0"/>
+                                  </p:stCondLst>
+                                  <p:childTnLst>
+                                    <p:set>
+                                      <p:cBhvr>
+                                        <p:cTn id="11" dur="1" fill="hold">
+                                          <p:stCondLst>
+                                            <p:cond delay="0"/>
+                                          </p:stCondLst>
+                                        </p:cTn>
+                                        <p:tgtEl>
+                                          <p:spTgt spid="3">
+                                            <p:txEl>
+                                              <p:pRg st="2" end="2"/>
+                                            </p:txEl>
+                                          </p:spTgt>
+                                        </p:tgtEl>
+                                        <p:attrNameLst>
+                                          <p:attrName>style.visibility</p:attrName>
+                                        </p:attrNameLst>
+                                      </p:cBhvr>
+                                      <p:to>
+                                        <p:strVal val="visible"/>
+                                      </p:to>
+                                    </p:set>
+                                    <p:animEffect transition="in" filter="fade">
+                                      <p:cBhvr>
+                                        <p:cTn id="12" dur="500"/>
+                                        <p:tgtEl>
+                                          <p:spTgt spid="3">
+                                            <p:txEl>
+                                              <p:pRg st="2" end="2"/>
+                                            </p:txEl>
+                                          </p:spTgt>
+                                        </p:tgtEl>
+                                      </p:cBhvr>
+                                    </p:animEffect>
+                                  </p:childTnLst>
+                                </p:cTn>
+                              </p:par>
+                            </p:childTnLst>
+                          </p:cTn>
+                        </p:par>
+                      </p:childTnLst>
+                    </p:cTn>
+                  </p:par>
+                  <p:par>
+                    <p:cTn id="13" fill="hold">
+                      <p:stCondLst>
+                        <p:cond delay="indefinite"/>
+                      </p:stCondLst>
+                      <p:childTnLst>
+                        <p:par>
+                          <p:cTn id="14" fill="hold">
+                            <p:stCondLst>
+                              <p:cond delay="0"/>
+                            </p:stCondLst>
+                            <p:childTnLst>
+                              <p:par>
+                                <p:cTn id="15" presetID="10" presetClass="entr" presetSubtype="0" fill="hold" nodeType="clickEffect">
+                                  <p:stCondLst>
+                                    <p:cond delay="0"/>
+                                  </p:stCondLst>
+                                  <p:childTnLst>
+                                    <p:set>
+                                      <p:cBhvr>
+                                        <p:cTn id="16" dur="1" fill="hold">
+                                          <p:stCondLst>
+                                            <p:cond delay="0"/>
+                                          </p:stCondLst>
+                                        </p:cTn>
+                                        <p:tgtEl>
+                                          <p:spTgt spid="3">
+                                            <p:txEl>
+                                              <p:pRg st="3" end="3"/>
+                                            </p:txEl>
+                                          </p:spTgt>
+                                        </p:tgtEl>
+                                        <p:attrNameLst>
+                                          <p:attrName>style.visibility</p:attrName>
+                                        </p:attrNameLst>
+                                      </p:cBhvr>
+                                      <p:to>
+                                        <p:strVal val="visible"/>
+                                      </p:to>
+                                    </p:set>
+                                    <p:animEffect transition="in" filter="fade">
+                                      <p:cBhvr>
+                                        <p:cTn id="17" dur="500"/>
+                                        <p:tgtEl>
+                                          <p:spTgt spid="3">
+                                            <p:txEl>
+                                              <p:pRg st="3" end="3"/>
+                                            </p:txEl>
+                                          </p:spTgt>
+                                        </p:tgtEl>
+                                      </p:cBhvr>
+                                    </p:animEffect>
+                                  </p:childTnLst>
+                                </p:cTn>
+                              </p:par>
+                              <p:par>
+                                <p:cTn id="18" presetID="10" presetClass="entr" presetSubtype="0" fill="hold" nodeType="withEffect">
+                                  <p:stCondLst>
+                                    <p:cond delay="0"/>
+                                  </p:stCondLst>
+                                  <p:childTnLst>
+                                    <p:set>
+                                      <p:cBhvr>
+                                        <p:cTn id="19" dur="1" fill="hold">
+                                          <p:stCondLst>
+                                            <p:cond delay="0"/>
+                                          </p:stCondLst>
+                                        </p:cTn>
+                                        <p:tgtEl>
+                                          <p:spTgt spid="3">
+                                            <p:txEl>
+                                              <p:pRg st="4" end="4"/>
+                                            </p:txEl>
+                                          </p:spTgt>
+                                        </p:tgtEl>
+                                        <p:attrNameLst>
+                                          <p:attrName>style.visibility</p:attrName>
+                                        </p:attrNameLst>
+                                      </p:cBhvr>
+                                      <p:to>
+                                        <p:strVal val="visible"/>
+                                      </p:to>
+                                    </p:set>
+                                    <p:animEffect transition="in" filter="fade">
+                                      <p:cBhvr>
+                                        <p:cTn id="20" dur="500"/>
+                                        <p:tgtEl>
+                                          <p:spTgt spid="3">
+                                            <p:txEl>
+                                              <p:pRg st="4" end="4"/>
+                                            </p:txEl>
+                                          </p:spTgt>
+                                        </p:tgtEl>
+                                      </p:cBhvr>
+                                    </p:animEffect>
+                                  </p:childTnLst>
+                                </p:cTn>
+                              </p:par>
+                            </p:childTnLst>
+                          </p:cTn>
+                        </p:par>
+                      </p:childTnLst>
+                    </p:cTn>
+                  </p:par>
+                </p:childTnLst>
+              </p:cTn>
+              <p:prevCondLst>
+                <p:cond evt="onPrev" delay="0">
+                  <p:tgtEl>
+                    <p:sldTgt/>
+                  </p:tgtEl>
+                </p:cond>
+              </p:prevCondLst>
+              <p:nextCondLst>
+                <p:cond evt="onNext" delay="0">
+                  <p:tgtEl>
+                    <p:sldTgt/>
+                  </p:tgtEl>
+                </p:cond>
+              </p:nextCondLst>
+            </p:seq>
+          </p:childTnLst>
+        </p:cTn>
+      </p:par>
+    </p:tnLst>
+  </p:timing>
 </p:sld>
 </file>
 
@@ -9437,6 +16205,272 @@
   <p:clrMapOvr>
     <a:masterClrMapping/>
   </p:clrMapOvr>
+  <p:timing>
+    <p:tnLst>
+      <p:par>
+        <p:cTn id="1" dur="indefinite" restart="never" nodeType="tmRoot">
+          <p:childTnLst>
+            <p:seq concurrent="1" nextAc="seek">
+              <p:cTn id="2" dur="indefinite" nodeType="mainSeq">
+                <p:childTnLst>
+                  <p:par>
+                    <p:cTn id="3" fill="hold">
+                      <p:stCondLst>
+                        <p:cond delay="indefinite"/>
+                      </p:stCondLst>
+                      <p:childTnLst>
+                        <p:par>
+                          <p:cTn id="4" fill="hold">
+                            <p:stCondLst>
+                              <p:cond delay="0"/>
+                            </p:stCondLst>
+                            <p:childTnLst>
+                              <p:par>
+                                <p:cTn id="5" presetID="10" presetClass="entr" presetSubtype="0" fill="hold" nodeType="clickEffect">
+                                  <p:stCondLst>
+                                    <p:cond delay="0"/>
+                                  </p:stCondLst>
+                                  <p:childTnLst>
+                                    <p:set>
+                                      <p:cBhvr>
+                                        <p:cTn id="6" dur="1" fill="hold">
+                                          <p:stCondLst>
+                                            <p:cond delay="0"/>
+                                          </p:stCondLst>
+                                        </p:cTn>
+                                        <p:tgtEl>
+                                          <p:spTgt spid="3">
+                                            <p:txEl>
+                                              <p:pRg st="2" end="2"/>
+                                            </p:txEl>
+                                          </p:spTgt>
+                                        </p:tgtEl>
+                                        <p:attrNameLst>
+                                          <p:attrName>style.visibility</p:attrName>
+                                        </p:attrNameLst>
+                                      </p:cBhvr>
+                                      <p:to>
+                                        <p:strVal val="visible"/>
+                                      </p:to>
+                                    </p:set>
+                                    <p:animEffect transition="in" filter="fade">
+                                      <p:cBhvr>
+                                        <p:cTn id="7" dur="500"/>
+                                        <p:tgtEl>
+                                          <p:spTgt spid="3">
+                                            <p:txEl>
+                                              <p:pRg st="2" end="2"/>
+                                            </p:txEl>
+                                          </p:spTgt>
+                                        </p:tgtEl>
+                                      </p:cBhvr>
+                                    </p:animEffect>
+                                  </p:childTnLst>
+                                </p:cTn>
+                              </p:par>
+                            </p:childTnLst>
+                          </p:cTn>
+                        </p:par>
+                      </p:childTnLst>
+                    </p:cTn>
+                  </p:par>
+                  <p:par>
+                    <p:cTn id="8" fill="hold">
+                      <p:stCondLst>
+                        <p:cond delay="indefinite"/>
+                      </p:stCondLst>
+                      <p:childTnLst>
+                        <p:par>
+                          <p:cTn id="9" fill="hold">
+                            <p:stCondLst>
+                              <p:cond delay="0"/>
+                            </p:stCondLst>
+                            <p:childTnLst>
+                              <p:par>
+                                <p:cTn id="10" presetID="10" presetClass="entr" presetSubtype="0" fill="hold" nodeType="clickEffect">
+                                  <p:stCondLst>
+                                    <p:cond delay="0"/>
+                                  </p:stCondLst>
+                                  <p:childTnLst>
+                                    <p:set>
+                                      <p:cBhvr>
+                                        <p:cTn id="11" dur="1" fill="hold">
+                                          <p:stCondLst>
+                                            <p:cond delay="0"/>
+                                          </p:stCondLst>
+                                        </p:cTn>
+                                        <p:tgtEl>
+                                          <p:spTgt spid="3">
+                                            <p:txEl>
+                                              <p:pRg st="3" end="3"/>
+                                            </p:txEl>
+                                          </p:spTgt>
+                                        </p:tgtEl>
+                                        <p:attrNameLst>
+                                          <p:attrName>style.visibility</p:attrName>
+                                        </p:attrNameLst>
+                                      </p:cBhvr>
+                                      <p:to>
+                                        <p:strVal val="visible"/>
+                                      </p:to>
+                                    </p:set>
+                                    <p:animEffect transition="in" filter="fade">
+                                      <p:cBhvr>
+                                        <p:cTn id="12" dur="500"/>
+                                        <p:tgtEl>
+                                          <p:spTgt spid="3">
+                                            <p:txEl>
+                                              <p:pRg st="3" end="3"/>
+                                            </p:txEl>
+                                          </p:spTgt>
+                                        </p:tgtEl>
+                                      </p:cBhvr>
+                                    </p:animEffect>
+                                  </p:childTnLst>
+                                </p:cTn>
+                              </p:par>
+                            </p:childTnLst>
+                          </p:cTn>
+                        </p:par>
+                      </p:childTnLst>
+                    </p:cTn>
+                  </p:par>
+                  <p:par>
+                    <p:cTn id="13" fill="hold">
+                      <p:stCondLst>
+                        <p:cond delay="indefinite"/>
+                      </p:stCondLst>
+                      <p:childTnLst>
+                        <p:par>
+                          <p:cTn id="14" fill="hold">
+                            <p:stCondLst>
+                              <p:cond delay="0"/>
+                            </p:stCondLst>
+                            <p:childTnLst>
+                              <p:par>
+                                <p:cTn id="15" presetID="10" presetClass="entr" presetSubtype="0" fill="hold" nodeType="clickEffect">
+                                  <p:stCondLst>
+                                    <p:cond delay="0"/>
+                                  </p:stCondLst>
+                                  <p:childTnLst>
+                                    <p:set>
+                                      <p:cBhvr>
+                                        <p:cTn id="16" dur="1" fill="hold">
+                                          <p:stCondLst>
+                                            <p:cond delay="0"/>
+                                          </p:stCondLst>
+                                        </p:cTn>
+                                        <p:tgtEl>
+                                          <p:spTgt spid="3">
+                                            <p:txEl>
+                                              <p:pRg st="4" end="4"/>
+                                            </p:txEl>
+                                          </p:spTgt>
+                                        </p:tgtEl>
+                                        <p:attrNameLst>
+                                          <p:attrName>style.visibility</p:attrName>
+                                        </p:attrNameLst>
+                                      </p:cBhvr>
+                                      <p:to>
+                                        <p:strVal val="visible"/>
+                                      </p:to>
+                                    </p:set>
+                                    <p:animEffect transition="in" filter="fade">
+                                      <p:cBhvr>
+                                        <p:cTn id="17" dur="500"/>
+                                        <p:tgtEl>
+                                          <p:spTgt spid="3">
+                                            <p:txEl>
+                                              <p:pRg st="4" end="4"/>
+                                            </p:txEl>
+                                          </p:spTgt>
+                                        </p:tgtEl>
+                                      </p:cBhvr>
+                                    </p:animEffect>
+                                  </p:childTnLst>
+                                </p:cTn>
+                              </p:par>
+                            </p:childTnLst>
+                          </p:cTn>
+                        </p:par>
+                      </p:childTnLst>
+                    </p:cTn>
+                  </p:par>
+                  <p:par>
+                    <p:cTn id="18" fill="hold">
+                      <p:stCondLst>
+                        <p:cond delay="indefinite"/>
+                      </p:stCondLst>
+                      <p:childTnLst>
+                        <p:par>
+                          <p:cTn id="19" fill="hold">
+                            <p:stCondLst>
+                              <p:cond delay="0"/>
+                            </p:stCondLst>
+                            <p:childTnLst>
+                              <p:par>
+                                <p:cTn id="20" presetID="10" presetClass="entr" presetSubtype="0" fill="hold" nodeType="clickEffect">
+                                  <p:stCondLst>
+                                    <p:cond delay="0"/>
+                                  </p:stCondLst>
+                                  <p:childTnLst>
+                                    <p:set>
+                                      <p:cBhvr>
+                                        <p:cTn id="21" dur="1" fill="hold">
+                                          <p:stCondLst>
+                                            <p:cond delay="0"/>
+                                          </p:stCondLst>
+                                        </p:cTn>
+                                        <p:tgtEl>
+                                          <p:spTgt spid="5"/>
+                                        </p:tgtEl>
+                                        <p:attrNameLst>
+                                          <p:attrName>style.visibility</p:attrName>
+                                        </p:attrNameLst>
+                                      </p:cBhvr>
+                                      <p:to>
+                                        <p:strVal val="visible"/>
+                                      </p:to>
+                                    </p:set>
+                                    <p:animEffect transition="in" filter="fade">
+                                      <p:cBhvr>
+                                        <p:cTn id="22" dur="500"/>
+                                        <p:tgtEl>
+                                          <p:spTgt spid="5"/>
+                                        </p:tgtEl>
+                                      </p:cBhvr>
+                                    </p:animEffect>
+                                  </p:childTnLst>
+                                </p:cTn>
+                              </p:par>
+                            </p:childTnLst>
+                          </p:cTn>
+                        </p:par>
+                      </p:childTnLst>
+                    </p:cTn>
+                  </p:par>
+                </p:childTnLst>
+              </p:cTn>
+              <p:prevCondLst>
+                <p:cond evt="onPrev" delay="0">
+                  <p:tgtEl>
+                    <p:sldTgt/>
+                  </p:tgtEl>
+                </p:cond>
+              </p:prevCondLst>
+              <p:nextCondLst>
+                <p:cond evt="onNext" delay="0">
+                  <p:tgtEl>
+                    <p:sldTgt/>
+                  </p:tgtEl>
+                </p:cond>
+              </p:nextCondLst>
+            </p:seq>
+          </p:childTnLst>
+        </p:cTn>
+      </p:par>
+    </p:tnLst>
+  </p:timing>
 </p:sld>
 </file>
 
@@ -9571,7 +16605,7 @@
         </p:blipFill>
         <p:spPr>
           <a:xfrm>
-            <a:off x="4789147" y="3545023"/>
+            <a:off x="4386024" y="3584352"/>
             <a:ext cx="3419952" cy="1714739"/>
           </a:xfrm>
           <a:prstGeom prst="rect">
@@ -9645,6 +16679,264 @@
   <p:clrMapOvr>
     <a:masterClrMapping/>
   </p:clrMapOvr>
+  <p:timing>
+    <p:tnLst>
+      <p:par>
+        <p:cTn id="1" dur="indefinite" restart="never" nodeType="tmRoot">
+          <p:childTnLst>
+            <p:seq concurrent="1" nextAc="seek">
+              <p:cTn id="2" dur="indefinite" nodeType="mainSeq">
+                <p:childTnLst>
+                  <p:par>
+                    <p:cTn id="3" fill="hold">
+                      <p:stCondLst>
+                        <p:cond delay="indefinite"/>
+                      </p:stCondLst>
+                      <p:childTnLst>
+                        <p:par>
+                          <p:cTn id="4" fill="hold">
+                            <p:stCondLst>
+                              <p:cond delay="0"/>
+                            </p:stCondLst>
+                            <p:childTnLst>
+                              <p:par>
+                                <p:cTn id="5" presetID="10" presetClass="entr" presetSubtype="0" fill="hold" nodeType="clickEffect">
+                                  <p:stCondLst>
+                                    <p:cond delay="0"/>
+                                  </p:stCondLst>
+                                  <p:childTnLst>
+                                    <p:set>
+                                      <p:cBhvr>
+                                        <p:cTn id="6" dur="1" fill="hold">
+                                          <p:stCondLst>
+                                            <p:cond delay="0"/>
+                                          </p:stCondLst>
+                                        </p:cTn>
+                                        <p:tgtEl>
+                                          <p:spTgt spid="3">
+                                            <p:txEl>
+                                              <p:pRg st="2" end="2"/>
+                                            </p:txEl>
+                                          </p:spTgt>
+                                        </p:tgtEl>
+                                        <p:attrNameLst>
+                                          <p:attrName>style.visibility</p:attrName>
+                                        </p:attrNameLst>
+                                      </p:cBhvr>
+                                      <p:to>
+                                        <p:strVal val="visible"/>
+                                      </p:to>
+                                    </p:set>
+                                    <p:animEffect transition="in" filter="fade">
+                                      <p:cBhvr>
+                                        <p:cTn id="7" dur="500"/>
+                                        <p:tgtEl>
+                                          <p:spTgt spid="3">
+                                            <p:txEl>
+                                              <p:pRg st="2" end="2"/>
+                                            </p:txEl>
+                                          </p:spTgt>
+                                        </p:tgtEl>
+                                      </p:cBhvr>
+                                    </p:animEffect>
+                                  </p:childTnLst>
+                                </p:cTn>
+                              </p:par>
+                            </p:childTnLst>
+                          </p:cTn>
+                        </p:par>
+                      </p:childTnLst>
+                    </p:cTn>
+                  </p:par>
+                  <p:par>
+                    <p:cTn id="8" fill="hold">
+                      <p:stCondLst>
+                        <p:cond delay="indefinite"/>
+                      </p:stCondLst>
+                      <p:childTnLst>
+                        <p:par>
+                          <p:cTn id="9" fill="hold">
+                            <p:stCondLst>
+                              <p:cond delay="0"/>
+                            </p:stCondLst>
+                            <p:childTnLst>
+                              <p:par>
+                                <p:cTn id="10" presetID="10" presetClass="entr" presetSubtype="0" fill="hold" nodeType="clickEffect">
+                                  <p:stCondLst>
+                                    <p:cond delay="0"/>
+                                  </p:stCondLst>
+                                  <p:childTnLst>
+                                    <p:set>
+                                      <p:cBhvr>
+                                        <p:cTn id="11" dur="1" fill="hold">
+                                          <p:stCondLst>
+                                            <p:cond delay="0"/>
+                                          </p:stCondLst>
+                                        </p:cTn>
+                                        <p:tgtEl>
+                                          <p:spTgt spid="3">
+                                            <p:txEl>
+                                              <p:pRg st="3" end="3"/>
+                                            </p:txEl>
+                                          </p:spTgt>
+                                        </p:tgtEl>
+                                        <p:attrNameLst>
+                                          <p:attrName>style.visibility</p:attrName>
+                                        </p:attrNameLst>
+                                      </p:cBhvr>
+                                      <p:to>
+                                        <p:strVal val="visible"/>
+                                      </p:to>
+                                    </p:set>
+                                    <p:animEffect transition="in" filter="fade">
+                                      <p:cBhvr>
+                                        <p:cTn id="12" dur="500"/>
+                                        <p:tgtEl>
+                                          <p:spTgt spid="3">
+                                            <p:txEl>
+                                              <p:pRg st="3" end="3"/>
+                                            </p:txEl>
+                                          </p:spTgt>
+                                        </p:tgtEl>
+                                      </p:cBhvr>
+                                    </p:animEffect>
+                                  </p:childTnLst>
+                                </p:cTn>
+                              </p:par>
+                            </p:childTnLst>
+                          </p:cTn>
+                        </p:par>
+                      </p:childTnLst>
+                    </p:cTn>
+                  </p:par>
+                  <p:par>
+                    <p:cTn id="13" fill="hold">
+                      <p:stCondLst>
+                        <p:cond delay="indefinite"/>
+                      </p:stCondLst>
+                      <p:childTnLst>
+                        <p:par>
+                          <p:cTn id="14" fill="hold">
+                            <p:stCondLst>
+                              <p:cond delay="0"/>
+                            </p:stCondLst>
+                            <p:childTnLst>
+                              <p:par>
+                                <p:cTn id="15" presetID="10" presetClass="entr" presetSubtype="0" fill="hold" nodeType="clickEffect">
+                                  <p:stCondLst>
+                                    <p:cond delay="0"/>
+                                  </p:stCondLst>
+                                  <p:childTnLst>
+                                    <p:set>
+                                      <p:cBhvr>
+                                        <p:cTn id="16" dur="1" fill="hold">
+                                          <p:stCondLst>
+                                            <p:cond delay="0"/>
+                                          </p:stCondLst>
+                                        </p:cTn>
+                                        <p:tgtEl>
+                                          <p:spTgt spid="6"/>
+                                        </p:tgtEl>
+                                        <p:attrNameLst>
+                                          <p:attrName>style.visibility</p:attrName>
+                                        </p:attrNameLst>
+                                      </p:cBhvr>
+                                      <p:to>
+                                        <p:strVal val="visible"/>
+                                      </p:to>
+                                    </p:set>
+                                    <p:animEffect transition="in" filter="fade">
+                                      <p:cBhvr>
+                                        <p:cTn id="17" dur="500"/>
+                                        <p:tgtEl>
+                                          <p:spTgt spid="6"/>
+                                        </p:tgtEl>
+                                      </p:cBhvr>
+                                    </p:animEffect>
+                                  </p:childTnLst>
+                                </p:cTn>
+                              </p:par>
+                            </p:childTnLst>
+                          </p:cTn>
+                        </p:par>
+                      </p:childTnLst>
+                    </p:cTn>
+                  </p:par>
+                  <p:par>
+                    <p:cTn id="18" fill="hold">
+                      <p:stCondLst>
+                        <p:cond delay="indefinite"/>
+                      </p:stCondLst>
+                      <p:childTnLst>
+                        <p:par>
+                          <p:cTn id="19" fill="hold">
+                            <p:stCondLst>
+                              <p:cond delay="0"/>
+                            </p:stCondLst>
+                            <p:childTnLst>
+                              <p:par>
+                                <p:cTn id="20" presetID="10" presetClass="entr" presetSubtype="0" fill="hold" nodeType="clickEffect">
+                                  <p:stCondLst>
+                                    <p:cond delay="0"/>
+                                  </p:stCondLst>
+                                  <p:childTnLst>
+                                    <p:set>
+                                      <p:cBhvr>
+                                        <p:cTn id="21" dur="1" fill="hold">
+                                          <p:stCondLst>
+                                            <p:cond delay="0"/>
+                                          </p:stCondLst>
+                                        </p:cTn>
+                                        <p:tgtEl>
+                                          <p:spTgt spid="8"/>
+                                        </p:tgtEl>
+                                        <p:attrNameLst>
+                                          <p:attrName>style.visibility</p:attrName>
+                                        </p:attrNameLst>
+                                      </p:cBhvr>
+                                      <p:to>
+                                        <p:strVal val="visible"/>
+                                      </p:to>
+                                    </p:set>
+                                    <p:animEffect transition="in" filter="fade">
+                                      <p:cBhvr>
+                                        <p:cTn id="22" dur="500"/>
+                                        <p:tgtEl>
+                                          <p:spTgt spid="8"/>
+                                        </p:tgtEl>
+                                      </p:cBhvr>
+                                    </p:animEffect>
+                                  </p:childTnLst>
+                                </p:cTn>
+                              </p:par>
+                            </p:childTnLst>
+                          </p:cTn>
+                        </p:par>
+                      </p:childTnLst>
+                    </p:cTn>
+                  </p:par>
+                </p:childTnLst>
+              </p:cTn>
+              <p:prevCondLst>
+                <p:cond evt="onPrev" delay="0">
+                  <p:tgtEl>
+                    <p:sldTgt/>
+                  </p:tgtEl>
+                </p:cond>
+              </p:prevCondLst>
+              <p:nextCondLst>
+                <p:cond evt="onNext" delay="0">
+                  <p:tgtEl>
+                    <p:sldTgt/>
+                  </p:tgtEl>
+                </p:cond>
+              </p:nextCondLst>
+            </p:seq>
+          </p:childTnLst>
+        </p:cTn>
+      </p:par>
+    </p:tnLst>
+  </p:timing>
 </p:sld>
 </file>
 
@@ -9910,6 +17202,386 @@
   <p:clrMapOvr>
     <a:masterClrMapping/>
   </p:clrMapOvr>
+  <p:timing>
+    <p:tnLst>
+      <p:par>
+        <p:cTn id="1" dur="indefinite" restart="never" nodeType="tmRoot">
+          <p:childTnLst>
+            <p:seq concurrent="1" nextAc="seek">
+              <p:cTn id="2" dur="indefinite" nodeType="mainSeq">
+                <p:childTnLst>
+                  <p:par>
+                    <p:cTn id="3" fill="hold">
+                      <p:stCondLst>
+                        <p:cond delay="indefinite"/>
+                      </p:stCondLst>
+                      <p:childTnLst>
+                        <p:par>
+                          <p:cTn id="4" fill="hold">
+                            <p:stCondLst>
+                              <p:cond delay="0"/>
+                            </p:stCondLst>
+                            <p:childTnLst>
+                              <p:par>
+                                <p:cTn id="5" presetID="10" presetClass="entr" presetSubtype="0" fill="hold" nodeType="clickEffect">
+                                  <p:stCondLst>
+                                    <p:cond delay="0"/>
+                                  </p:stCondLst>
+                                  <p:childTnLst>
+                                    <p:set>
+                                      <p:cBhvr>
+                                        <p:cTn id="6" dur="1" fill="hold">
+                                          <p:stCondLst>
+                                            <p:cond delay="0"/>
+                                          </p:stCondLst>
+                                        </p:cTn>
+                                        <p:tgtEl>
+                                          <p:spTgt spid="3">
+                                            <p:txEl>
+                                              <p:pRg st="2" end="2"/>
+                                            </p:txEl>
+                                          </p:spTgt>
+                                        </p:tgtEl>
+                                        <p:attrNameLst>
+                                          <p:attrName>style.visibility</p:attrName>
+                                        </p:attrNameLst>
+                                      </p:cBhvr>
+                                      <p:to>
+                                        <p:strVal val="visible"/>
+                                      </p:to>
+                                    </p:set>
+                                    <p:animEffect transition="in" filter="fade">
+                                      <p:cBhvr>
+                                        <p:cTn id="7" dur="500"/>
+                                        <p:tgtEl>
+                                          <p:spTgt spid="3">
+                                            <p:txEl>
+                                              <p:pRg st="2" end="2"/>
+                                            </p:txEl>
+                                          </p:spTgt>
+                                        </p:tgtEl>
+                                      </p:cBhvr>
+                                    </p:animEffect>
+                                  </p:childTnLst>
+                                </p:cTn>
+                              </p:par>
+                            </p:childTnLst>
+                          </p:cTn>
+                        </p:par>
+                      </p:childTnLst>
+                    </p:cTn>
+                  </p:par>
+                  <p:par>
+                    <p:cTn id="8" fill="hold">
+                      <p:stCondLst>
+                        <p:cond delay="indefinite"/>
+                      </p:stCondLst>
+                      <p:childTnLst>
+                        <p:par>
+                          <p:cTn id="9" fill="hold">
+                            <p:stCondLst>
+                              <p:cond delay="0"/>
+                            </p:stCondLst>
+                            <p:childTnLst>
+                              <p:par>
+                                <p:cTn id="10" presetID="10" presetClass="entr" presetSubtype="0" fill="hold" nodeType="clickEffect">
+                                  <p:stCondLst>
+                                    <p:cond delay="0"/>
+                                  </p:stCondLst>
+                                  <p:childTnLst>
+                                    <p:set>
+                                      <p:cBhvr>
+                                        <p:cTn id="11" dur="1" fill="hold">
+                                          <p:stCondLst>
+                                            <p:cond delay="0"/>
+                                          </p:stCondLst>
+                                        </p:cTn>
+                                        <p:tgtEl>
+                                          <p:spTgt spid="3">
+                                            <p:txEl>
+                                              <p:pRg st="3" end="3"/>
+                                            </p:txEl>
+                                          </p:spTgt>
+                                        </p:tgtEl>
+                                        <p:attrNameLst>
+                                          <p:attrName>style.visibility</p:attrName>
+                                        </p:attrNameLst>
+                                      </p:cBhvr>
+                                      <p:to>
+                                        <p:strVal val="visible"/>
+                                      </p:to>
+                                    </p:set>
+                                    <p:animEffect transition="in" filter="fade">
+                                      <p:cBhvr>
+                                        <p:cTn id="12" dur="500"/>
+                                        <p:tgtEl>
+                                          <p:spTgt spid="3">
+                                            <p:txEl>
+                                              <p:pRg st="3" end="3"/>
+                                            </p:txEl>
+                                          </p:spTgt>
+                                        </p:tgtEl>
+                                      </p:cBhvr>
+                                    </p:animEffect>
+                                  </p:childTnLst>
+                                </p:cTn>
+                              </p:par>
+                            </p:childTnLst>
+                          </p:cTn>
+                        </p:par>
+                      </p:childTnLst>
+                    </p:cTn>
+                  </p:par>
+                  <p:par>
+                    <p:cTn id="13" fill="hold">
+                      <p:stCondLst>
+                        <p:cond delay="indefinite"/>
+                      </p:stCondLst>
+                      <p:childTnLst>
+                        <p:par>
+                          <p:cTn id="14" fill="hold">
+                            <p:stCondLst>
+                              <p:cond delay="0"/>
+                            </p:stCondLst>
+                            <p:childTnLst>
+                              <p:par>
+                                <p:cTn id="15" presetID="10" presetClass="entr" presetSubtype="0" fill="hold" nodeType="clickEffect">
+                                  <p:stCondLst>
+                                    <p:cond delay="0"/>
+                                  </p:stCondLst>
+                                  <p:childTnLst>
+                                    <p:set>
+                                      <p:cBhvr>
+                                        <p:cTn id="16" dur="1" fill="hold">
+                                          <p:stCondLst>
+                                            <p:cond delay="0"/>
+                                          </p:stCondLst>
+                                        </p:cTn>
+                                        <p:tgtEl>
+                                          <p:spTgt spid="6"/>
+                                        </p:tgtEl>
+                                        <p:attrNameLst>
+                                          <p:attrName>style.visibility</p:attrName>
+                                        </p:attrNameLst>
+                                      </p:cBhvr>
+                                      <p:to>
+                                        <p:strVal val="visible"/>
+                                      </p:to>
+                                    </p:set>
+                                    <p:animEffect transition="in" filter="fade">
+                                      <p:cBhvr>
+                                        <p:cTn id="17" dur="500"/>
+                                        <p:tgtEl>
+                                          <p:spTgt spid="6"/>
+                                        </p:tgtEl>
+                                      </p:cBhvr>
+                                    </p:animEffect>
+                                  </p:childTnLst>
+                                </p:cTn>
+                              </p:par>
+                            </p:childTnLst>
+                          </p:cTn>
+                        </p:par>
+                      </p:childTnLst>
+                    </p:cTn>
+                  </p:par>
+                  <p:par>
+                    <p:cTn id="18" fill="hold">
+                      <p:stCondLst>
+                        <p:cond delay="indefinite"/>
+                      </p:stCondLst>
+                      <p:childTnLst>
+                        <p:par>
+                          <p:cTn id="19" fill="hold">
+                            <p:stCondLst>
+                              <p:cond delay="0"/>
+                            </p:stCondLst>
+                            <p:childTnLst>
+                              <p:par>
+                                <p:cTn id="20" presetID="10" presetClass="entr" presetSubtype="0" fill="hold" nodeType="clickEffect">
+                                  <p:stCondLst>
+                                    <p:cond delay="0"/>
+                                  </p:stCondLst>
+                                  <p:childTnLst>
+                                    <p:set>
+                                      <p:cBhvr>
+                                        <p:cTn id="21" dur="1" fill="hold">
+                                          <p:stCondLst>
+                                            <p:cond delay="0"/>
+                                          </p:stCondLst>
+                                        </p:cTn>
+                                        <p:tgtEl>
+                                          <p:spTgt spid="3">
+                                            <p:txEl>
+                                              <p:pRg st="5" end="5"/>
+                                            </p:txEl>
+                                          </p:spTgt>
+                                        </p:tgtEl>
+                                        <p:attrNameLst>
+                                          <p:attrName>style.visibility</p:attrName>
+                                        </p:attrNameLst>
+                                      </p:cBhvr>
+                                      <p:to>
+                                        <p:strVal val="visible"/>
+                                      </p:to>
+                                    </p:set>
+                                    <p:animEffect transition="in" filter="fade">
+                                      <p:cBhvr>
+                                        <p:cTn id="22" dur="500"/>
+                                        <p:tgtEl>
+                                          <p:spTgt spid="3">
+                                            <p:txEl>
+                                              <p:pRg st="5" end="5"/>
+                                            </p:txEl>
+                                          </p:spTgt>
+                                        </p:tgtEl>
+                                      </p:cBhvr>
+                                    </p:animEffect>
+                                  </p:childTnLst>
+                                </p:cTn>
+                              </p:par>
+                            </p:childTnLst>
+                          </p:cTn>
+                        </p:par>
+                      </p:childTnLst>
+                    </p:cTn>
+                  </p:par>
+                  <p:par>
+                    <p:cTn id="23" fill="hold">
+                      <p:stCondLst>
+                        <p:cond delay="indefinite"/>
+                      </p:stCondLst>
+                      <p:childTnLst>
+                        <p:par>
+                          <p:cTn id="24" fill="hold">
+                            <p:stCondLst>
+                              <p:cond delay="0"/>
+                            </p:stCondLst>
+                            <p:childTnLst>
+                              <p:par>
+                                <p:cTn id="25" presetID="10" presetClass="entr" presetSubtype="0" fill="hold" nodeType="clickEffect">
+                                  <p:stCondLst>
+                                    <p:cond delay="0"/>
+                                  </p:stCondLst>
+                                  <p:childTnLst>
+                                    <p:set>
+                                      <p:cBhvr>
+                                        <p:cTn id="26" dur="1" fill="hold">
+                                          <p:stCondLst>
+                                            <p:cond delay="0"/>
+                                          </p:stCondLst>
+                                        </p:cTn>
+                                        <p:tgtEl>
+                                          <p:spTgt spid="3">
+                                            <p:txEl>
+                                              <p:pRg st="7" end="7"/>
+                                            </p:txEl>
+                                          </p:spTgt>
+                                        </p:tgtEl>
+                                        <p:attrNameLst>
+                                          <p:attrName>style.visibility</p:attrName>
+                                        </p:attrNameLst>
+                                      </p:cBhvr>
+                                      <p:to>
+                                        <p:strVal val="visible"/>
+                                      </p:to>
+                                    </p:set>
+                                    <p:animEffect transition="in" filter="fade">
+                                      <p:cBhvr>
+                                        <p:cTn id="27" dur="500"/>
+                                        <p:tgtEl>
+                                          <p:spTgt spid="3">
+                                            <p:txEl>
+                                              <p:pRg st="7" end="7"/>
+                                            </p:txEl>
+                                          </p:spTgt>
+                                        </p:tgtEl>
+                                      </p:cBhvr>
+                                    </p:animEffect>
+                                  </p:childTnLst>
+                                </p:cTn>
+                              </p:par>
+                            </p:childTnLst>
+                          </p:cTn>
+                        </p:par>
+                      </p:childTnLst>
+                    </p:cTn>
+                  </p:par>
+                  <p:par>
+                    <p:cTn id="28" fill="hold">
+                      <p:stCondLst>
+                        <p:cond delay="indefinite"/>
+                      </p:stCondLst>
+                      <p:childTnLst>
+                        <p:par>
+                          <p:cTn id="29" fill="hold">
+                            <p:stCondLst>
+                              <p:cond delay="0"/>
+                            </p:stCondLst>
+                            <p:childTnLst>
+                              <p:par>
+                                <p:cTn id="30" presetID="10" presetClass="entr" presetSubtype="0" fill="hold" nodeType="clickEffect">
+                                  <p:stCondLst>
+                                    <p:cond delay="0"/>
+                                  </p:stCondLst>
+                                  <p:childTnLst>
+                                    <p:set>
+                                      <p:cBhvr>
+                                        <p:cTn id="31" dur="1" fill="hold">
+                                          <p:stCondLst>
+                                            <p:cond delay="0"/>
+                                          </p:stCondLst>
+                                        </p:cTn>
+                                        <p:tgtEl>
+                                          <p:spTgt spid="8"/>
+                                        </p:tgtEl>
+                                        <p:attrNameLst>
+                                          <p:attrName>style.visibility</p:attrName>
+                                        </p:attrNameLst>
+                                      </p:cBhvr>
+                                      <p:to>
+                                        <p:strVal val="visible"/>
+                                      </p:to>
+                                    </p:set>
+                                    <p:animEffect transition="in" filter="fade">
+                                      <p:cBhvr>
+                                        <p:cTn id="32" dur="500"/>
+                                        <p:tgtEl>
+                                          <p:spTgt spid="8"/>
+                                        </p:tgtEl>
+                                      </p:cBhvr>
+                                    </p:animEffect>
+                                  </p:childTnLst>
+                                </p:cTn>
+                              </p:par>
+                            </p:childTnLst>
+                          </p:cTn>
+                        </p:par>
+                      </p:childTnLst>
+                    </p:cTn>
+                  </p:par>
+                </p:childTnLst>
+              </p:cTn>
+              <p:prevCondLst>
+                <p:cond evt="onPrev" delay="0">
+                  <p:tgtEl>
+                    <p:sldTgt/>
+                  </p:tgtEl>
+                </p:cond>
+              </p:prevCondLst>
+              <p:nextCondLst>
+                <p:cond evt="onNext" delay="0">
+                  <p:tgtEl>
+                    <p:sldTgt/>
+                  </p:tgtEl>
+                </p:cond>
+              </p:nextCondLst>
+            </p:seq>
+          </p:childTnLst>
+        </p:cTn>
+      </p:par>
+    </p:tnLst>
+  </p:timing>
 </p:sld>
 </file>
 
